--- a/発表資料_week2.pptx
+++ b/発表資料_week2.pptx
@@ -12,22 +12,23 @@
     <p:sldId id="282" r:id="rId6"/>
     <p:sldId id="276" r:id="rId7"/>
     <p:sldId id="287" r:id="rId8"/>
-    <p:sldId id="283" r:id="rId9"/>
-    <p:sldId id="284" r:id="rId10"/>
-    <p:sldId id="285" r:id="rId11"/>
-    <p:sldId id="286" r:id="rId12"/>
-    <p:sldId id="280" r:id="rId13"/>
-    <p:sldId id="288" r:id="rId14"/>
-    <p:sldId id="289" r:id="rId15"/>
-    <p:sldId id="290" r:id="rId16"/>
-    <p:sldId id="291" r:id="rId17"/>
-    <p:sldId id="292" r:id="rId18"/>
-    <p:sldId id="293" r:id="rId19"/>
-    <p:sldId id="294" r:id="rId20"/>
-    <p:sldId id="295" r:id="rId21"/>
-    <p:sldId id="298" r:id="rId22"/>
-    <p:sldId id="296" r:id="rId23"/>
-    <p:sldId id="297" r:id="rId24"/>
+    <p:sldId id="299" r:id="rId9"/>
+    <p:sldId id="283" r:id="rId10"/>
+    <p:sldId id="284" r:id="rId11"/>
+    <p:sldId id="285" r:id="rId12"/>
+    <p:sldId id="286" r:id="rId13"/>
+    <p:sldId id="280" r:id="rId14"/>
+    <p:sldId id="288" r:id="rId15"/>
+    <p:sldId id="289" r:id="rId16"/>
+    <p:sldId id="290" r:id="rId17"/>
+    <p:sldId id="291" r:id="rId18"/>
+    <p:sldId id="292" r:id="rId19"/>
+    <p:sldId id="293" r:id="rId20"/>
+    <p:sldId id="294" r:id="rId21"/>
+    <p:sldId id="295" r:id="rId22"/>
+    <p:sldId id="298" r:id="rId23"/>
+    <p:sldId id="296" r:id="rId24"/>
+    <p:sldId id="297" r:id="rId25"/>
   </p:sldIdLst>
   <p:sldSz cx="12192000" cy="6858000"/>
   <p:notesSz cx="6858000" cy="9144000"/>
@@ -281,7 +282,7 @@
           <a:p>
             <a:fld id="{751CA577-3EB1-4A83-ABD8-7419C322EEEC}" type="datetimeFigureOut">
               <a:rPr kumimoji="1" lang="ja-JP" altLang="en-US" smtClean="0"/>
-              <a:t>2018/7/19</a:t>
+              <a:t>2018/7/20</a:t>
             </a:fld>
             <a:endParaRPr kumimoji="1" lang="ja-JP" altLang="en-US"/>
           </a:p>
@@ -511,7 +512,7 @@
           <a:p>
             <a:fld id="{751CA577-3EB1-4A83-ABD8-7419C322EEEC}" type="datetimeFigureOut">
               <a:rPr kumimoji="1" lang="ja-JP" altLang="en-US" smtClean="0"/>
-              <a:t>2018/7/19</a:t>
+              <a:t>2018/7/20</a:t>
             </a:fld>
             <a:endParaRPr kumimoji="1" lang="ja-JP" altLang="en-US"/>
           </a:p>
@@ -751,7 +752,7 @@
           <a:p>
             <a:fld id="{751CA577-3EB1-4A83-ABD8-7419C322EEEC}" type="datetimeFigureOut">
               <a:rPr kumimoji="1" lang="ja-JP" altLang="en-US" smtClean="0"/>
-              <a:t>2018/7/19</a:t>
+              <a:t>2018/7/20</a:t>
             </a:fld>
             <a:endParaRPr kumimoji="1" lang="ja-JP" altLang="en-US"/>
           </a:p>
@@ -981,7 +982,7 @@
           <a:p>
             <a:fld id="{751CA577-3EB1-4A83-ABD8-7419C322EEEC}" type="datetimeFigureOut">
               <a:rPr kumimoji="1" lang="ja-JP" altLang="en-US" smtClean="0"/>
-              <a:t>2018/7/19</a:t>
+              <a:t>2018/7/20</a:t>
             </a:fld>
             <a:endParaRPr kumimoji="1" lang="ja-JP" altLang="en-US"/>
           </a:p>
@@ -1256,7 +1257,7 @@
           <a:p>
             <a:fld id="{751CA577-3EB1-4A83-ABD8-7419C322EEEC}" type="datetimeFigureOut">
               <a:rPr kumimoji="1" lang="ja-JP" altLang="en-US" smtClean="0"/>
-              <a:t>2018/7/19</a:t>
+              <a:t>2018/7/20</a:t>
             </a:fld>
             <a:endParaRPr kumimoji="1" lang="ja-JP" altLang="en-US"/>
           </a:p>
@@ -1585,7 +1586,7 @@
           <a:p>
             <a:fld id="{751CA577-3EB1-4A83-ABD8-7419C322EEEC}" type="datetimeFigureOut">
               <a:rPr kumimoji="1" lang="ja-JP" altLang="en-US" smtClean="0"/>
-              <a:t>2018/7/19</a:t>
+              <a:t>2018/7/20</a:t>
             </a:fld>
             <a:endParaRPr kumimoji="1" lang="ja-JP" altLang="en-US"/>
           </a:p>
@@ -2061,7 +2062,7 @@
           <a:p>
             <a:fld id="{751CA577-3EB1-4A83-ABD8-7419C322EEEC}" type="datetimeFigureOut">
               <a:rPr kumimoji="1" lang="ja-JP" altLang="en-US" smtClean="0"/>
-              <a:t>2018/7/19</a:t>
+              <a:t>2018/7/20</a:t>
             </a:fld>
             <a:endParaRPr kumimoji="1" lang="ja-JP" altLang="en-US"/>
           </a:p>
@@ -2202,7 +2203,7 @@
           <a:p>
             <a:fld id="{751CA577-3EB1-4A83-ABD8-7419C322EEEC}" type="datetimeFigureOut">
               <a:rPr kumimoji="1" lang="ja-JP" altLang="en-US" smtClean="0"/>
-              <a:t>2018/7/19</a:t>
+              <a:t>2018/7/20</a:t>
             </a:fld>
             <a:endParaRPr kumimoji="1" lang="ja-JP" altLang="en-US"/>
           </a:p>
@@ -2315,7 +2316,7 @@
           <a:p>
             <a:fld id="{751CA577-3EB1-4A83-ABD8-7419C322EEEC}" type="datetimeFigureOut">
               <a:rPr kumimoji="1" lang="ja-JP" altLang="en-US" smtClean="0"/>
-              <a:t>2018/7/19</a:t>
+              <a:t>2018/7/20</a:t>
             </a:fld>
             <a:endParaRPr kumimoji="1" lang="ja-JP" altLang="en-US"/>
           </a:p>
@@ -2658,7 +2659,7 @@
           <a:p>
             <a:fld id="{751CA577-3EB1-4A83-ABD8-7419C322EEEC}" type="datetimeFigureOut">
               <a:rPr kumimoji="1" lang="ja-JP" altLang="en-US" smtClean="0"/>
-              <a:t>2018/7/19</a:t>
+              <a:t>2018/7/20</a:t>
             </a:fld>
             <a:endParaRPr kumimoji="1" lang="ja-JP" altLang="en-US"/>
           </a:p>
@@ -2946,7 +2947,7 @@
           <a:p>
             <a:fld id="{751CA577-3EB1-4A83-ABD8-7419C322EEEC}" type="datetimeFigureOut">
               <a:rPr kumimoji="1" lang="ja-JP" altLang="en-US" smtClean="0"/>
-              <a:t>2018/7/19</a:t>
+              <a:t>2018/7/20</a:t>
             </a:fld>
             <a:endParaRPr kumimoji="1" lang="ja-JP" altLang="en-US"/>
           </a:p>
@@ -3219,7 +3220,7 @@
           <a:p>
             <a:fld id="{751CA577-3EB1-4A83-ABD8-7419C322EEEC}" type="datetimeFigureOut">
               <a:rPr kumimoji="1" lang="ja-JP" altLang="en-US" smtClean="0"/>
-              <a:t>2018/7/19</a:t>
+              <a:t>2018/7/20</a:t>
             </a:fld>
             <a:endParaRPr kumimoji="1" lang="ja-JP" altLang="en-US"/>
           </a:p>
@@ -3806,7 +3807,7 @@
           <p:cNvPr id="3" name="コンテンツ プレースホルダー 2">
             <a:extLst>
               <a:ext uri="{FF2B5EF4-FFF2-40B4-BE49-F238E27FC236}">
-                <a16:creationId xmlns:a16="http://schemas.microsoft.com/office/drawing/2014/main" id="{94402577-7F61-4159-9ED8-46BB48A1CB49}"/>
+                <a16:creationId xmlns:a16="http://schemas.microsoft.com/office/drawing/2014/main" id="{E026692D-BC5B-41C4-8D10-F6D49AB28E6C}"/>
               </a:ext>
             </a:extLst>
           </p:cNvPr>
@@ -3844,16 +3845,8 @@
           </a:p>
           <a:p>
             <a:r>
-              <a:rPr lang="en-US" altLang="ja-JP" sz="2400" dirty="0"/>
-              <a:t>Unique value </a:t>
-            </a:r>
-            <a:r>
-              <a:rPr lang="ja-JP" altLang="en-US" sz="2400" dirty="0" err="1"/>
-              <a:t>を抽</a:t>
-            </a:r>
-            <a:r>
               <a:rPr lang="ja-JP" altLang="en-US" sz="2400" dirty="0"/>
-              <a:t>出して、列を追加しながらエンコード</a:t>
+              <a:t>重複している列を消す。</a:t>
             </a:r>
             <a:endParaRPr lang="en-US" altLang="ja-JP" sz="2400" dirty="0"/>
           </a:p>
@@ -3863,123 +3856,88 @@
             </a:pPr>
             <a:r>
               <a:rPr lang="ja-JP" altLang="en-US" sz="2400" dirty="0"/>
-              <a:t>   </a:t>
+              <a:t>    </a:t>
             </a:r>
             <a:r>
               <a:rPr lang="en-US" altLang="ja-JP" sz="2400" dirty="0"/>
-              <a:t>(</a:t>
+              <a:t>※</a:t>
             </a:r>
             <a:r>
               <a:rPr lang="ja-JP" altLang="en-US" sz="2400" dirty="0"/>
-              <a:t>例</a:t>
+              <a:t> 正確には、</a:t>
             </a:r>
             <a:r>
               <a:rPr lang="en-US" altLang="ja-JP" sz="2400" dirty="0"/>
-              <a:t>)</a:t>
-            </a:r>
+              <a:t>2</a:t>
+            </a:r>
+            <a:r>
+              <a:rPr lang="ja-JP" altLang="en-US" sz="2400" dirty="0"/>
+              <a:t>個まで違うのは重複とみなす。</a:t>
+            </a:r>
+            <a:endParaRPr lang="en-US" altLang="ja-JP" sz="2400" dirty="0"/>
           </a:p>
           <a:p>
             <a:pPr marL="0" indent="0">
               <a:buNone/>
             </a:pPr>
             <a:r>
+              <a:rPr lang="en-US" altLang="ja-JP" sz="2400" dirty="0"/>
+              <a:t>    ※</a:t>
+            </a:r>
+            <a:r>
               <a:rPr lang="ja-JP" altLang="en-US" sz="2400" dirty="0"/>
-              <a:t>       </a:t>
+              <a:t> ちなみに前回の   </a:t>
             </a:r>
             <a:r>
               <a:rPr lang="en-US" altLang="ja-JP" sz="2400" dirty="0"/>
-              <a:t>L01_S50_F300 </a:t>
+              <a:t>.</a:t>
+            </a:r>
+            <a:r>
+              <a:rPr lang="en-US" altLang="ja-JP" sz="2400" dirty="0" err="1"/>
+              <a:t>T.drop_duplicate</a:t>
+            </a:r>
+            <a:r>
+              <a:rPr lang="en-US" altLang="ja-JP" sz="2400" dirty="0"/>
+              <a:t>().T </a:t>
             </a:r>
             <a:r>
               <a:rPr lang="ja-JP" altLang="en-US" sz="2400" dirty="0"/>
-              <a:t>の </a:t>
+              <a:t>は遅すぎて使えない。</a:t>
             </a:r>
             <a:r>
               <a:rPr lang="en-US" altLang="ja-JP" sz="2400" dirty="0"/>
-              <a:t>unique value = [Nan, T1, T9, T32, T40]</a:t>
+              <a:t> </a:t>
             </a:r>
           </a:p>
           <a:p>
             <a:pPr marL="0" indent="0">
               <a:buNone/>
             </a:pPr>
+            <a:endParaRPr lang="en-US" altLang="ja-JP" sz="2400" dirty="0"/>
+          </a:p>
+          <a:p>
             <a:r>
               <a:rPr lang="en-US" altLang="ja-JP" sz="2400" dirty="0"/>
-              <a:t>       </a:t>
+              <a:t>numeric</a:t>
             </a:r>
             <a:r>
               <a:rPr lang="ja-JP" altLang="en-US" sz="2400" dirty="0"/>
-              <a:t>→ </a:t>
-            </a:r>
-            <a:r>
-              <a:rPr lang="en-US" altLang="ja-JP" sz="2400" dirty="0"/>
-              <a:t>L01_S50_F300_bit0  (T1, T9)</a:t>
-            </a:r>
-          </a:p>
-          <a:p>
-            <a:pPr marL="457200" lvl="1" indent="0">
-              <a:buNone/>
-            </a:pPr>
-            <a:r>
-              <a:rPr lang="en-US" altLang="ja-JP" dirty="0"/>
-              <a:t>  </a:t>
-            </a:r>
-            <a:r>
-              <a:rPr lang="ja-JP" altLang="en-US" dirty="0"/>
-              <a:t>     </a:t>
-            </a:r>
-            <a:r>
-              <a:rPr lang="en-US" altLang="ja-JP" dirty="0"/>
-              <a:t>L01_S50_F300_bit3  (T9, T40)</a:t>
-            </a:r>
-          </a:p>
-          <a:p>
-            <a:pPr marL="457200" lvl="1" indent="0">
-              <a:buNone/>
-            </a:pPr>
-            <a:r>
-              <a:rPr lang="ja-JP" altLang="en-US" dirty="0"/>
-              <a:t>       </a:t>
-            </a:r>
-            <a:r>
-              <a:rPr lang="en-US" altLang="ja-JP" dirty="0"/>
-              <a:t>L01_S50_F300_bit5  (T32, T40)</a:t>
-            </a:r>
-          </a:p>
-          <a:p>
-            <a:pPr marL="457200" lvl="1" indent="0">
-              <a:buNone/>
-            </a:pPr>
-            <a:r>
-              <a:rPr lang="en-US" altLang="ja-JP" dirty="0"/>
-              <a:t>  ※</a:t>
-            </a:r>
-            <a:r>
-              <a:rPr lang="ja-JP" altLang="en-US" dirty="0"/>
-              <a:t> もとの </a:t>
-            </a:r>
-            <a:r>
-              <a:rPr lang="en-US" altLang="ja-JP" dirty="0"/>
-              <a:t>feature </a:t>
-            </a:r>
-            <a:r>
-              <a:rPr lang="ja-JP" altLang="en-US" dirty="0"/>
-              <a:t>は消す。</a:t>
-            </a:r>
-            <a:endParaRPr lang="en-US" altLang="ja-JP" dirty="0"/>
+              <a:t> も同じことをやった。</a:t>
+            </a:r>
+            <a:endParaRPr lang="en-US" altLang="ja-JP" sz="2400" dirty="0"/>
           </a:p>
           <a:p>
             <a:pPr marL="0" indent="0">
               <a:buNone/>
             </a:pPr>
-            <a:endParaRPr kumimoji="1" lang="ja-JP" altLang="en-US" sz="2400" dirty="0"/>
+            <a:endParaRPr lang="en-US" altLang="ja-JP" sz="2400" dirty="0"/>
           </a:p>
         </p:txBody>
       </p:sp>
     </p:spTree>
     <p:extLst>
       <p:ext uri="{BB962C8B-B14F-4D97-AF65-F5344CB8AC3E}">
-        <p14:creationId xmlns:p14="http://schemas.microsoft.com/office/powerpoint/2010/main" val="832204677"/>
+        <p14:creationId xmlns:p14="http://schemas.microsoft.com/office/powerpoint/2010/main" val="2429942023"/>
       </p:ext>
     </p:extLst>
   </p:cSld>
@@ -4073,6 +4031,246 @@
               <a:buNone/>
             </a:pPr>
             <a:r>
+              <a:rPr lang="en-US" altLang="ja-JP" sz="2400" dirty="0"/>
+              <a:t>Station </a:t>
+            </a:r>
+            <a:r>
+              <a:rPr lang="ja-JP" altLang="en-US" sz="2400" dirty="0"/>
+              <a:t>ごとに</a:t>
+            </a:r>
+            <a:endParaRPr lang="en-US" altLang="ja-JP" sz="2400" dirty="0"/>
+          </a:p>
+          <a:p>
+            <a:r>
+              <a:rPr lang="en-US" altLang="ja-JP" sz="2400" dirty="0"/>
+              <a:t>Unique value </a:t>
+            </a:r>
+            <a:r>
+              <a:rPr lang="ja-JP" altLang="en-US" sz="2400" dirty="0" err="1"/>
+              <a:t>を抽</a:t>
+            </a:r>
+            <a:r>
+              <a:rPr lang="ja-JP" altLang="en-US" sz="2400" dirty="0"/>
+              <a:t>出して、列を追加しながらエンコード</a:t>
+            </a:r>
+            <a:endParaRPr lang="en-US" altLang="ja-JP" sz="2400" dirty="0"/>
+          </a:p>
+          <a:p>
+            <a:pPr marL="0" indent="0">
+              <a:buNone/>
+            </a:pPr>
+            <a:r>
+              <a:rPr lang="ja-JP" altLang="en-US" sz="2400" dirty="0"/>
+              <a:t>   </a:t>
+            </a:r>
+            <a:r>
+              <a:rPr lang="en-US" altLang="ja-JP" sz="2400" dirty="0"/>
+              <a:t>(</a:t>
+            </a:r>
+            <a:r>
+              <a:rPr lang="ja-JP" altLang="en-US" sz="2400" dirty="0"/>
+              <a:t>例</a:t>
+            </a:r>
+            <a:r>
+              <a:rPr lang="en-US" altLang="ja-JP" sz="2400" dirty="0"/>
+              <a:t>)</a:t>
+            </a:r>
+          </a:p>
+          <a:p>
+            <a:pPr marL="0" indent="0">
+              <a:buNone/>
+            </a:pPr>
+            <a:r>
+              <a:rPr lang="ja-JP" altLang="en-US" sz="2400" dirty="0"/>
+              <a:t>       </a:t>
+            </a:r>
+            <a:r>
+              <a:rPr lang="en-US" altLang="ja-JP" sz="2400" dirty="0"/>
+              <a:t>L01_S50_F300 </a:t>
+            </a:r>
+            <a:r>
+              <a:rPr lang="ja-JP" altLang="en-US" sz="2400" dirty="0"/>
+              <a:t>の </a:t>
+            </a:r>
+            <a:r>
+              <a:rPr lang="en-US" altLang="ja-JP" sz="2400" dirty="0"/>
+              <a:t>unique value = [Nan, T1, T9, T32, T40]</a:t>
+            </a:r>
+          </a:p>
+          <a:p>
+            <a:pPr marL="0" indent="0">
+              <a:buNone/>
+            </a:pPr>
+            <a:r>
+              <a:rPr lang="en-US" altLang="ja-JP" sz="2400" dirty="0"/>
+              <a:t>       </a:t>
+            </a:r>
+            <a:r>
+              <a:rPr lang="ja-JP" altLang="en-US" sz="2400" dirty="0"/>
+              <a:t>→ </a:t>
+            </a:r>
+            <a:r>
+              <a:rPr lang="en-US" altLang="ja-JP" sz="2400" dirty="0"/>
+              <a:t>L01_S50_F300_bit0  (T1, T9)</a:t>
+            </a:r>
+          </a:p>
+          <a:p>
+            <a:pPr marL="457200" lvl="1" indent="0">
+              <a:buNone/>
+            </a:pPr>
+            <a:r>
+              <a:rPr lang="en-US" altLang="ja-JP" dirty="0"/>
+              <a:t>  </a:t>
+            </a:r>
+            <a:r>
+              <a:rPr lang="ja-JP" altLang="en-US" dirty="0"/>
+              <a:t>     </a:t>
+            </a:r>
+            <a:r>
+              <a:rPr lang="en-US" altLang="ja-JP" dirty="0"/>
+              <a:t>L01_S50_F300_bit3  (T9, T40)</a:t>
+            </a:r>
+          </a:p>
+          <a:p>
+            <a:pPr marL="457200" lvl="1" indent="0">
+              <a:buNone/>
+            </a:pPr>
+            <a:r>
+              <a:rPr lang="ja-JP" altLang="en-US" dirty="0"/>
+              <a:t>       </a:t>
+            </a:r>
+            <a:r>
+              <a:rPr lang="en-US" altLang="ja-JP" dirty="0"/>
+              <a:t>L01_S50_F300_bit5  (T32, T40)</a:t>
+            </a:r>
+          </a:p>
+          <a:p>
+            <a:pPr marL="457200" lvl="1" indent="0">
+              <a:buNone/>
+            </a:pPr>
+            <a:r>
+              <a:rPr lang="en-US" altLang="ja-JP" dirty="0"/>
+              <a:t>  ※</a:t>
+            </a:r>
+            <a:r>
+              <a:rPr lang="ja-JP" altLang="en-US" dirty="0"/>
+              <a:t> もとの </a:t>
+            </a:r>
+            <a:r>
+              <a:rPr lang="en-US" altLang="ja-JP" dirty="0"/>
+              <a:t>feature </a:t>
+            </a:r>
+            <a:r>
+              <a:rPr lang="ja-JP" altLang="en-US" dirty="0"/>
+              <a:t>は消す。</a:t>
+            </a:r>
+            <a:endParaRPr lang="en-US" altLang="ja-JP" dirty="0"/>
+          </a:p>
+          <a:p>
+            <a:pPr marL="0" indent="0">
+              <a:buNone/>
+            </a:pPr>
+            <a:endParaRPr kumimoji="1" lang="ja-JP" altLang="en-US" sz="2400" dirty="0"/>
+          </a:p>
+        </p:txBody>
+      </p:sp>
+    </p:spTree>
+    <p:extLst>
+      <p:ext uri="{BB962C8B-B14F-4D97-AF65-F5344CB8AC3E}">
+        <p14:creationId xmlns:p14="http://schemas.microsoft.com/office/powerpoint/2010/main" val="832204677"/>
+      </p:ext>
+    </p:extLst>
+  </p:cSld>
+  <p:clrMapOvr>
+    <a:masterClrMapping/>
+  </p:clrMapOvr>
+</p:sld>
+</file>
+
+<file path=ppt/slides/slide12.xml><?xml version="1.0" encoding="utf-8"?>
+<p:sld xmlns:a="http://schemas.openxmlformats.org/drawingml/2006/main" xmlns:r="http://schemas.openxmlformats.org/officeDocument/2006/relationships" xmlns:p="http://schemas.openxmlformats.org/presentationml/2006/main">
+  <p:cSld>
+    <p:spTree>
+      <p:nvGrpSpPr>
+        <p:cNvPr id="1" name=""/>
+        <p:cNvGrpSpPr/>
+        <p:nvPr/>
+      </p:nvGrpSpPr>
+      <p:grpSpPr>
+        <a:xfrm>
+          <a:off x="0" y="0"/>
+          <a:ext cx="0" cy="0"/>
+          <a:chOff x="0" y="0"/>
+          <a:chExt cx="0" cy="0"/>
+        </a:xfrm>
+      </p:grpSpPr>
+      <p:sp>
+        <p:nvSpPr>
+          <p:cNvPr id="2" name="タイトル 1">
+            <a:extLst>
+              <a:ext uri="{FF2B5EF4-FFF2-40B4-BE49-F238E27FC236}">
+                <a16:creationId xmlns:a16="http://schemas.microsoft.com/office/drawing/2014/main" id="{3613AB1D-7F94-47C1-BB89-E34EC6F7C4CC}"/>
+              </a:ext>
+            </a:extLst>
+          </p:cNvPr>
+          <p:cNvSpPr>
+            <a:spLocks noGrp="1"/>
+          </p:cNvSpPr>
+          <p:nvPr>
+            <p:ph type="title"/>
+          </p:nvPr>
+        </p:nvSpPr>
+        <p:spPr>
+          <a:xfrm>
+            <a:off x="1066800" y="308224"/>
+            <a:ext cx="10058400" cy="935976"/>
+          </a:xfrm>
+        </p:spPr>
+        <p:txBody>
+          <a:bodyPr>
+            <a:normAutofit/>
+          </a:bodyPr>
+          <a:lstStyle/>
+          <a:p>
+            <a:r>
+              <a:rPr kumimoji="1" lang="ja-JP" altLang="en-US" dirty="0"/>
+              <a:t>ビットエンコーディングをやりきる</a:t>
+            </a:r>
+          </a:p>
+        </p:txBody>
+      </p:sp>
+      <p:sp>
+        <p:nvSpPr>
+          <p:cNvPr id="3" name="コンテンツ プレースホルダー 2">
+            <a:extLst>
+              <a:ext uri="{FF2B5EF4-FFF2-40B4-BE49-F238E27FC236}">
+                <a16:creationId xmlns:a16="http://schemas.microsoft.com/office/drawing/2014/main" id="{94402577-7F61-4159-9ED8-46BB48A1CB49}"/>
+              </a:ext>
+            </a:extLst>
+          </p:cNvPr>
+          <p:cNvSpPr>
+            <a:spLocks noGrp="1"/>
+          </p:cNvSpPr>
+          <p:nvPr>
+            <p:ph idx="1"/>
+          </p:nvPr>
+        </p:nvSpPr>
+        <p:spPr>
+          <a:xfrm>
+            <a:off x="1156274" y="1639256"/>
+            <a:ext cx="10337636" cy="4910520"/>
+          </a:xfrm>
+        </p:spPr>
+        <p:txBody>
+          <a:bodyPr>
+            <a:normAutofit/>
+          </a:bodyPr>
+          <a:lstStyle/>
+          <a:p>
+            <a:pPr marL="0" indent="0">
+              <a:buNone/>
+            </a:pPr>
+            <a:r>
               <a:rPr lang="ja-JP" altLang="en-US" sz="2400" dirty="0"/>
               <a:t>成績</a:t>
             </a:r>
@@ -4222,7 +4420,7 @@
 </p:sld>
 </file>
 
-<file path=ppt/slides/slide12.xml><?xml version="1.0" encoding="utf-8"?>
+<file path=ppt/slides/slide13.xml><?xml version="1.0" encoding="utf-8"?>
 <p:sld xmlns:a="http://schemas.openxmlformats.org/drawingml/2006/main" xmlns:r="http://schemas.openxmlformats.org/officeDocument/2006/relationships" xmlns:p="http://schemas.openxmlformats.org/presentationml/2006/main">
   <p:cSld>
     <p:spTree>
@@ -5650,7 +5848,7 @@
 </p:sld>
 </file>
 
-<file path=ppt/slides/slide13.xml><?xml version="1.0" encoding="utf-8"?>
+<file path=ppt/slides/slide14.xml><?xml version="1.0" encoding="utf-8"?>
 <p:sld xmlns:a="http://schemas.openxmlformats.org/drawingml/2006/main" xmlns:r="http://schemas.openxmlformats.org/officeDocument/2006/relationships" xmlns:p="http://schemas.openxmlformats.org/presentationml/2006/main">
   <p:cSld>
     <p:spTree>
@@ -6713,7 +6911,7 @@
 </p:sld>
 </file>
 
-<file path=ppt/slides/slide14.xml><?xml version="1.0" encoding="utf-8"?>
+<file path=ppt/slides/slide15.xml><?xml version="1.0" encoding="utf-8"?>
 <p:sld xmlns:a="http://schemas.openxmlformats.org/drawingml/2006/main" xmlns:r="http://schemas.openxmlformats.org/officeDocument/2006/relationships" xmlns:p="http://schemas.openxmlformats.org/presentationml/2006/main">
   <p:cSld>
     <p:spTree>
@@ -8777,7 +8975,7 @@
 </p:sld>
 </file>
 
-<file path=ppt/slides/slide15.xml><?xml version="1.0" encoding="utf-8"?>
+<file path=ppt/slides/slide16.xml><?xml version="1.0" encoding="utf-8"?>
 <p:sld xmlns:a="http://schemas.openxmlformats.org/drawingml/2006/main" xmlns:r="http://schemas.openxmlformats.org/officeDocument/2006/relationships" xmlns:p="http://schemas.openxmlformats.org/presentationml/2006/main">
   <p:cSld>
     <p:spTree>
@@ -10622,7 +10820,7 @@
 </p:sld>
 </file>
 
-<file path=ppt/slides/slide16.xml><?xml version="1.0" encoding="utf-8"?>
+<file path=ppt/slides/slide17.xml><?xml version="1.0" encoding="utf-8"?>
 <p:sld xmlns:a="http://schemas.openxmlformats.org/drawingml/2006/main" xmlns:r="http://schemas.openxmlformats.org/officeDocument/2006/relationships" xmlns:p="http://schemas.openxmlformats.org/presentationml/2006/main">
   <p:cSld>
     <p:spTree>
@@ -12701,7 +12899,7 @@
 </p:sld>
 </file>
 
-<file path=ppt/slides/slide17.xml><?xml version="1.0" encoding="utf-8"?>
+<file path=ppt/slides/slide18.xml><?xml version="1.0" encoding="utf-8"?>
 <p:sld xmlns:a="http://schemas.openxmlformats.org/drawingml/2006/main" xmlns:r="http://schemas.openxmlformats.org/officeDocument/2006/relationships" xmlns:p="http://schemas.openxmlformats.org/presentationml/2006/main">
   <p:cSld>
     <p:spTree>
@@ -12972,218 +13170,6 @@
 </p:sld>
 </file>
 
-<file path=ppt/slides/slide18.xml><?xml version="1.0" encoding="utf-8"?>
-<p:sld xmlns:a="http://schemas.openxmlformats.org/drawingml/2006/main" xmlns:r="http://schemas.openxmlformats.org/officeDocument/2006/relationships" xmlns:p="http://schemas.openxmlformats.org/presentationml/2006/main">
-  <p:cSld>
-    <p:spTree>
-      <p:nvGrpSpPr>
-        <p:cNvPr id="1" name=""/>
-        <p:cNvGrpSpPr/>
-        <p:nvPr/>
-      </p:nvGrpSpPr>
-      <p:grpSpPr>
-        <a:xfrm>
-          <a:off x="0" y="0"/>
-          <a:ext cx="0" cy="0"/>
-          <a:chOff x="0" y="0"/>
-          <a:chExt cx="0" cy="0"/>
-        </a:xfrm>
-      </p:grpSpPr>
-      <p:sp>
-        <p:nvSpPr>
-          <p:cNvPr id="2" name="タイトル 1">
-            <a:extLst>
-              <a:ext uri="{FF2B5EF4-FFF2-40B4-BE49-F238E27FC236}">
-                <a16:creationId xmlns:a16="http://schemas.microsoft.com/office/drawing/2014/main" id="{3613AB1D-7F94-47C1-BB89-E34EC6F7C4CC}"/>
-              </a:ext>
-            </a:extLst>
-          </p:cNvPr>
-          <p:cNvSpPr>
-            <a:spLocks noGrp="1"/>
-          </p:cNvSpPr>
-          <p:nvPr>
-            <p:ph type="title"/>
-          </p:nvPr>
-        </p:nvSpPr>
-        <p:spPr>
-          <a:xfrm>
-            <a:off x="1066800" y="308224"/>
-            <a:ext cx="10058400" cy="935976"/>
-          </a:xfrm>
-        </p:spPr>
-        <p:txBody>
-          <a:bodyPr>
-            <a:normAutofit/>
-          </a:bodyPr>
-          <a:lstStyle/>
-          <a:p>
-            <a:r>
-              <a:rPr lang="ja-JP" altLang="en-US" dirty="0"/>
-              <a:t>とにかくスコアを上げる</a:t>
-            </a:r>
-            <a:endParaRPr kumimoji="1" lang="ja-JP" altLang="en-US" dirty="0"/>
-          </a:p>
-        </p:txBody>
-      </p:sp>
-      <p:sp>
-        <p:nvSpPr>
-          <p:cNvPr id="8" name="コンテンツ プレースホルダー 2">
-            <a:extLst>
-              <a:ext uri="{FF2B5EF4-FFF2-40B4-BE49-F238E27FC236}">
-                <a16:creationId xmlns:a16="http://schemas.microsoft.com/office/drawing/2014/main" id="{EBF48F09-B267-4CCA-B5FE-20E2449BDE13}"/>
-              </a:ext>
-            </a:extLst>
-          </p:cNvPr>
-          <p:cNvSpPr>
-            <a:spLocks noGrp="1"/>
-          </p:cNvSpPr>
-          <p:nvPr>
-            <p:ph idx="1"/>
-          </p:nvPr>
-        </p:nvSpPr>
-        <p:spPr>
-          <a:xfrm>
-            <a:off x="1307690" y="1175983"/>
-            <a:ext cx="10441858" cy="524998"/>
-          </a:xfrm>
-        </p:spPr>
-        <p:txBody>
-          <a:bodyPr>
-            <a:normAutofit/>
-          </a:bodyPr>
-          <a:lstStyle/>
-          <a:p>
-            <a:pPr marL="0" indent="0">
-              <a:buNone/>
-            </a:pPr>
-            <a:r>
-              <a:rPr lang="ja-JP" altLang="en-US" sz="2400" b="1" dirty="0"/>
-              <a:t>前後列との一致フラグを導入</a:t>
-            </a:r>
-            <a:endParaRPr lang="en-US" altLang="ja-JP" sz="2400" b="1" dirty="0"/>
-          </a:p>
-        </p:txBody>
-      </p:sp>
-      <p:sp>
-        <p:nvSpPr>
-          <p:cNvPr id="7" name="テキスト ボックス 6">
-            <a:extLst>
-              <a:ext uri="{FF2B5EF4-FFF2-40B4-BE49-F238E27FC236}">
-                <a16:creationId xmlns:a16="http://schemas.microsoft.com/office/drawing/2014/main" id="{17CDC23C-6612-4533-AA4B-4165C5C579B8}"/>
-              </a:ext>
-            </a:extLst>
-          </p:cNvPr>
-          <p:cNvSpPr txBox="1"/>
-          <p:nvPr/>
-        </p:nvSpPr>
-        <p:spPr>
-          <a:xfrm>
-            <a:off x="1808702" y="1700981"/>
-            <a:ext cx="8033388" cy="1569660"/>
-          </a:xfrm>
-          <a:prstGeom prst="rect">
-            <a:avLst/>
-          </a:prstGeom>
-          <a:noFill/>
-        </p:spPr>
-        <p:txBody>
-          <a:bodyPr wrap="square" rtlCol="0">
-            <a:spAutoFit/>
-          </a:bodyPr>
-          <a:lstStyle/>
-          <a:p>
-            <a:r>
-              <a:rPr lang="ja-JP" altLang="en-US" sz="2400" dirty="0"/>
-              <a:t>通過点情報を</a:t>
-            </a:r>
-            <a:r>
-              <a:rPr lang="en-US" altLang="ja-JP" sz="2400" dirty="0"/>
-              <a:t>ID/</a:t>
-            </a:r>
-            <a:r>
-              <a:rPr lang="en-US" altLang="ja-JP" sz="2400" dirty="0" err="1"/>
-              <a:t>StartTime</a:t>
-            </a:r>
-            <a:r>
-              <a:rPr lang="en-US" altLang="ja-JP" sz="2400" dirty="0"/>
-              <a:t>/</a:t>
-            </a:r>
-            <a:r>
-              <a:rPr lang="en-US" altLang="ja-JP" sz="2400" dirty="0" err="1"/>
-              <a:t>EndTime</a:t>
-            </a:r>
-            <a:r>
-              <a:rPr lang="ja-JP" altLang="en-US" sz="2400" dirty="0"/>
-              <a:t>でソートし、</a:t>
-            </a:r>
-            <a:endParaRPr lang="en-US" altLang="ja-JP" sz="2400" dirty="0"/>
-          </a:p>
-          <a:p>
-            <a:r>
-              <a:rPr lang="ja-JP" altLang="en-US" sz="2400" dirty="0"/>
-              <a:t>前後列との完全一致を特徴に加える。</a:t>
-            </a:r>
-            <a:endParaRPr lang="en-US" altLang="ja-JP" sz="2400" dirty="0"/>
-          </a:p>
-          <a:p>
-            <a:r>
-              <a:rPr lang="ja-JP" altLang="en-US" sz="2400" dirty="0"/>
-              <a:t>→ 効いてない</a:t>
-            </a:r>
-            <a:r>
-              <a:rPr lang="en-US" altLang="ja-JP" sz="2400" dirty="0"/>
-              <a:t>…</a:t>
-            </a:r>
-            <a:endParaRPr lang="ja-JP" altLang="en-US" sz="2400" dirty="0"/>
-          </a:p>
-          <a:p>
-            <a:endParaRPr kumimoji="1" lang="ja-JP" altLang="en-US" sz="2400" dirty="0"/>
-          </a:p>
-        </p:txBody>
-      </p:sp>
-      <p:pic>
-        <p:nvPicPr>
-          <p:cNvPr id="5" name="図 4">
-            <a:extLst>
-              <a:ext uri="{FF2B5EF4-FFF2-40B4-BE49-F238E27FC236}">
-                <a16:creationId xmlns:a16="http://schemas.microsoft.com/office/drawing/2014/main" id="{0D9E594C-E89D-49E3-8DBF-EC6A747C7B20}"/>
-              </a:ext>
-            </a:extLst>
-          </p:cNvPr>
-          <p:cNvPicPr>
-            <a:picLocks noChangeAspect="1"/>
-          </p:cNvPicPr>
-          <p:nvPr/>
-        </p:nvPicPr>
-        <p:blipFill>
-          <a:blip r:embed="rId2"/>
-          <a:stretch>
-            <a:fillRect/>
-          </a:stretch>
-        </p:blipFill>
-        <p:spPr>
-          <a:xfrm>
-            <a:off x="8858250" y="1758701"/>
-            <a:ext cx="2266950" cy="4791075"/>
-          </a:xfrm>
-          <a:prstGeom prst="rect">
-            <a:avLst/>
-          </a:prstGeom>
-        </p:spPr>
-      </p:pic>
-    </p:spTree>
-    <p:extLst>
-      <p:ext uri="{BB962C8B-B14F-4D97-AF65-F5344CB8AC3E}">
-        <p14:creationId xmlns:p14="http://schemas.microsoft.com/office/powerpoint/2010/main" val="2061076470"/>
-      </p:ext>
-    </p:extLst>
-  </p:cSld>
-  <p:clrMapOvr>
-    <a:masterClrMapping/>
-  </p:clrMapOvr>
-</p:sld>
-</file>
-
 <file path=ppt/slides/slide19.xml><?xml version="1.0" encoding="utf-8"?>
 <p:sld xmlns:a="http://schemas.openxmlformats.org/drawingml/2006/main" xmlns:r="http://schemas.openxmlformats.org/officeDocument/2006/relationships" xmlns:p="http://schemas.openxmlformats.org/presentationml/2006/main">
   <p:cSld>
@@ -13290,8 +13276,8 @@
         </p:nvSpPr>
         <p:spPr>
           <a:xfrm>
-            <a:off x="1838199" y="1615305"/>
-            <a:ext cx="9409904" cy="1200329"/>
+            <a:off x="1808702" y="1700981"/>
+            <a:ext cx="8033388" cy="1569660"/>
           </a:xfrm>
           <a:prstGeom prst="rect">
             <a:avLst/>
@@ -13305,68 +13291,60 @@
           <a:lstStyle/>
           <a:p>
             <a:r>
-              <a:rPr kumimoji="1" lang="en-US" altLang="ja-JP" sz="2400" dirty="0"/>
-              <a:t>numeric</a:t>
-            </a:r>
-            <a:r>
-              <a:rPr kumimoji="1" lang="ja-JP" altLang="en-US" sz="2400" dirty="0"/>
-              <a:t> → 劇的に効く。</a:t>
-            </a:r>
-            <a:endParaRPr kumimoji="1" lang="en-US" altLang="ja-JP" sz="2400" dirty="0"/>
-          </a:p>
-          <a:p>
-            <a:r>
-              <a:rPr kumimoji="1" lang="ja-JP" altLang="en-US" sz="2400" dirty="0"/>
-              <a:t>通過情報 </a:t>
-            </a:r>
-            <a:r>
-              <a:rPr kumimoji="1" lang="en-US" altLang="ja-JP" sz="2400" dirty="0"/>
-              <a:t>(0/1) </a:t>
-            </a:r>
-            <a:r>
-              <a:rPr kumimoji="1" lang="ja-JP" altLang="en-US" sz="2400" dirty="0"/>
-              <a:t>との組み合わせだけで</a:t>
-            </a:r>
-            <a:r>
-              <a:rPr kumimoji="1" lang="en-US" altLang="ja-JP" sz="2400" dirty="0"/>
-              <a:t>mcc</a:t>
-            </a:r>
-            <a:r>
-              <a:rPr kumimoji="1" lang="ja-JP" altLang="en-US" sz="2400" dirty="0"/>
-              <a:t>が</a:t>
-            </a:r>
-            <a:endParaRPr kumimoji="1" lang="en-US" altLang="ja-JP" sz="2400" dirty="0"/>
-          </a:p>
-          <a:p>
-            <a:r>
-              <a:rPr kumimoji="1" lang="en-US" altLang="ja-JP" sz="2400" dirty="0"/>
-              <a:t>0.22 </a:t>
-            </a:r>
-            <a:r>
-              <a:rPr kumimoji="1" lang="ja-JP" altLang="en-US" sz="2400" dirty="0"/>
-              <a:t>→ </a:t>
-            </a:r>
-            <a:r>
-              <a:rPr kumimoji="1" lang="en-US" altLang="ja-JP" sz="2400" b="1" dirty="0">
-                <a:solidFill>
-                  <a:srgbClr val="FF0000"/>
-                </a:solidFill>
-              </a:rPr>
-              <a:t>0.39</a:t>
-            </a:r>
-            <a:r>
-              <a:rPr kumimoji="1" lang="ja-JP" altLang="en-US" sz="2400" dirty="0"/>
-              <a:t> に。</a:t>
-            </a:r>
+              <a:rPr lang="ja-JP" altLang="en-US" sz="2400" dirty="0"/>
+              <a:t>通過点情報を</a:t>
+            </a:r>
+            <a:r>
+              <a:rPr lang="en-US" altLang="ja-JP" sz="2400" dirty="0"/>
+              <a:t>ID/</a:t>
+            </a:r>
+            <a:r>
+              <a:rPr lang="en-US" altLang="ja-JP" sz="2400" dirty="0" err="1"/>
+              <a:t>StartTime</a:t>
+            </a:r>
+            <a:r>
+              <a:rPr lang="en-US" altLang="ja-JP" sz="2400" dirty="0"/>
+              <a:t>/</a:t>
+            </a:r>
+            <a:r>
+              <a:rPr lang="en-US" altLang="ja-JP" sz="2400" dirty="0" err="1"/>
+              <a:t>EndTime</a:t>
+            </a:r>
+            <a:r>
+              <a:rPr lang="ja-JP" altLang="en-US" sz="2400" dirty="0"/>
+              <a:t>でソートし、</a:t>
+            </a:r>
+            <a:endParaRPr lang="en-US" altLang="ja-JP" sz="2400" dirty="0"/>
+          </a:p>
+          <a:p>
+            <a:r>
+              <a:rPr lang="ja-JP" altLang="en-US" sz="2400" dirty="0"/>
+              <a:t>前後列との完全一致を特徴に加える。</a:t>
+            </a:r>
+            <a:endParaRPr lang="en-US" altLang="ja-JP" sz="2400" dirty="0"/>
+          </a:p>
+          <a:p>
+            <a:r>
+              <a:rPr lang="ja-JP" altLang="en-US" sz="2400" dirty="0"/>
+              <a:t>→ 効いてない</a:t>
+            </a:r>
+            <a:r>
+              <a:rPr lang="en-US" altLang="ja-JP" sz="2400" dirty="0"/>
+              <a:t>…</a:t>
+            </a:r>
+            <a:endParaRPr lang="ja-JP" altLang="en-US" sz="2400" dirty="0"/>
+          </a:p>
+          <a:p>
+            <a:endParaRPr kumimoji="1" lang="ja-JP" altLang="en-US" sz="2400" dirty="0"/>
           </a:p>
         </p:txBody>
       </p:sp>
       <p:pic>
         <p:nvPicPr>
-          <p:cNvPr id="3" name="図 2">
+          <p:cNvPr id="5" name="図 4">
             <a:extLst>
               <a:ext uri="{FF2B5EF4-FFF2-40B4-BE49-F238E27FC236}">
-                <a16:creationId xmlns:a16="http://schemas.microsoft.com/office/drawing/2014/main" id="{8805BD49-AFA5-4DDB-8267-93503A946E2A}"/>
+                <a16:creationId xmlns:a16="http://schemas.microsoft.com/office/drawing/2014/main" id="{0D9E594C-E89D-49E3-8DBF-EC6A747C7B20}"/>
               </a:ext>
             </a:extLst>
           </p:cNvPr>
@@ -13383,72 +13361,18 @@
         </p:blipFill>
         <p:spPr>
           <a:xfrm>
-            <a:off x="2104103" y="2746808"/>
-            <a:ext cx="8033388" cy="2719637"/>
+            <a:off x="8858250" y="1758701"/>
+            <a:ext cx="2266950" cy="4791075"/>
           </a:xfrm>
           <a:prstGeom prst="rect">
             <a:avLst/>
           </a:prstGeom>
         </p:spPr>
       </p:pic>
-      <p:sp>
-        <p:nvSpPr>
-          <p:cNvPr id="6" name="テキスト ボックス 5">
-            <a:extLst>
-              <a:ext uri="{FF2B5EF4-FFF2-40B4-BE49-F238E27FC236}">
-                <a16:creationId xmlns:a16="http://schemas.microsoft.com/office/drawing/2014/main" id="{0693F46A-7DEB-4742-9A2A-2419D2549618}"/>
-              </a:ext>
-            </a:extLst>
-          </p:cNvPr>
-          <p:cNvSpPr txBox="1"/>
-          <p:nvPr/>
-        </p:nvSpPr>
-        <p:spPr>
-          <a:xfrm>
-            <a:off x="1838198" y="5727442"/>
-            <a:ext cx="9586885" cy="830997"/>
-          </a:xfrm>
-          <a:prstGeom prst="rect">
-            <a:avLst/>
-          </a:prstGeom>
-          <a:noFill/>
-        </p:spPr>
-        <p:txBody>
-          <a:bodyPr wrap="square" rtlCol="0">
-            <a:spAutoFit/>
-          </a:bodyPr>
-          <a:lstStyle/>
-          <a:p>
-            <a:r>
-              <a:rPr lang="en-US" altLang="ja-JP" sz="2400" dirty="0"/>
-              <a:t>Feature importance </a:t>
-            </a:r>
-            <a:r>
-              <a:rPr lang="ja-JP" altLang="en-US" sz="2400" dirty="0" err="1"/>
-              <a:t>だけ</a:t>
-            </a:r>
-            <a:r>
-              <a:rPr lang="ja-JP" altLang="en-US" sz="2400" dirty="0"/>
-              <a:t>見ると大して変わらないように見えるが、</a:t>
-            </a:r>
-            <a:endParaRPr lang="en-US" altLang="ja-JP" sz="2400" dirty="0"/>
-          </a:p>
-          <a:p>
-            <a:r>
-              <a:rPr lang="ja-JP" altLang="en-US" sz="2400" dirty="0"/>
-              <a:t>スコアは上がってる</a:t>
-            </a:r>
-            <a:r>
-              <a:rPr lang="en-US" altLang="ja-JP" sz="2400" dirty="0"/>
-              <a:t>…</a:t>
-            </a:r>
-          </a:p>
-        </p:txBody>
-      </p:sp>
     </p:spTree>
     <p:extLst>
       <p:ext uri="{BB962C8B-B14F-4D97-AF65-F5344CB8AC3E}">
-        <p14:creationId xmlns:p14="http://schemas.microsoft.com/office/powerpoint/2010/main" val="4201251239"/>
+        <p14:creationId xmlns:p14="http://schemas.microsoft.com/office/powerpoint/2010/main" val="2061076470"/>
       </p:ext>
     </p:extLst>
   </p:cSld>
@@ -15392,6 +15316,280 @@
       </p:sp>
       <p:sp>
         <p:nvSpPr>
+          <p:cNvPr id="7" name="テキスト ボックス 6">
+            <a:extLst>
+              <a:ext uri="{FF2B5EF4-FFF2-40B4-BE49-F238E27FC236}">
+                <a16:creationId xmlns:a16="http://schemas.microsoft.com/office/drawing/2014/main" id="{17CDC23C-6612-4533-AA4B-4165C5C579B8}"/>
+              </a:ext>
+            </a:extLst>
+          </p:cNvPr>
+          <p:cNvSpPr txBox="1"/>
+          <p:nvPr/>
+        </p:nvSpPr>
+        <p:spPr>
+          <a:xfrm>
+            <a:off x="1838199" y="1615305"/>
+            <a:ext cx="9409904" cy="1200329"/>
+          </a:xfrm>
+          <a:prstGeom prst="rect">
+            <a:avLst/>
+          </a:prstGeom>
+          <a:noFill/>
+        </p:spPr>
+        <p:txBody>
+          <a:bodyPr wrap="square" rtlCol="0">
+            <a:spAutoFit/>
+          </a:bodyPr>
+          <a:lstStyle/>
+          <a:p>
+            <a:r>
+              <a:rPr kumimoji="1" lang="en-US" altLang="ja-JP" sz="2400" dirty="0"/>
+              <a:t>numeric</a:t>
+            </a:r>
+            <a:r>
+              <a:rPr kumimoji="1" lang="ja-JP" altLang="en-US" sz="2400" dirty="0"/>
+              <a:t> → 劇的に効く。</a:t>
+            </a:r>
+            <a:endParaRPr kumimoji="1" lang="en-US" altLang="ja-JP" sz="2400" dirty="0"/>
+          </a:p>
+          <a:p>
+            <a:r>
+              <a:rPr kumimoji="1" lang="ja-JP" altLang="en-US" sz="2400" dirty="0"/>
+              <a:t>通過情報 </a:t>
+            </a:r>
+            <a:r>
+              <a:rPr kumimoji="1" lang="en-US" altLang="ja-JP" sz="2400" dirty="0"/>
+              <a:t>(0/1) </a:t>
+            </a:r>
+            <a:r>
+              <a:rPr kumimoji="1" lang="ja-JP" altLang="en-US" sz="2400" dirty="0"/>
+              <a:t>との組み合わせだけで</a:t>
+            </a:r>
+            <a:r>
+              <a:rPr kumimoji="1" lang="en-US" altLang="ja-JP" sz="2400" dirty="0"/>
+              <a:t>mcc</a:t>
+            </a:r>
+            <a:r>
+              <a:rPr kumimoji="1" lang="ja-JP" altLang="en-US" sz="2400" dirty="0"/>
+              <a:t>が</a:t>
+            </a:r>
+            <a:endParaRPr kumimoji="1" lang="en-US" altLang="ja-JP" sz="2400" dirty="0"/>
+          </a:p>
+          <a:p>
+            <a:r>
+              <a:rPr kumimoji="1" lang="en-US" altLang="ja-JP" sz="2400" dirty="0"/>
+              <a:t>0.22 </a:t>
+            </a:r>
+            <a:r>
+              <a:rPr kumimoji="1" lang="ja-JP" altLang="en-US" sz="2400" dirty="0"/>
+              <a:t>→ </a:t>
+            </a:r>
+            <a:r>
+              <a:rPr kumimoji="1" lang="en-US" altLang="ja-JP" sz="2400" b="1" dirty="0">
+                <a:solidFill>
+                  <a:srgbClr val="FF0000"/>
+                </a:solidFill>
+              </a:rPr>
+              <a:t>0.39</a:t>
+            </a:r>
+            <a:r>
+              <a:rPr kumimoji="1" lang="ja-JP" altLang="en-US" sz="2400" dirty="0"/>
+              <a:t> に。</a:t>
+            </a:r>
+          </a:p>
+        </p:txBody>
+      </p:sp>
+      <p:pic>
+        <p:nvPicPr>
+          <p:cNvPr id="3" name="図 2">
+            <a:extLst>
+              <a:ext uri="{FF2B5EF4-FFF2-40B4-BE49-F238E27FC236}">
+                <a16:creationId xmlns:a16="http://schemas.microsoft.com/office/drawing/2014/main" id="{8805BD49-AFA5-4DDB-8267-93503A946E2A}"/>
+              </a:ext>
+            </a:extLst>
+          </p:cNvPr>
+          <p:cNvPicPr>
+            <a:picLocks noChangeAspect="1"/>
+          </p:cNvPicPr>
+          <p:nvPr/>
+        </p:nvPicPr>
+        <p:blipFill>
+          <a:blip r:embed="rId2"/>
+          <a:stretch>
+            <a:fillRect/>
+          </a:stretch>
+        </p:blipFill>
+        <p:spPr>
+          <a:xfrm>
+            <a:off x="2104103" y="2746808"/>
+            <a:ext cx="8033388" cy="2719637"/>
+          </a:xfrm>
+          <a:prstGeom prst="rect">
+            <a:avLst/>
+          </a:prstGeom>
+        </p:spPr>
+      </p:pic>
+      <p:sp>
+        <p:nvSpPr>
+          <p:cNvPr id="6" name="テキスト ボックス 5">
+            <a:extLst>
+              <a:ext uri="{FF2B5EF4-FFF2-40B4-BE49-F238E27FC236}">
+                <a16:creationId xmlns:a16="http://schemas.microsoft.com/office/drawing/2014/main" id="{0693F46A-7DEB-4742-9A2A-2419D2549618}"/>
+              </a:ext>
+            </a:extLst>
+          </p:cNvPr>
+          <p:cNvSpPr txBox="1"/>
+          <p:nvPr/>
+        </p:nvSpPr>
+        <p:spPr>
+          <a:xfrm>
+            <a:off x="1838198" y="5727442"/>
+            <a:ext cx="9586885" cy="830997"/>
+          </a:xfrm>
+          <a:prstGeom prst="rect">
+            <a:avLst/>
+          </a:prstGeom>
+          <a:noFill/>
+        </p:spPr>
+        <p:txBody>
+          <a:bodyPr wrap="square" rtlCol="0">
+            <a:spAutoFit/>
+          </a:bodyPr>
+          <a:lstStyle/>
+          <a:p>
+            <a:r>
+              <a:rPr lang="en-US" altLang="ja-JP" sz="2400" dirty="0"/>
+              <a:t>Feature importance </a:t>
+            </a:r>
+            <a:r>
+              <a:rPr lang="ja-JP" altLang="en-US" sz="2400" dirty="0" err="1"/>
+              <a:t>だけ</a:t>
+            </a:r>
+            <a:r>
+              <a:rPr lang="ja-JP" altLang="en-US" sz="2400" dirty="0"/>
+              <a:t>見ると大して変わらないように見えるが、</a:t>
+            </a:r>
+            <a:endParaRPr lang="en-US" altLang="ja-JP" sz="2400" dirty="0"/>
+          </a:p>
+          <a:p>
+            <a:r>
+              <a:rPr lang="ja-JP" altLang="en-US" sz="2400" dirty="0"/>
+              <a:t>スコアは上がってる</a:t>
+            </a:r>
+            <a:r>
+              <a:rPr lang="en-US" altLang="ja-JP" sz="2400" dirty="0"/>
+              <a:t>…</a:t>
+            </a:r>
+          </a:p>
+        </p:txBody>
+      </p:sp>
+    </p:spTree>
+    <p:extLst>
+      <p:ext uri="{BB962C8B-B14F-4D97-AF65-F5344CB8AC3E}">
+        <p14:creationId xmlns:p14="http://schemas.microsoft.com/office/powerpoint/2010/main" val="4201251239"/>
+      </p:ext>
+    </p:extLst>
+  </p:cSld>
+  <p:clrMapOvr>
+    <a:masterClrMapping/>
+  </p:clrMapOvr>
+</p:sld>
+</file>
+
+<file path=ppt/slides/slide21.xml><?xml version="1.0" encoding="utf-8"?>
+<p:sld xmlns:a="http://schemas.openxmlformats.org/drawingml/2006/main" xmlns:r="http://schemas.openxmlformats.org/officeDocument/2006/relationships" xmlns:p="http://schemas.openxmlformats.org/presentationml/2006/main">
+  <p:cSld>
+    <p:spTree>
+      <p:nvGrpSpPr>
+        <p:cNvPr id="1" name=""/>
+        <p:cNvGrpSpPr/>
+        <p:nvPr/>
+      </p:nvGrpSpPr>
+      <p:grpSpPr>
+        <a:xfrm>
+          <a:off x="0" y="0"/>
+          <a:ext cx="0" cy="0"/>
+          <a:chOff x="0" y="0"/>
+          <a:chExt cx="0" cy="0"/>
+        </a:xfrm>
+      </p:grpSpPr>
+      <p:sp>
+        <p:nvSpPr>
+          <p:cNvPr id="2" name="タイトル 1">
+            <a:extLst>
+              <a:ext uri="{FF2B5EF4-FFF2-40B4-BE49-F238E27FC236}">
+                <a16:creationId xmlns:a16="http://schemas.microsoft.com/office/drawing/2014/main" id="{3613AB1D-7F94-47C1-BB89-E34EC6F7C4CC}"/>
+              </a:ext>
+            </a:extLst>
+          </p:cNvPr>
+          <p:cNvSpPr>
+            <a:spLocks noGrp="1"/>
+          </p:cNvSpPr>
+          <p:nvPr>
+            <p:ph type="title"/>
+          </p:nvPr>
+        </p:nvSpPr>
+        <p:spPr>
+          <a:xfrm>
+            <a:off x="1066800" y="308224"/>
+            <a:ext cx="10058400" cy="935976"/>
+          </a:xfrm>
+        </p:spPr>
+        <p:txBody>
+          <a:bodyPr>
+            <a:normAutofit/>
+          </a:bodyPr>
+          <a:lstStyle/>
+          <a:p>
+            <a:r>
+              <a:rPr lang="ja-JP" altLang="en-US" dirty="0"/>
+              <a:t>とにかくスコアを上げる</a:t>
+            </a:r>
+            <a:endParaRPr kumimoji="1" lang="ja-JP" altLang="en-US" dirty="0"/>
+          </a:p>
+        </p:txBody>
+      </p:sp>
+      <p:sp>
+        <p:nvSpPr>
+          <p:cNvPr id="8" name="コンテンツ プレースホルダー 2">
+            <a:extLst>
+              <a:ext uri="{FF2B5EF4-FFF2-40B4-BE49-F238E27FC236}">
+                <a16:creationId xmlns:a16="http://schemas.microsoft.com/office/drawing/2014/main" id="{EBF48F09-B267-4CCA-B5FE-20E2449BDE13}"/>
+              </a:ext>
+            </a:extLst>
+          </p:cNvPr>
+          <p:cNvSpPr>
+            <a:spLocks noGrp="1"/>
+          </p:cNvSpPr>
+          <p:nvPr>
+            <p:ph idx="1"/>
+          </p:nvPr>
+        </p:nvSpPr>
+        <p:spPr>
+          <a:xfrm>
+            <a:off x="1307690" y="1175983"/>
+            <a:ext cx="10441858" cy="524998"/>
+          </a:xfrm>
+        </p:spPr>
+        <p:txBody>
+          <a:bodyPr>
+            <a:normAutofit/>
+          </a:bodyPr>
+          <a:lstStyle/>
+          <a:p>
+            <a:pPr marL="0" indent="0">
+              <a:buNone/>
+            </a:pPr>
+            <a:r>
+              <a:rPr lang="ja-JP" altLang="en-US" sz="2400" b="1" dirty="0"/>
+              <a:t>前後列との一致フラグを導入</a:t>
+            </a:r>
+            <a:endParaRPr lang="en-US" altLang="ja-JP" sz="2400" b="1" dirty="0"/>
+          </a:p>
+        </p:txBody>
+      </p:sp>
+      <p:sp>
+        <p:nvSpPr>
           <p:cNvPr id="5" name="テキスト ボックス 4">
             <a:extLst>
               <a:ext uri="{FF2B5EF4-FFF2-40B4-BE49-F238E27FC236}">
@@ -17412,7 +17610,7 @@
 </p:sld>
 </file>
 
-<file path=ppt/slides/slide21.xml><?xml version="1.0" encoding="utf-8"?>
+<file path=ppt/slides/slide22.xml><?xml version="1.0" encoding="utf-8"?>
 <p:sld xmlns:a="http://schemas.openxmlformats.org/drawingml/2006/main" xmlns:r="http://schemas.openxmlformats.org/officeDocument/2006/relationships" xmlns:p="http://schemas.openxmlformats.org/presentationml/2006/main">
   <p:cSld>
     <p:spTree>
@@ -17720,7 +17918,7 @@
 </p:sld>
 </file>
 
-<file path=ppt/slides/slide22.xml><?xml version="1.0" encoding="utf-8"?>
+<file path=ppt/slides/slide23.xml><?xml version="1.0" encoding="utf-8"?>
 <p:sld xmlns:a="http://schemas.openxmlformats.org/drawingml/2006/main" xmlns:r="http://schemas.openxmlformats.org/officeDocument/2006/relationships" xmlns:p="http://schemas.openxmlformats.org/presentationml/2006/main">
   <p:cSld>
     <p:spTree>
@@ -17919,7 +18117,7 @@
 </p:sld>
 </file>
 
-<file path=ppt/slides/slide23.xml><?xml version="1.0" encoding="utf-8"?>
+<file path=ppt/slides/slide24.xml><?xml version="1.0" encoding="utf-8"?>
 <p:sld xmlns:a="http://schemas.openxmlformats.org/drawingml/2006/main" xmlns:r="http://schemas.openxmlformats.org/officeDocument/2006/relationships" xmlns:p="http://schemas.openxmlformats.org/presentationml/2006/main">
   <p:cSld>
     <p:spTree>
@@ -26070,17 +26268,17 @@
           <a:p>
             <a:r>
               <a:rPr kumimoji="1" lang="ja-JP" altLang="en-US" dirty="0"/>
-              <a:t>環境構築</a:t>
+              <a:t>環境構築③</a:t>
             </a:r>
           </a:p>
         </p:txBody>
       </p:sp>
       <p:sp>
         <p:nvSpPr>
-          <p:cNvPr id="3" name="コンテンツ プレースホルダー 2">
+          <p:cNvPr id="5" name="コンテンツ プレースホルダー 2">
             <a:extLst>
               <a:ext uri="{FF2B5EF4-FFF2-40B4-BE49-F238E27FC236}">
-                <a16:creationId xmlns:a16="http://schemas.microsoft.com/office/drawing/2014/main" id="{4F9802C6-7CB5-4049-992B-061AB9346087}"/>
+                <a16:creationId xmlns:a16="http://schemas.microsoft.com/office/drawing/2014/main" id="{23EF433D-4C5C-4C29-8744-684024F9AC5D}"/>
               </a:ext>
             </a:extLst>
           </p:cNvPr>
@@ -26093,8 +26291,8 @@
         </p:nvSpPr>
         <p:spPr>
           <a:xfrm>
-            <a:off x="1156274" y="1639256"/>
-            <a:ext cx="10337636" cy="4910520"/>
+            <a:off x="1535802" y="1177549"/>
+            <a:ext cx="10258978" cy="438230"/>
           </a:xfrm>
         </p:spPr>
         <p:txBody>
@@ -26103,93 +26301,16 @@
           </a:bodyPr>
           <a:lstStyle/>
           <a:p>
-            <a:r>
-              <a:rPr lang="en-US" altLang="ja-JP" sz="2400" dirty="0" err="1"/>
-              <a:t>XGBoost</a:t>
-            </a:r>
-            <a:r>
-              <a:rPr lang="ja-JP" altLang="en-US" sz="2400" dirty="0"/>
-              <a:t> は重かった</a:t>
-            </a:r>
-            <a:r>
-              <a:rPr lang="en-US" altLang="ja-JP" sz="2400" dirty="0"/>
-              <a:t>…</a:t>
-            </a:r>
-          </a:p>
-          <a:p>
             <a:pPr marL="0" indent="0">
               <a:buNone/>
             </a:pPr>
             <a:r>
+              <a:rPr lang="en-US" altLang="ja-JP" sz="2400" dirty="0"/>
+              <a:t>Feature</a:t>
+            </a:r>
+            <a:r>
               <a:rPr lang="ja-JP" altLang="en-US" sz="2400" dirty="0"/>
-              <a:t>    </a:t>
-            </a:r>
-            <a:r>
-              <a:rPr lang="en-US" altLang="ja-JP" sz="2400" dirty="0"/>
-              <a:t>Categorical</a:t>
-            </a:r>
-            <a:r>
-              <a:rPr lang="ja-JP" altLang="en-US" sz="2400" dirty="0"/>
-              <a:t> </a:t>
-            </a:r>
-            <a:r>
-              <a:rPr lang="en-US" altLang="ja-JP" sz="2400" dirty="0"/>
-              <a:t>Data</a:t>
-            </a:r>
-            <a:r>
-              <a:rPr lang="ja-JP" altLang="en-US" sz="2400" dirty="0"/>
-              <a:t> を全部入れると </a:t>
-            </a:r>
-            <a:r>
-              <a:rPr lang="en-US" altLang="ja-JP" sz="2400" dirty="0"/>
-              <a:t>(</a:t>
-            </a:r>
-            <a:r>
-              <a:rPr lang="ja-JP" altLang="en-US" sz="2400" dirty="0"/>
-              <a:t>重複削除しても</a:t>
-            </a:r>
-            <a:r>
-              <a:rPr lang="en-US" altLang="ja-JP" sz="2400" dirty="0"/>
-              <a:t>) memory error</a:t>
-            </a:r>
-            <a:r>
-              <a:rPr lang="ja-JP" altLang="en-US" sz="2400" dirty="0"/>
-              <a:t>に。</a:t>
-            </a:r>
-            <a:endParaRPr lang="en-US" altLang="ja-JP" sz="2400" dirty="0"/>
-          </a:p>
-          <a:p>
-            <a:pPr marL="0" indent="0">
-              <a:buNone/>
-            </a:pPr>
-            <a:r>
-              <a:rPr lang="en-US" altLang="ja-JP" sz="2400" dirty="0"/>
-              <a:t>    </a:t>
-            </a:r>
-            <a:r>
-              <a:rPr lang="ja-JP" altLang="en-US" sz="2400" dirty="0"/>
-              <a:t>アンダーサンプルしないと使えず、さらに複雑に</a:t>
-            </a:r>
-            <a:r>
-              <a:rPr lang="en-US" altLang="ja-JP" sz="2400" dirty="0"/>
-              <a:t>… </a:t>
-            </a:r>
-          </a:p>
-          <a:p>
-            <a:pPr marL="0" indent="0">
-              <a:buNone/>
-            </a:pPr>
-            <a:r>
-              <a:rPr lang="ja-JP" altLang="en-US" sz="2400" dirty="0"/>
-              <a:t>    アンダーサンプルすると </a:t>
-            </a:r>
-            <a:r>
-              <a:rPr lang="en-US" altLang="ja-JP" sz="2400" dirty="0"/>
-              <a:t>mcc</a:t>
-            </a:r>
-            <a:r>
-              <a:rPr lang="ja-JP" altLang="en-US" sz="2400" dirty="0"/>
-              <a:t> まわりが複雑になる。</a:t>
+              <a:t> について</a:t>
             </a:r>
             <a:endParaRPr lang="en-US" altLang="ja-JP" sz="2400" dirty="0"/>
           </a:p>
@@ -26199,73 +26320,4637 @@
             </a:pPr>
             <a:endParaRPr lang="en-US" altLang="ja-JP" sz="2400" dirty="0"/>
           </a:p>
-          <a:p>
-            <a:r>
-              <a:rPr lang="en-US" altLang="ja-JP" sz="2400" dirty="0"/>
-              <a:t>LGBM</a:t>
-            </a:r>
-            <a:r>
-              <a:rPr lang="ja-JP" altLang="en-US" sz="2400" dirty="0"/>
-              <a:t> でメモリ消費量、時間が  </a:t>
-            </a:r>
-            <a:r>
-              <a:rPr lang="en-US" altLang="ja-JP" sz="2400" dirty="0"/>
-              <a:t>1/10</a:t>
-            </a:r>
-            <a:r>
-              <a:rPr lang="ja-JP" altLang="en-US" sz="2400" dirty="0"/>
-              <a:t>になったイメージ。</a:t>
-            </a:r>
-            <a:endParaRPr lang="en-US" altLang="ja-JP" sz="2400" dirty="0"/>
-          </a:p>
+        </p:txBody>
+      </p:sp>
+      <p:sp>
+        <p:nvSpPr>
+          <p:cNvPr id="55" name="コンテンツ プレースホルダー 2">
+            <a:extLst>
+              <a:ext uri="{FF2B5EF4-FFF2-40B4-BE49-F238E27FC236}">
+                <a16:creationId xmlns:a16="http://schemas.microsoft.com/office/drawing/2014/main" id="{0622085C-6E07-472D-847D-A8A7D2014B00}"/>
+              </a:ext>
+            </a:extLst>
+          </p:cNvPr>
+          <p:cNvSpPr txBox="1">
+            <a:spLocks/>
+          </p:cNvSpPr>
+          <p:nvPr/>
+        </p:nvSpPr>
+        <p:spPr>
+          <a:xfrm>
+            <a:off x="1861358" y="2112824"/>
+            <a:ext cx="2404013" cy="323518"/>
+          </a:xfrm>
+          <a:prstGeom prst="rect">
+            <a:avLst/>
+          </a:prstGeom>
+        </p:spPr>
+        <p:txBody>
+          <a:bodyPr vert="horz" lIns="91440" tIns="45720" rIns="91440" bIns="45720" rtlCol="0">
+            <a:normAutofit fontScale="92500" lnSpcReduction="20000"/>
+          </a:bodyPr>
+          <a:lstStyle>
+            <a:lvl1pPr marL="228600" indent="-228600" algn="l" defTabSz="914400" rtl="0" eaLnBrk="1" latinLnBrk="0" hangingPunct="1">
+              <a:lnSpc>
+                <a:spcPct val="90000"/>
+              </a:lnSpc>
+              <a:spcBef>
+                <a:spcPts val="1000"/>
+              </a:spcBef>
+              <a:buFont typeface="Arial" panose="020B0604020202020204" pitchFamily="34" charset="0"/>
+              <a:buChar char="•"/>
+              <a:defRPr kumimoji="1" sz="2800" kern="1200">
+                <a:solidFill>
+                  <a:schemeClr val="tx1"/>
+                </a:solidFill>
+                <a:latin typeface="+mn-lt"/>
+                <a:ea typeface="+mn-ea"/>
+                <a:cs typeface="+mn-cs"/>
+              </a:defRPr>
+            </a:lvl1pPr>
+            <a:lvl2pPr marL="685800" indent="-228600" algn="l" defTabSz="914400" rtl="0" eaLnBrk="1" latinLnBrk="0" hangingPunct="1">
+              <a:lnSpc>
+                <a:spcPct val="90000"/>
+              </a:lnSpc>
+              <a:spcBef>
+                <a:spcPts val="500"/>
+              </a:spcBef>
+              <a:buFont typeface="Arial" panose="020B0604020202020204" pitchFamily="34" charset="0"/>
+              <a:buChar char="•"/>
+              <a:defRPr kumimoji="1" sz="2400" kern="1200">
+                <a:solidFill>
+                  <a:schemeClr val="tx1"/>
+                </a:solidFill>
+                <a:latin typeface="+mn-lt"/>
+                <a:ea typeface="+mn-ea"/>
+                <a:cs typeface="+mn-cs"/>
+              </a:defRPr>
+            </a:lvl2pPr>
+            <a:lvl3pPr marL="1143000" indent="-228600" algn="l" defTabSz="914400" rtl="0" eaLnBrk="1" latinLnBrk="0" hangingPunct="1">
+              <a:lnSpc>
+                <a:spcPct val="90000"/>
+              </a:lnSpc>
+              <a:spcBef>
+                <a:spcPts val="500"/>
+              </a:spcBef>
+              <a:buFont typeface="Arial" panose="020B0604020202020204" pitchFamily="34" charset="0"/>
+              <a:buChar char="•"/>
+              <a:defRPr kumimoji="1" sz="2000" kern="1200">
+                <a:solidFill>
+                  <a:schemeClr val="tx1"/>
+                </a:solidFill>
+                <a:latin typeface="+mn-lt"/>
+                <a:ea typeface="+mn-ea"/>
+                <a:cs typeface="+mn-cs"/>
+              </a:defRPr>
+            </a:lvl3pPr>
+            <a:lvl4pPr marL="1600200" indent="-228600" algn="l" defTabSz="914400" rtl="0" eaLnBrk="1" latinLnBrk="0" hangingPunct="1">
+              <a:lnSpc>
+                <a:spcPct val="90000"/>
+              </a:lnSpc>
+              <a:spcBef>
+                <a:spcPts val="500"/>
+              </a:spcBef>
+              <a:buFont typeface="Arial" panose="020B0604020202020204" pitchFamily="34" charset="0"/>
+              <a:buChar char="•"/>
+              <a:defRPr kumimoji="1" sz="1800" kern="1200">
+                <a:solidFill>
+                  <a:schemeClr val="tx1"/>
+                </a:solidFill>
+                <a:latin typeface="+mn-lt"/>
+                <a:ea typeface="+mn-ea"/>
+                <a:cs typeface="+mn-cs"/>
+              </a:defRPr>
+            </a:lvl4pPr>
+            <a:lvl5pPr marL="2057400" indent="-228600" algn="l" defTabSz="914400" rtl="0" eaLnBrk="1" latinLnBrk="0" hangingPunct="1">
+              <a:lnSpc>
+                <a:spcPct val="90000"/>
+              </a:lnSpc>
+              <a:spcBef>
+                <a:spcPts val="500"/>
+              </a:spcBef>
+              <a:buFont typeface="Arial" panose="020B0604020202020204" pitchFamily="34" charset="0"/>
+              <a:buChar char="•"/>
+              <a:defRPr kumimoji="1" sz="1800" kern="1200">
+                <a:solidFill>
+                  <a:schemeClr val="tx1"/>
+                </a:solidFill>
+                <a:latin typeface="+mn-lt"/>
+                <a:ea typeface="+mn-ea"/>
+                <a:cs typeface="+mn-cs"/>
+              </a:defRPr>
+            </a:lvl5pPr>
+            <a:lvl6pPr marL="2514600" indent="-228600" algn="l" defTabSz="914400" rtl="0" eaLnBrk="1" latinLnBrk="0" hangingPunct="1">
+              <a:lnSpc>
+                <a:spcPct val="90000"/>
+              </a:lnSpc>
+              <a:spcBef>
+                <a:spcPts val="500"/>
+              </a:spcBef>
+              <a:buFont typeface="Arial" panose="020B0604020202020204" pitchFamily="34" charset="0"/>
+              <a:buChar char="•"/>
+              <a:defRPr kumimoji="1" sz="1800" kern="1200">
+                <a:solidFill>
+                  <a:schemeClr val="tx1"/>
+                </a:solidFill>
+                <a:latin typeface="+mn-lt"/>
+                <a:ea typeface="+mn-ea"/>
+                <a:cs typeface="+mn-cs"/>
+              </a:defRPr>
+            </a:lvl6pPr>
+            <a:lvl7pPr marL="2971800" indent="-228600" algn="l" defTabSz="914400" rtl="0" eaLnBrk="1" latinLnBrk="0" hangingPunct="1">
+              <a:lnSpc>
+                <a:spcPct val="90000"/>
+              </a:lnSpc>
+              <a:spcBef>
+                <a:spcPts val="500"/>
+              </a:spcBef>
+              <a:buFont typeface="Arial" panose="020B0604020202020204" pitchFamily="34" charset="0"/>
+              <a:buChar char="•"/>
+              <a:defRPr kumimoji="1" sz="1800" kern="1200">
+                <a:solidFill>
+                  <a:schemeClr val="tx1"/>
+                </a:solidFill>
+                <a:latin typeface="+mn-lt"/>
+                <a:ea typeface="+mn-ea"/>
+                <a:cs typeface="+mn-cs"/>
+              </a:defRPr>
+            </a:lvl7pPr>
+            <a:lvl8pPr marL="3429000" indent="-228600" algn="l" defTabSz="914400" rtl="0" eaLnBrk="1" latinLnBrk="0" hangingPunct="1">
+              <a:lnSpc>
+                <a:spcPct val="90000"/>
+              </a:lnSpc>
+              <a:spcBef>
+                <a:spcPts val="500"/>
+              </a:spcBef>
+              <a:buFont typeface="Arial" panose="020B0604020202020204" pitchFamily="34" charset="0"/>
+              <a:buChar char="•"/>
+              <a:defRPr kumimoji="1" sz="1800" kern="1200">
+                <a:solidFill>
+                  <a:schemeClr val="tx1"/>
+                </a:solidFill>
+                <a:latin typeface="+mn-lt"/>
+                <a:ea typeface="+mn-ea"/>
+                <a:cs typeface="+mn-cs"/>
+              </a:defRPr>
+            </a:lvl8pPr>
+            <a:lvl9pPr marL="3886200" indent="-228600" algn="l" defTabSz="914400" rtl="0" eaLnBrk="1" latinLnBrk="0" hangingPunct="1">
+              <a:lnSpc>
+                <a:spcPct val="90000"/>
+              </a:lnSpc>
+              <a:spcBef>
+                <a:spcPts val="500"/>
+              </a:spcBef>
+              <a:buFont typeface="Arial" panose="020B0604020202020204" pitchFamily="34" charset="0"/>
+              <a:buChar char="•"/>
+              <a:defRPr kumimoji="1" sz="1800" kern="1200">
+                <a:solidFill>
+                  <a:schemeClr val="tx1"/>
+                </a:solidFill>
+                <a:latin typeface="+mn-lt"/>
+                <a:ea typeface="+mn-ea"/>
+                <a:cs typeface="+mn-cs"/>
+              </a:defRPr>
+            </a:lvl9pPr>
+          </a:lstStyle>
           <a:p>
             <a:pPr marL="0" indent="0">
+              <a:buFont typeface="Arial" panose="020B0604020202020204" pitchFamily="34" charset="0"/>
               <a:buNone/>
             </a:pPr>
             <a:r>
-              <a:rPr lang="ja-JP" altLang="en-US" sz="2400" dirty="0"/>
-              <a:t>     精度はやや落ちた気がする</a:t>
-            </a:r>
-            <a:r>
-              <a:rPr lang="en-US" altLang="ja-JP" sz="2400" dirty="0"/>
-              <a:t>(0.03</a:t>
-            </a:r>
-            <a:r>
-              <a:rPr lang="ja-JP" altLang="en-US" sz="2400" dirty="0"/>
-              <a:t>程度</a:t>
-            </a:r>
-            <a:r>
-              <a:rPr lang="en-US" altLang="ja-JP" sz="2400" dirty="0"/>
-              <a:t>)</a:t>
-            </a:r>
-            <a:r>
-              <a:rPr lang="ja-JP" altLang="en-US" sz="2400" dirty="0"/>
-              <a:t>が、</a:t>
-            </a:r>
-            <a:endParaRPr lang="en-US" altLang="ja-JP" sz="2400" dirty="0"/>
-          </a:p>
+              <a:rPr lang="en-US" altLang="ja-JP" sz="2000" dirty="0"/>
+              <a:t>train.csv</a:t>
+            </a:r>
+          </a:p>
+        </p:txBody>
+      </p:sp>
+      <p:sp>
+        <p:nvSpPr>
+          <p:cNvPr id="40" name="コンテンツ プレースホルダー 2">
+            <a:extLst>
+              <a:ext uri="{FF2B5EF4-FFF2-40B4-BE49-F238E27FC236}">
+                <a16:creationId xmlns:a16="http://schemas.microsoft.com/office/drawing/2014/main" id="{39F2B461-5F10-4910-BB29-04ADF6633CBE}"/>
+              </a:ext>
+            </a:extLst>
+          </p:cNvPr>
+          <p:cNvSpPr txBox="1">
+            <a:spLocks/>
+          </p:cNvSpPr>
+          <p:nvPr/>
+        </p:nvSpPr>
+        <p:spPr>
+          <a:xfrm>
+            <a:off x="1861359" y="3343842"/>
+            <a:ext cx="1202006" cy="323518"/>
+          </a:xfrm>
+          <a:prstGeom prst="rect">
+            <a:avLst/>
+          </a:prstGeom>
+        </p:spPr>
+        <p:txBody>
+          <a:bodyPr vert="horz" lIns="91440" tIns="45720" rIns="91440" bIns="45720" rtlCol="0">
+            <a:normAutofit fontScale="92500" lnSpcReduction="20000"/>
+          </a:bodyPr>
+          <a:lstStyle>
+            <a:lvl1pPr marL="228600" indent="-228600" algn="l" defTabSz="914400" rtl="0" eaLnBrk="1" latinLnBrk="0" hangingPunct="1">
+              <a:lnSpc>
+                <a:spcPct val="90000"/>
+              </a:lnSpc>
+              <a:spcBef>
+                <a:spcPts val="1000"/>
+              </a:spcBef>
+              <a:buFont typeface="Arial" panose="020B0604020202020204" pitchFamily="34" charset="0"/>
+              <a:buChar char="•"/>
+              <a:defRPr kumimoji="1" sz="2800" kern="1200">
+                <a:solidFill>
+                  <a:schemeClr val="tx1"/>
+                </a:solidFill>
+                <a:latin typeface="+mn-lt"/>
+                <a:ea typeface="+mn-ea"/>
+                <a:cs typeface="+mn-cs"/>
+              </a:defRPr>
+            </a:lvl1pPr>
+            <a:lvl2pPr marL="685800" indent="-228600" algn="l" defTabSz="914400" rtl="0" eaLnBrk="1" latinLnBrk="0" hangingPunct="1">
+              <a:lnSpc>
+                <a:spcPct val="90000"/>
+              </a:lnSpc>
+              <a:spcBef>
+                <a:spcPts val="500"/>
+              </a:spcBef>
+              <a:buFont typeface="Arial" panose="020B0604020202020204" pitchFamily="34" charset="0"/>
+              <a:buChar char="•"/>
+              <a:defRPr kumimoji="1" sz="2400" kern="1200">
+                <a:solidFill>
+                  <a:schemeClr val="tx1"/>
+                </a:solidFill>
+                <a:latin typeface="+mn-lt"/>
+                <a:ea typeface="+mn-ea"/>
+                <a:cs typeface="+mn-cs"/>
+              </a:defRPr>
+            </a:lvl2pPr>
+            <a:lvl3pPr marL="1143000" indent="-228600" algn="l" defTabSz="914400" rtl="0" eaLnBrk="1" latinLnBrk="0" hangingPunct="1">
+              <a:lnSpc>
+                <a:spcPct val="90000"/>
+              </a:lnSpc>
+              <a:spcBef>
+                <a:spcPts val="500"/>
+              </a:spcBef>
+              <a:buFont typeface="Arial" panose="020B0604020202020204" pitchFamily="34" charset="0"/>
+              <a:buChar char="•"/>
+              <a:defRPr kumimoji="1" sz="2000" kern="1200">
+                <a:solidFill>
+                  <a:schemeClr val="tx1"/>
+                </a:solidFill>
+                <a:latin typeface="+mn-lt"/>
+                <a:ea typeface="+mn-ea"/>
+                <a:cs typeface="+mn-cs"/>
+              </a:defRPr>
+            </a:lvl3pPr>
+            <a:lvl4pPr marL="1600200" indent="-228600" algn="l" defTabSz="914400" rtl="0" eaLnBrk="1" latinLnBrk="0" hangingPunct="1">
+              <a:lnSpc>
+                <a:spcPct val="90000"/>
+              </a:lnSpc>
+              <a:spcBef>
+                <a:spcPts val="500"/>
+              </a:spcBef>
+              <a:buFont typeface="Arial" panose="020B0604020202020204" pitchFamily="34" charset="0"/>
+              <a:buChar char="•"/>
+              <a:defRPr kumimoji="1" sz="1800" kern="1200">
+                <a:solidFill>
+                  <a:schemeClr val="tx1"/>
+                </a:solidFill>
+                <a:latin typeface="+mn-lt"/>
+                <a:ea typeface="+mn-ea"/>
+                <a:cs typeface="+mn-cs"/>
+              </a:defRPr>
+            </a:lvl4pPr>
+            <a:lvl5pPr marL="2057400" indent="-228600" algn="l" defTabSz="914400" rtl="0" eaLnBrk="1" latinLnBrk="0" hangingPunct="1">
+              <a:lnSpc>
+                <a:spcPct val="90000"/>
+              </a:lnSpc>
+              <a:spcBef>
+                <a:spcPts val="500"/>
+              </a:spcBef>
+              <a:buFont typeface="Arial" panose="020B0604020202020204" pitchFamily="34" charset="0"/>
+              <a:buChar char="•"/>
+              <a:defRPr kumimoji="1" sz="1800" kern="1200">
+                <a:solidFill>
+                  <a:schemeClr val="tx1"/>
+                </a:solidFill>
+                <a:latin typeface="+mn-lt"/>
+                <a:ea typeface="+mn-ea"/>
+                <a:cs typeface="+mn-cs"/>
+              </a:defRPr>
+            </a:lvl5pPr>
+            <a:lvl6pPr marL="2514600" indent="-228600" algn="l" defTabSz="914400" rtl="0" eaLnBrk="1" latinLnBrk="0" hangingPunct="1">
+              <a:lnSpc>
+                <a:spcPct val="90000"/>
+              </a:lnSpc>
+              <a:spcBef>
+                <a:spcPts val="500"/>
+              </a:spcBef>
+              <a:buFont typeface="Arial" panose="020B0604020202020204" pitchFamily="34" charset="0"/>
+              <a:buChar char="•"/>
+              <a:defRPr kumimoji="1" sz="1800" kern="1200">
+                <a:solidFill>
+                  <a:schemeClr val="tx1"/>
+                </a:solidFill>
+                <a:latin typeface="+mn-lt"/>
+                <a:ea typeface="+mn-ea"/>
+                <a:cs typeface="+mn-cs"/>
+              </a:defRPr>
+            </a:lvl6pPr>
+            <a:lvl7pPr marL="2971800" indent="-228600" algn="l" defTabSz="914400" rtl="0" eaLnBrk="1" latinLnBrk="0" hangingPunct="1">
+              <a:lnSpc>
+                <a:spcPct val="90000"/>
+              </a:lnSpc>
+              <a:spcBef>
+                <a:spcPts val="500"/>
+              </a:spcBef>
+              <a:buFont typeface="Arial" panose="020B0604020202020204" pitchFamily="34" charset="0"/>
+              <a:buChar char="•"/>
+              <a:defRPr kumimoji="1" sz="1800" kern="1200">
+                <a:solidFill>
+                  <a:schemeClr val="tx1"/>
+                </a:solidFill>
+                <a:latin typeface="+mn-lt"/>
+                <a:ea typeface="+mn-ea"/>
+                <a:cs typeface="+mn-cs"/>
+              </a:defRPr>
+            </a:lvl7pPr>
+            <a:lvl8pPr marL="3429000" indent="-228600" algn="l" defTabSz="914400" rtl="0" eaLnBrk="1" latinLnBrk="0" hangingPunct="1">
+              <a:lnSpc>
+                <a:spcPct val="90000"/>
+              </a:lnSpc>
+              <a:spcBef>
+                <a:spcPts val="500"/>
+              </a:spcBef>
+              <a:buFont typeface="Arial" panose="020B0604020202020204" pitchFamily="34" charset="0"/>
+              <a:buChar char="•"/>
+              <a:defRPr kumimoji="1" sz="1800" kern="1200">
+                <a:solidFill>
+                  <a:schemeClr val="tx1"/>
+                </a:solidFill>
+                <a:latin typeface="+mn-lt"/>
+                <a:ea typeface="+mn-ea"/>
+                <a:cs typeface="+mn-cs"/>
+              </a:defRPr>
+            </a:lvl8pPr>
+            <a:lvl9pPr marL="3886200" indent="-228600" algn="l" defTabSz="914400" rtl="0" eaLnBrk="1" latinLnBrk="0" hangingPunct="1">
+              <a:lnSpc>
+                <a:spcPct val="90000"/>
+              </a:lnSpc>
+              <a:spcBef>
+                <a:spcPts val="500"/>
+              </a:spcBef>
+              <a:buFont typeface="Arial" panose="020B0604020202020204" pitchFamily="34" charset="0"/>
+              <a:buChar char="•"/>
+              <a:defRPr kumimoji="1" sz="1800" kern="1200">
+                <a:solidFill>
+                  <a:schemeClr val="tx1"/>
+                </a:solidFill>
+                <a:latin typeface="+mn-lt"/>
+                <a:ea typeface="+mn-ea"/>
+                <a:cs typeface="+mn-cs"/>
+              </a:defRPr>
+            </a:lvl9pPr>
+          </a:lstStyle>
           <a:p>
             <a:pPr marL="0" indent="0">
+              <a:buFont typeface="Arial" panose="020B0604020202020204" pitchFamily="34" charset="0"/>
               <a:buNone/>
             </a:pPr>
             <a:r>
-              <a:rPr lang="ja-JP" altLang="en-US" sz="2400" dirty="0"/>
-              <a:t>     パラメータチューニングをほとんどやらなかったせいかも。</a:t>
-            </a:r>
-            <a:endParaRPr lang="en-US" altLang="ja-JP" sz="2400" dirty="0"/>
-          </a:p>
+              <a:rPr lang="en-US" altLang="ja-JP" sz="2000" dirty="0"/>
+              <a:t>test.csv</a:t>
+            </a:r>
+          </a:p>
+        </p:txBody>
+      </p:sp>
+      <p:sp>
+        <p:nvSpPr>
+          <p:cNvPr id="43" name="正方形/長方形 42">
+            <a:extLst>
+              <a:ext uri="{FF2B5EF4-FFF2-40B4-BE49-F238E27FC236}">
+                <a16:creationId xmlns:a16="http://schemas.microsoft.com/office/drawing/2014/main" id="{5928C657-D91A-4980-BB72-53479D976810}"/>
+              </a:ext>
+            </a:extLst>
+          </p:cNvPr>
+          <p:cNvSpPr/>
+          <p:nvPr/>
+        </p:nvSpPr>
+        <p:spPr>
+          <a:xfrm>
+            <a:off x="3063364" y="3005862"/>
+            <a:ext cx="832298" cy="818531"/>
+          </a:xfrm>
+          <a:prstGeom prst="rect">
+            <a:avLst/>
+          </a:prstGeom>
+          <a:solidFill>
+            <a:schemeClr val="accent6">
+              <a:lumMod val="20000"/>
+              <a:lumOff val="80000"/>
+            </a:schemeClr>
+          </a:solidFill>
+        </p:spPr>
+        <p:style>
+          <a:lnRef idx="2">
+            <a:schemeClr val="accent1">
+              <a:shade val="50000"/>
+            </a:schemeClr>
+          </a:lnRef>
+          <a:fillRef idx="1">
+            <a:schemeClr val="accent1"/>
+          </a:fillRef>
+          <a:effectRef idx="0">
+            <a:schemeClr val="accent1"/>
+          </a:effectRef>
+          <a:fontRef idx="minor">
+            <a:schemeClr val="lt1"/>
+          </a:fontRef>
+        </p:style>
+        <p:txBody>
+          <a:bodyPr rtlCol="0" anchor="ctr"/>
+          <a:lstStyle/>
+          <a:p>
+            <a:pPr algn="ctr"/>
+            <a:endParaRPr kumimoji="1" lang="ja-JP" altLang="en-US"/>
+          </a:p>
+        </p:txBody>
+      </p:sp>
+      <p:grpSp>
+        <p:nvGrpSpPr>
+          <p:cNvPr id="3" name="グループ化 2">
+            <a:extLst>
+              <a:ext uri="{FF2B5EF4-FFF2-40B4-BE49-F238E27FC236}">
+                <a16:creationId xmlns:a16="http://schemas.microsoft.com/office/drawing/2014/main" id="{90E0FBA1-0277-42C1-BF57-CB15DB7F3318}"/>
+              </a:ext>
+            </a:extLst>
+          </p:cNvPr>
+          <p:cNvGrpSpPr/>
+          <p:nvPr/>
+        </p:nvGrpSpPr>
+        <p:grpSpPr>
+          <a:xfrm>
+            <a:off x="3063364" y="1844498"/>
+            <a:ext cx="938490" cy="818531"/>
+            <a:chOff x="2015611" y="1904999"/>
+            <a:chExt cx="938490" cy="2183172"/>
+          </a:xfrm>
+        </p:grpSpPr>
+        <p:sp>
+          <p:nvSpPr>
+            <p:cNvPr id="41" name="正方形/長方形 40">
+              <a:extLst>
+                <a:ext uri="{FF2B5EF4-FFF2-40B4-BE49-F238E27FC236}">
+                  <a16:creationId xmlns:a16="http://schemas.microsoft.com/office/drawing/2014/main" id="{3EE24797-8572-40E3-B2E8-197F2C4333FC}"/>
+                </a:ext>
+              </a:extLst>
+            </p:cNvPr>
+            <p:cNvSpPr/>
+            <p:nvPr/>
+          </p:nvSpPr>
+          <p:spPr>
+            <a:xfrm>
+              <a:off x="2015611" y="1904999"/>
+              <a:ext cx="934064" cy="2183172"/>
+            </a:xfrm>
+            <a:prstGeom prst="rect">
+              <a:avLst/>
+            </a:prstGeom>
+            <a:solidFill>
+              <a:schemeClr val="accent4">
+                <a:lumMod val="20000"/>
+                <a:lumOff val="80000"/>
+              </a:schemeClr>
+            </a:solidFill>
+          </p:spPr>
+          <p:style>
+            <a:lnRef idx="2">
+              <a:schemeClr val="accent1">
+                <a:shade val="50000"/>
+              </a:schemeClr>
+            </a:lnRef>
+            <a:fillRef idx="1">
+              <a:schemeClr val="accent1"/>
+            </a:fillRef>
+            <a:effectRef idx="0">
+              <a:schemeClr val="accent1"/>
+            </a:effectRef>
+            <a:fontRef idx="minor">
+              <a:schemeClr val="lt1"/>
+            </a:fontRef>
+          </p:style>
+          <p:txBody>
+            <a:bodyPr rtlCol="0" anchor="ctr"/>
+            <a:lstStyle/>
+            <a:p>
+              <a:pPr algn="ctr"/>
+              <a:endParaRPr kumimoji="1" lang="ja-JP" altLang="en-US"/>
+            </a:p>
+          </p:txBody>
+        </p:sp>
+        <p:sp>
+          <p:nvSpPr>
+            <p:cNvPr id="45" name="正方形/長方形 44">
+              <a:extLst>
+                <a:ext uri="{FF2B5EF4-FFF2-40B4-BE49-F238E27FC236}">
+                  <a16:creationId xmlns:a16="http://schemas.microsoft.com/office/drawing/2014/main" id="{BD2E43E4-E704-4224-8285-BF6437E45A63}"/>
+                </a:ext>
+              </a:extLst>
+            </p:cNvPr>
+            <p:cNvSpPr/>
+            <p:nvPr/>
+          </p:nvSpPr>
+          <p:spPr>
+            <a:xfrm>
+              <a:off x="2847909" y="1904999"/>
+              <a:ext cx="106192" cy="2183172"/>
+            </a:xfrm>
+            <a:prstGeom prst="rect">
+              <a:avLst/>
+            </a:prstGeom>
+            <a:solidFill>
+              <a:srgbClr val="FFC000"/>
+            </a:solidFill>
+          </p:spPr>
+          <p:style>
+            <a:lnRef idx="2">
+              <a:schemeClr val="accent1">
+                <a:shade val="50000"/>
+              </a:schemeClr>
+            </a:lnRef>
+            <a:fillRef idx="1">
+              <a:schemeClr val="accent1"/>
+            </a:fillRef>
+            <a:effectRef idx="0">
+              <a:schemeClr val="accent1"/>
+            </a:effectRef>
+            <a:fontRef idx="minor">
+              <a:schemeClr val="lt1"/>
+            </a:fontRef>
+          </p:style>
+          <p:txBody>
+            <a:bodyPr rtlCol="0" anchor="ctr"/>
+            <a:lstStyle/>
+            <a:p>
+              <a:pPr algn="ctr"/>
+              <a:endParaRPr kumimoji="1" lang="ja-JP" altLang="en-US"/>
+            </a:p>
+          </p:txBody>
+        </p:sp>
+      </p:grpSp>
+      <p:sp>
+        <p:nvSpPr>
+          <p:cNvPr id="58" name="コンテンツ プレースホルダー 2">
+            <a:extLst>
+              <a:ext uri="{FF2B5EF4-FFF2-40B4-BE49-F238E27FC236}">
+                <a16:creationId xmlns:a16="http://schemas.microsoft.com/office/drawing/2014/main" id="{5A6B6941-908C-4E96-A0E5-B5599B41476C}"/>
+              </a:ext>
+            </a:extLst>
+          </p:cNvPr>
+          <p:cNvSpPr txBox="1">
+            <a:spLocks/>
+          </p:cNvSpPr>
+          <p:nvPr/>
+        </p:nvSpPr>
+        <p:spPr>
+          <a:xfrm>
+            <a:off x="5224234" y="1614052"/>
+            <a:ext cx="1202006" cy="323518"/>
+          </a:xfrm>
+          <a:prstGeom prst="rect">
+            <a:avLst/>
+          </a:prstGeom>
+        </p:spPr>
+        <p:txBody>
+          <a:bodyPr vert="horz" lIns="91440" tIns="45720" rIns="91440" bIns="45720" rtlCol="0">
+            <a:normAutofit/>
+          </a:bodyPr>
+          <a:lstStyle>
+            <a:lvl1pPr marL="228600" indent="-228600" algn="l" defTabSz="914400" rtl="0" eaLnBrk="1" latinLnBrk="0" hangingPunct="1">
+              <a:lnSpc>
+                <a:spcPct val="90000"/>
+              </a:lnSpc>
+              <a:spcBef>
+                <a:spcPts val="1000"/>
+              </a:spcBef>
+              <a:buFont typeface="Arial" panose="020B0604020202020204" pitchFamily="34" charset="0"/>
+              <a:buChar char="•"/>
+              <a:defRPr kumimoji="1" sz="2800" kern="1200">
+                <a:solidFill>
+                  <a:schemeClr val="tx1"/>
+                </a:solidFill>
+                <a:latin typeface="+mn-lt"/>
+                <a:ea typeface="+mn-ea"/>
+                <a:cs typeface="+mn-cs"/>
+              </a:defRPr>
+            </a:lvl1pPr>
+            <a:lvl2pPr marL="685800" indent="-228600" algn="l" defTabSz="914400" rtl="0" eaLnBrk="1" latinLnBrk="0" hangingPunct="1">
+              <a:lnSpc>
+                <a:spcPct val="90000"/>
+              </a:lnSpc>
+              <a:spcBef>
+                <a:spcPts val="500"/>
+              </a:spcBef>
+              <a:buFont typeface="Arial" panose="020B0604020202020204" pitchFamily="34" charset="0"/>
+              <a:buChar char="•"/>
+              <a:defRPr kumimoji="1" sz="2400" kern="1200">
+                <a:solidFill>
+                  <a:schemeClr val="tx1"/>
+                </a:solidFill>
+                <a:latin typeface="+mn-lt"/>
+                <a:ea typeface="+mn-ea"/>
+                <a:cs typeface="+mn-cs"/>
+              </a:defRPr>
+            </a:lvl2pPr>
+            <a:lvl3pPr marL="1143000" indent="-228600" algn="l" defTabSz="914400" rtl="0" eaLnBrk="1" latinLnBrk="0" hangingPunct="1">
+              <a:lnSpc>
+                <a:spcPct val="90000"/>
+              </a:lnSpc>
+              <a:spcBef>
+                <a:spcPts val="500"/>
+              </a:spcBef>
+              <a:buFont typeface="Arial" panose="020B0604020202020204" pitchFamily="34" charset="0"/>
+              <a:buChar char="•"/>
+              <a:defRPr kumimoji="1" sz="2000" kern="1200">
+                <a:solidFill>
+                  <a:schemeClr val="tx1"/>
+                </a:solidFill>
+                <a:latin typeface="+mn-lt"/>
+                <a:ea typeface="+mn-ea"/>
+                <a:cs typeface="+mn-cs"/>
+              </a:defRPr>
+            </a:lvl3pPr>
+            <a:lvl4pPr marL="1600200" indent="-228600" algn="l" defTabSz="914400" rtl="0" eaLnBrk="1" latinLnBrk="0" hangingPunct="1">
+              <a:lnSpc>
+                <a:spcPct val="90000"/>
+              </a:lnSpc>
+              <a:spcBef>
+                <a:spcPts val="500"/>
+              </a:spcBef>
+              <a:buFont typeface="Arial" panose="020B0604020202020204" pitchFamily="34" charset="0"/>
+              <a:buChar char="•"/>
+              <a:defRPr kumimoji="1" sz="1800" kern="1200">
+                <a:solidFill>
+                  <a:schemeClr val="tx1"/>
+                </a:solidFill>
+                <a:latin typeface="+mn-lt"/>
+                <a:ea typeface="+mn-ea"/>
+                <a:cs typeface="+mn-cs"/>
+              </a:defRPr>
+            </a:lvl4pPr>
+            <a:lvl5pPr marL="2057400" indent="-228600" algn="l" defTabSz="914400" rtl="0" eaLnBrk="1" latinLnBrk="0" hangingPunct="1">
+              <a:lnSpc>
+                <a:spcPct val="90000"/>
+              </a:lnSpc>
+              <a:spcBef>
+                <a:spcPts val="500"/>
+              </a:spcBef>
+              <a:buFont typeface="Arial" panose="020B0604020202020204" pitchFamily="34" charset="0"/>
+              <a:buChar char="•"/>
+              <a:defRPr kumimoji="1" sz="1800" kern="1200">
+                <a:solidFill>
+                  <a:schemeClr val="tx1"/>
+                </a:solidFill>
+                <a:latin typeface="+mn-lt"/>
+                <a:ea typeface="+mn-ea"/>
+                <a:cs typeface="+mn-cs"/>
+              </a:defRPr>
+            </a:lvl5pPr>
+            <a:lvl6pPr marL="2514600" indent="-228600" algn="l" defTabSz="914400" rtl="0" eaLnBrk="1" latinLnBrk="0" hangingPunct="1">
+              <a:lnSpc>
+                <a:spcPct val="90000"/>
+              </a:lnSpc>
+              <a:spcBef>
+                <a:spcPts val="500"/>
+              </a:spcBef>
+              <a:buFont typeface="Arial" panose="020B0604020202020204" pitchFamily="34" charset="0"/>
+              <a:buChar char="•"/>
+              <a:defRPr kumimoji="1" sz="1800" kern="1200">
+                <a:solidFill>
+                  <a:schemeClr val="tx1"/>
+                </a:solidFill>
+                <a:latin typeface="+mn-lt"/>
+                <a:ea typeface="+mn-ea"/>
+                <a:cs typeface="+mn-cs"/>
+              </a:defRPr>
+            </a:lvl6pPr>
+            <a:lvl7pPr marL="2971800" indent="-228600" algn="l" defTabSz="914400" rtl="0" eaLnBrk="1" latinLnBrk="0" hangingPunct="1">
+              <a:lnSpc>
+                <a:spcPct val="90000"/>
+              </a:lnSpc>
+              <a:spcBef>
+                <a:spcPts val="500"/>
+              </a:spcBef>
+              <a:buFont typeface="Arial" panose="020B0604020202020204" pitchFamily="34" charset="0"/>
+              <a:buChar char="•"/>
+              <a:defRPr kumimoji="1" sz="1800" kern="1200">
+                <a:solidFill>
+                  <a:schemeClr val="tx1"/>
+                </a:solidFill>
+                <a:latin typeface="+mn-lt"/>
+                <a:ea typeface="+mn-ea"/>
+                <a:cs typeface="+mn-cs"/>
+              </a:defRPr>
+            </a:lvl7pPr>
+            <a:lvl8pPr marL="3429000" indent="-228600" algn="l" defTabSz="914400" rtl="0" eaLnBrk="1" latinLnBrk="0" hangingPunct="1">
+              <a:lnSpc>
+                <a:spcPct val="90000"/>
+              </a:lnSpc>
+              <a:spcBef>
+                <a:spcPts val="500"/>
+              </a:spcBef>
+              <a:buFont typeface="Arial" panose="020B0604020202020204" pitchFamily="34" charset="0"/>
+              <a:buChar char="•"/>
+              <a:defRPr kumimoji="1" sz="1800" kern="1200">
+                <a:solidFill>
+                  <a:schemeClr val="tx1"/>
+                </a:solidFill>
+                <a:latin typeface="+mn-lt"/>
+                <a:ea typeface="+mn-ea"/>
+                <a:cs typeface="+mn-cs"/>
+              </a:defRPr>
+            </a:lvl8pPr>
+            <a:lvl9pPr marL="3886200" indent="-228600" algn="l" defTabSz="914400" rtl="0" eaLnBrk="1" latinLnBrk="0" hangingPunct="1">
+              <a:lnSpc>
+                <a:spcPct val="90000"/>
+              </a:lnSpc>
+              <a:spcBef>
+                <a:spcPts val="500"/>
+              </a:spcBef>
+              <a:buFont typeface="Arial" panose="020B0604020202020204" pitchFamily="34" charset="0"/>
+              <a:buChar char="•"/>
+              <a:defRPr kumimoji="1" sz="1800" kern="1200">
+                <a:solidFill>
+                  <a:schemeClr val="tx1"/>
+                </a:solidFill>
+                <a:latin typeface="+mn-lt"/>
+                <a:ea typeface="+mn-ea"/>
+                <a:cs typeface="+mn-cs"/>
+              </a:defRPr>
+            </a:lvl9pPr>
+          </a:lstStyle>
           <a:p>
             <a:pPr marL="0" indent="0">
+              <a:buFont typeface="Arial" panose="020B0604020202020204" pitchFamily="34" charset="0"/>
               <a:buNone/>
             </a:pPr>
-            <a:endParaRPr lang="en-US" altLang="ja-JP" sz="2400" dirty="0"/>
+            <a:r>
+              <a:rPr lang="en-US" altLang="ja-JP" sz="1200" dirty="0"/>
+              <a:t>Response</a:t>
+            </a:r>
+          </a:p>
+        </p:txBody>
+      </p:sp>
+      <p:sp>
+        <p:nvSpPr>
+          <p:cNvPr id="59" name="正方形/長方形 58">
+            <a:extLst>
+              <a:ext uri="{FF2B5EF4-FFF2-40B4-BE49-F238E27FC236}">
+                <a16:creationId xmlns:a16="http://schemas.microsoft.com/office/drawing/2014/main" id="{3BA124FC-5869-43E1-B475-C07989E940D0}"/>
+              </a:ext>
+            </a:extLst>
+          </p:cNvPr>
+          <p:cNvSpPr/>
+          <p:nvPr/>
+        </p:nvSpPr>
+        <p:spPr>
+          <a:xfrm>
+            <a:off x="4681519" y="2663029"/>
+            <a:ext cx="832298" cy="818531"/>
+          </a:xfrm>
+          <a:prstGeom prst="rect">
+            <a:avLst/>
+          </a:prstGeom>
+          <a:solidFill>
+            <a:schemeClr val="accent6">
+              <a:lumMod val="20000"/>
+              <a:lumOff val="80000"/>
+            </a:schemeClr>
+          </a:solidFill>
+        </p:spPr>
+        <p:style>
+          <a:lnRef idx="2">
+            <a:schemeClr val="accent1">
+              <a:shade val="50000"/>
+            </a:schemeClr>
+          </a:lnRef>
+          <a:fillRef idx="1">
+            <a:schemeClr val="accent1"/>
+          </a:fillRef>
+          <a:effectRef idx="0">
+            <a:schemeClr val="accent1"/>
+          </a:effectRef>
+          <a:fontRef idx="minor">
+            <a:schemeClr val="lt1"/>
+          </a:fontRef>
+        </p:style>
+        <p:txBody>
+          <a:bodyPr rtlCol="0" anchor="ctr"/>
+          <a:lstStyle/>
+          <a:p>
+            <a:pPr algn="ctr"/>
+            <a:endParaRPr kumimoji="1" lang="ja-JP" altLang="en-US"/>
+          </a:p>
+        </p:txBody>
+      </p:sp>
+      <p:grpSp>
+        <p:nvGrpSpPr>
+          <p:cNvPr id="61" name="グループ化 60">
+            <a:extLst>
+              <a:ext uri="{FF2B5EF4-FFF2-40B4-BE49-F238E27FC236}">
+                <a16:creationId xmlns:a16="http://schemas.microsoft.com/office/drawing/2014/main" id="{F97C4223-FB3C-4100-B351-984F4E7C0A54}"/>
+              </a:ext>
+            </a:extLst>
+          </p:cNvPr>
+          <p:cNvGrpSpPr/>
+          <p:nvPr/>
+        </p:nvGrpSpPr>
+        <p:grpSpPr>
+          <a:xfrm>
+            <a:off x="4681519" y="1844497"/>
+            <a:ext cx="938490" cy="818531"/>
+            <a:chOff x="2015611" y="1904999"/>
+            <a:chExt cx="938490" cy="2183172"/>
+          </a:xfrm>
+        </p:grpSpPr>
+        <p:sp>
+          <p:nvSpPr>
+            <p:cNvPr id="64" name="正方形/長方形 63">
+              <a:extLst>
+                <a:ext uri="{FF2B5EF4-FFF2-40B4-BE49-F238E27FC236}">
+                  <a16:creationId xmlns:a16="http://schemas.microsoft.com/office/drawing/2014/main" id="{341657CA-D8D3-4486-9508-412F54D491CE}"/>
+                </a:ext>
+              </a:extLst>
+            </p:cNvPr>
+            <p:cNvSpPr/>
+            <p:nvPr/>
+          </p:nvSpPr>
+          <p:spPr>
+            <a:xfrm>
+              <a:off x="2015611" y="1904999"/>
+              <a:ext cx="934064" cy="2183172"/>
+            </a:xfrm>
+            <a:prstGeom prst="rect">
+              <a:avLst/>
+            </a:prstGeom>
+            <a:solidFill>
+              <a:schemeClr val="accent4">
+                <a:lumMod val="20000"/>
+                <a:lumOff val="80000"/>
+              </a:schemeClr>
+            </a:solidFill>
+          </p:spPr>
+          <p:style>
+            <a:lnRef idx="2">
+              <a:schemeClr val="accent1">
+                <a:shade val="50000"/>
+              </a:schemeClr>
+            </a:lnRef>
+            <a:fillRef idx="1">
+              <a:schemeClr val="accent1"/>
+            </a:fillRef>
+            <a:effectRef idx="0">
+              <a:schemeClr val="accent1"/>
+            </a:effectRef>
+            <a:fontRef idx="minor">
+              <a:schemeClr val="lt1"/>
+            </a:fontRef>
+          </p:style>
+          <p:txBody>
+            <a:bodyPr rtlCol="0" anchor="ctr"/>
+            <a:lstStyle/>
+            <a:p>
+              <a:pPr algn="ctr"/>
+              <a:endParaRPr kumimoji="1" lang="ja-JP" altLang="en-US"/>
+            </a:p>
+          </p:txBody>
+        </p:sp>
+        <p:sp>
+          <p:nvSpPr>
+            <p:cNvPr id="67" name="正方形/長方形 66">
+              <a:extLst>
+                <a:ext uri="{FF2B5EF4-FFF2-40B4-BE49-F238E27FC236}">
+                  <a16:creationId xmlns:a16="http://schemas.microsoft.com/office/drawing/2014/main" id="{B3CD6E0D-4B18-463F-8F7F-6DD330D42174}"/>
+                </a:ext>
+              </a:extLst>
+            </p:cNvPr>
+            <p:cNvSpPr/>
+            <p:nvPr/>
+          </p:nvSpPr>
+          <p:spPr>
+            <a:xfrm>
+              <a:off x="2847909" y="1904999"/>
+              <a:ext cx="106192" cy="2183172"/>
+            </a:xfrm>
+            <a:prstGeom prst="rect">
+              <a:avLst/>
+            </a:prstGeom>
+            <a:solidFill>
+              <a:srgbClr val="FFC000"/>
+            </a:solidFill>
+          </p:spPr>
+          <p:style>
+            <a:lnRef idx="2">
+              <a:schemeClr val="accent1">
+                <a:shade val="50000"/>
+              </a:schemeClr>
+            </a:lnRef>
+            <a:fillRef idx="1">
+              <a:schemeClr val="accent1"/>
+            </a:fillRef>
+            <a:effectRef idx="0">
+              <a:schemeClr val="accent1"/>
+            </a:effectRef>
+            <a:fontRef idx="minor">
+              <a:schemeClr val="lt1"/>
+            </a:fontRef>
+          </p:style>
+          <p:txBody>
+            <a:bodyPr rtlCol="0" anchor="ctr"/>
+            <a:lstStyle/>
+            <a:p>
+              <a:pPr algn="ctr"/>
+              <a:endParaRPr kumimoji="1" lang="ja-JP" altLang="en-US"/>
+            </a:p>
+          </p:txBody>
+        </p:sp>
+      </p:grpSp>
+      <p:sp>
+        <p:nvSpPr>
+          <p:cNvPr id="69" name="正方形/長方形 68">
+            <a:extLst>
+              <a:ext uri="{FF2B5EF4-FFF2-40B4-BE49-F238E27FC236}">
+                <a16:creationId xmlns:a16="http://schemas.microsoft.com/office/drawing/2014/main" id="{4E986DBD-D6A9-4997-A3E4-13A647A3D70E}"/>
+              </a:ext>
+            </a:extLst>
+          </p:cNvPr>
+          <p:cNvSpPr/>
+          <p:nvPr/>
+        </p:nvSpPr>
+        <p:spPr>
+          <a:xfrm>
+            <a:off x="5513817" y="2663028"/>
+            <a:ext cx="106192" cy="818531"/>
+          </a:xfrm>
+          <a:prstGeom prst="rect">
+            <a:avLst/>
+          </a:prstGeom>
+          <a:solidFill>
+            <a:schemeClr val="bg1">
+              <a:lumMod val="65000"/>
+            </a:schemeClr>
+          </a:solidFill>
+        </p:spPr>
+        <p:style>
+          <a:lnRef idx="2">
+            <a:schemeClr val="accent1">
+              <a:shade val="50000"/>
+            </a:schemeClr>
+          </a:lnRef>
+          <a:fillRef idx="1">
+            <a:schemeClr val="accent1"/>
+          </a:fillRef>
+          <a:effectRef idx="0">
+            <a:schemeClr val="accent1"/>
+          </a:effectRef>
+          <a:fontRef idx="minor">
+            <a:schemeClr val="lt1"/>
+          </a:fontRef>
+        </p:style>
+        <p:txBody>
+          <a:bodyPr rtlCol="0" anchor="ctr"/>
+          <a:lstStyle/>
+          <a:p>
+            <a:pPr algn="ctr"/>
+            <a:endParaRPr kumimoji="1" lang="ja-JP" altLang="en-US"/>
+          </a:p>
+        </p:txBody>
+      </p:sp>
+      <p:sp>
+        <p:nvSpPr>
+          <p:cNvPr id="70" name="コンテンツ プレースホルダー 2">
+            <a:extLst>
+              <a:ext uri="{FF2B5EF4-FFF2-40B4-BE49-F238E27FC236}">
+                <a16:creationId xmlns:a16="http://schemas.microsoft.com/office/drawing/2014/main" id="{BAF81049-A3F3-4C1D-993C-3C32E163A7A1}"/>
+              </a:ext>
+            </a:extLst>
+          </p:cNvPr>
+          <p:cNvSpPr txBox="1">
+            <a:spLocks/>
+          </p:cNvSpPr>
+          <p:nvPr/>
+        </p:nvSpPr>
+        <p:spPr>
+          <a:xfrm>
+            <a:off x="4681519" y="3544460"/>
+            <a:ext cx="1202006" cy="323518"/>
+          </a:xfrm>
+          <a:prstGeom prst="rect">
+            <a:avLst/>
+          </a:prstGeom>
+        </p:spPr>
+        <p:txBody>
+          <a:bodyPr vert="horz" lIns="91440" tIns="45720" rIns="91440" bIns="45720" rtlCol="0">
+            <a:normAutofit fontScale="92500" lnSpcReduction="20000"/>
+          </a:bodyPr>
+          <a:lstStyle>
+            <a:lvl1pPr marL="228600" indent="-228600" algn="l" defTabSz="914400" rtl="0" eaLnBrk="1" latinLnBrk="0" hangingPunct="1">
+              <a:lnSpc>
+                <a:spcPct val="90000"/>
+              </a:lnSpc>
+              <a:spcBef>
+                <a:spcPts val="1000"/>
+              </a:spcBef>
+              <a:buFont typeface="Arial" panose="020B0604020202020204" pitchFamily="34" charset="0"/>
+              <a:buChar char="•"/>
+              <a:defRPr kumimoji="1" sz="2800" kern="1200">
+                <a:solidFill>
+                  <a:schemeClr val="tx1"/>
+                </a:solidFill>
+                <a:latin typeface="+mn-lt"/>
+                <a:ea typeface="+mn-ea"/>
+                <a:cs typeface="+mn-cs"/>
+              </a:defRPr>
+            </a:lvl1pPr>
+            <a:lvl2pPr marL="685800" indent="-228600" algn="l" defTabSz="914400" rtl="0" eaLnBrk="1" latinLnBrk="0" hangingPunct="1">
+              <a:lnSpc>
+                <a:spcPct val="90000"/>
+              </a:lnSpc>
+              <a:spcBef>
+                <a:spcPts val="500"/>
+              </a:spcBef>
+              <a:buFont typeface="Arial" panose="020B0604020202020204" pitchFamily="34" charset="0"/>
+              <a:buChar char="•"/>
+              <a:defRPr kumimoji="1" sz="2400" kern="1200">
+                <a:solidFill>
+                  <a:schemeClr val="tx1"/>
+                </a:solidFill>
+                <a:latin typeface="+mn-lt"/>
+                <a:ea typeface="+mn-ea"/>
+                <a:cs typeface="+mn-cs"/>
+              </a:defRPr>
+            </a:lvl2pPr>
+            <a:lvl3pPr marL="1143000" indent="-228600" algn="l" defTabSz="914400" rtl="0" eaLnBrk="1" latinLnBrk="0" hangingPunct="1">
+              <a:lnSpc>
+                <a:spcPct val="90000"/>
+              </a:lnSpc>
+              <a:spcBef>
+                <a:spcPts val="500"/>
+              </a:spcBef>
+              <a:buFont typeface="Arial" panose="020B0604020202020204" pitchFamily="34" charset="0"/>
+              <a:buChar char="•"/>
+              <a:defRPr kumimoji="1" sz="2000" kern="1200">
+                <a:solidFill>
+                  <a:schemeClr val="tx1"/>
+                </a:solidFill>
+                <a:latin typeface="+mn-lt"/>
+                <a:ea typeface="+mn-ea"/>
+                <a:cs typeface="+mn-cs"/>
+              </a:defRPr>
+            </a:lvl3pPr>
+            <a:lvl4pPr marL="1600200" indent="-228600" algn="l" defTabSz="914400" rtl="0" eaLnBrk="1" latinLnBrk="0" hangingPunct="1">
+              <a:lnSpc>
+                <a:spcPct val="90000"/>
+              </a:lnSpc>
+              <a:spcBef>
+                <a:spcPts val="500"/>
+              </a:spcBef>
+              <a:buFont typeface="Arial" panose="020B0604020202020204" pitchFamily="34" charset="0"/>
+              <a:buChar char="•"/>
+              <a:defRPr kumimoji="1" sz="1800" kern="1200">
+                <a:solidFill>
+                  <a:schemeClr val="tx1"/>
+                </a:solidFill>
+                <a:latin typeface="+mn-lt"/>
+                <a:ea typeface="+mn-ea"/>
+                <a:cs typeface="+mn-cs"/>
+              </a:defRPr>
+            </a:lvl4pPr>
+            <a:lvl5pPr marL="2057400" indent="-228600" algn="l" defTabSz="914400" rtl="0" eaLnBrk="1" latinLnBrk="0" hangingPunct="1">
+              <a:lnSpc>
+                <a:spcPct val="90000"/>
+              </a:lnSpc>
+              <a:spcBef>
+                <a:spcPts val="500"/>
+              </a:spcBef>
+              <a:buFont typeface="Arial" panose="020B0604020202020204" pitchFamily="34" charset="0"/>
+              <a:buChar char="•"/>
+              <a:defRPr kumimoji="1" sz="1800" kern="1200">
+                <a:solidFill>
+                  <a:schemeClr val="tx1"/>
+                </a:solidFill>
+                <a:latin typeface="+mn-lt"/>
+                <a:ea typeface="+mn-ea"/>
+                <a:cs typeface="+mn-cs"/>
+              </a:defRPr>
+            </a:lvl5pPr>
+            <a:lvl6pPr marL="2514600" indent="-228600" algn="l" defTabSz="914400" rtl="0" eaLnBrk="1" latinLnBrk="0" hangingPunct="1">
+              <a:lnSpc>
+                <a:spcPct val="90000"/>
+              </a:lnSpc>
+              <a:spcBef>
+                <a:spcPts val="500"/>
+              </a:spcBef>
+              <a:buFont typeface="Arial" panose="020B0604020202020204" pitchFamily="34" charset="0"/>
+              <a:buChar char="•"/>
+              <a:defRPr kumimoji="1" sz="1800" kern="1200">
+                <a:solidFill>
+                  <a:schemeClr val="tx1"/>
+                </a:solidFill>
+                <a:latin typeface="+mn-lt"/>
+                <a:ea typeface="+mn-ea"/>
+                <a:cs typeface="+mn-cs"/>
+              </a:defRPr>
+            </a:lvl6pPr>
+            <a:lvl7pPr marL="2971800" indent="-228600" algn="l" defTabSz="914400" rtl="0" eaLnBrk="1" latinLnBrk="0" hangingPunct="1">
+              <a:lnSpc>
+                <a:spcPct val="90000"/>
+              </a:lnSpc>
+              <a:spcBef>
+                <a:spcPts val="500"/>
+              </a:spcBef>
+              <a:buFont typeface="Arial" panose="020B0604020202020204" pitchFamily="34" charset="0"/>
+              <a:buChar char="•"/>
+              <a:defRPr kumimoji="1" sz="1800" kern="1200">
+                <a:solidFill>
+                  <a:schemeClr val="tx1"/>
+                </a:solidFill>
+                <a:latin typeface="+mn-lt"/>
+                <a:ea typeface="+mn-ea"/>
+                <a:cs typeface="+mn-cs"/>
+              </a:defRPr>
+            </a:lvl7pPr>
+            <a:lvl8pPr marL="3429000" indent="-228600" algn="l" defTabSz="914400" rtl="0" eaLnBrk="1" latinLnBrk="0" hangingPunct="1">
+              <a:lnSpc>
+                <a:spcPct val="90000"/>
+              </a:lnSpc>
+              <a:spcBef>
+                <a:spcPts val="500"/>
+              </a:spcBef>
+              <a:buFont typeface="Arial" panose="020B0604020202020204" pitchFamily="34" charset="0"/>
+              <a:buChar char="•"/>
+              <a:defRPr kumimoji="1" sz="1800" kern="1200">
+                <a:solidFill>
+                  <a:schemeClr val="tx1"/>
+                </a:solidFill>
+                <a:latin typeface="+mn-lt"/>
+                <a:ea typeface="+mn-ea"/>
+                <a:cs typeface="+mn-cs"/>
+              </a:defRPr>
+            </a:lvl8pPr>
+            <a:lvl9pPr marL="3886200" indent="-228600" algn="l" defTabSz="914400" rtl="0" eaLnBrk="1" latinLnBrk="0" hangingPunct="1">
+              <a:lnSpc>
+                <a:spcPct val="90000"/>
+              </a:lnSpc>
+              <a:spcBef>
+                <a:spcPts val="500"/>
+              </a:spcBef>
+              <a:buFont typeface="Arial" panose="020B0604020202020204" pitchFamily="34" charset="0"/>
+              <a:buChar char="•"/>
+              <a:defRPr kumimoji="1" sz="1800" kern="1200">
+                <a:solidFill>
+                  <a:schemeClr val="tx1"/>
+                </a:solidFill>
+                <a:latin typeface="+mn-lt"/>
+                <a:ea typeface="+mn-ea"/>
+                <a:cs typeface="+mn-cs"/>
+              </a:defRPr>
+            </a:lvl9pPr>
+          </a:lstStyle>
+          <a:p>
+            <a:pPr marL="0" indent="0">
+              <a:buFont typeface="Arial" panose="020B0604020202020204" pitchFamily="34" charset="0"/>
+              <a:buNone/>
+            </a:pPr>
+            <a:r>
+              <a:rPr lang="en-US" altLang="ja-JP" sz="2000" dirty="0"/>
+              <a:t>all.csv</a:t>
+            </a:r>
+          </a:p>
+        </p:txBody>
+      </p:sp>
+      <p:sp>
+        <p:nvSpPr>
+          <p:cNvPr id="72" name="コンテンツ プレースホルダー 2">
+            <a:extLst>
+              <a:ext uri="{FF2B5EF4-FFF2-40B4-BE49-F238E27FC236}">
+                <a16:creationId xmlns:a16="http://schemas.microsoft.com/office/drawing/2014/main" id="{D24B7BBB-46D2-40B8-B478-B7639CCD4854}"/>
+              </a:ext>
+            </a:extLst>
+          </p:cNvPr>
+          <p:cNvSpPr txBox="1">
+            <a:spLocks/>
+          </p:cNvSpPr>
+          <p:nvPr/>
+        </p:nvSpPr>
+        <p:spPr>
+          <a:xfrm>
+            <a:off x="5583023" y="3034822"/>
+            <a:ext cx="601003" cy="318792"/>
+          </a:xfrm>
+          <a:prstGeom prst="rect">
+            <a:avLst/>
+          </a:prstGeom>
+        </p:spPr>
+        <p:txBody>
+          <a:bodyPr vert="horz" lIns="91440" tIns="45720" rIns="91440" bIns="45720" rtlCol="0">
+            <a:normAutofit/>
+          </a:bodyPr>
+          <a:lstStyle>
+            <a:lvl1pPr marL="228600" indent="-228600" algn="l" defTabSz="914400" rtl="0" eaLnBrk="1" latinLnBrk="0" hangingPunct="1">
+              <a:lnSpc>
+                <a:spcPct val="90000"/>
+              </a:lnSpc>
+              <a:spcBef>
+                <a:spcPts val="1000"/>
+              </a:spcBef>
+              <a:buFont typeface="Arial" panose="020B0604020202020204" pitchFamily="34" charset="0"/>
+              <a:buChar char="•"/>
+              <a:defRPr kumimoji="1" sz="2800" kern="1200">
+                <a:solidFill>
+                  <a:schemeClr val="tx1"/>
+                </a:solidFill>
+                <a:latin typeface="+mn-lt"/>
+                <a:ea typeface="+mn-ea"/>
+                <a:cs typeface="+mn-cs"/>
+              </a:defRPr>
+            </a:lvl1pPr>
+            <a:lvl2pPr marL="685800" indent="-228600" algn="l" defTabSz="914400" rtl="0" eaLnBrk="1" latinLnBrk="0" hangingPunct="1">
+              <a:lnSpc>
+                <a:spcPct val="90000"/>
+              </a:lnSpc>
+              <a:spcBef>
+                <a:spcPts val="500"/>
+              </a:spcBef>
+              <a:buFont typeface="Arial" panose="020B0604020202020204" pitchFamily="34" charset="0"/>
+              <a:buChar char="•"/>
+              <a:defRPr kumimoji="1" sz="2400" kern="1200">
+                <a:solidFill>
+                  <a:schemeClr val="tx1"/>
+                </a:solidFill>
+                <a:latin typeface="+mn-lt"/>
+                <a:ea typeface="+mn-ea"/>
+                <a:cs typeface="+mn-cs"/>
+              </a:defRPr>
+            </a:lvl2pPr>
+            <a:lvl3pPr marL="1143000" indent="-228600" algn="l" defTabSz="914400" rtl="0" eaLnBrk="1" latinLnBrk="0" hangingPunct="1">
+              <a:lnSpc>
+                <a:spcPct val="90000"/>
+              </a:lnSpc>
+              <a:spcBef>
+                <a:spcPts val="500"/>
+              </a:spcBef>
+              <a:buFont typeface="Arial" panose="020B0604020202020204" pitchFamily="34" charset="0"/>
+              <a:buChar char="•"/>
+              <a:defRPr kumimoji="1" sz="2000" kern="1200">
+                <a:solidFill>
+                  <a:schemeClr val="tx1"/>
+                </a:solidFill>
+                <a:latin typeface="+mn-lt"/>
+                <a:ea typeface="+mn-ea"/>
+                <a:cs typeface="+mn-cs"/>
+              </a:defRPr>
+            </a:lvl3pPr>
+            <a:lvl4pPr marL="1600200" indent="-228600" algn="l" defTabSz="914400" rtl="0" eaLnBrk="1" latinLnBrk="0" hangingPunct="1">
+              <a:lnSpc>
+                <a:spcPct val="90000"/>
+              </a:lnSpc>
+              <a:spcBef>
+                <a:spcPts val="500"/>
+              </a:spcBef>
+              <a:buFont typeface="Arial" panose="020B0604020202020204" pitchFamily="34" charset="0"/>
+              <a:buChar char="•"/>
+              <a:defRPr kumimoji="1" sz="1800" kern="1200">
+                <a:solidFill>
+                  <a:schemeClr val="tx1"/>
+                </a:solidFill>
+                <a:latin typeface="+mn-lt"/>
+                <a:ea typeface="+mn-ea"/>
+                <a:cs typeface="+mn-cs"/>
+              </a:defRPr>
+            </a:lvl4pPr>
+            <a:lvl5pPr marL="2057400" indent="-228600" algn="l" defTabSz="914400" rtl="0" eaLnBrk="1" latinLnBrk="0" hangingPunct="1">
+              <a:lnSpc>
+                <a:spcPct val="90000"/>
+              </a:lnSpc>
+              <a:spcBef>
+                <a:spcPts val="500"/>
+              </a:spcBef>
+              <a:buFont typeface="Arial" panose="020B0604020202020204" pitchFamily="34" charset="0"/>
+              <a:buChar char="•"/>
+              <a:defRPr kumimoji="1" sz="1800" kern="1200">
+                <a:solidFill>
+                  <a:schemeClr val="tx1"/>
+                </a:solidFill>
+                <a:latin typeface="+mn-lt"/>
+                <a:ea typeface="+mn-ea"/>
+                <a:cs typeface="+mn-cs"/>
+              </a:defRPr>
+            </a:lvl5pPr>
+            <a:lvl6pPr marL="2514600" indent="-228600" algn="l" defTabSz="914400" rtl="0" eaLnBrk="1" latinLnBrk="0" hangingPunct="1">
+              <a:lnSpc>
+                <a:spcPct val="90000"/>
+              </a:lnSpc>
+              <a:spcBef>
+                <a:spcPts val="500"/>
+              </a:spcBef>
+              <a:buFont typeface="Arial" panose="020B0604020202020204" pitchFamily="34" charset="0"/>
+              <a:buChar char="•"/>
+              <a:defRPr kumimoji="1" sz="1800" kern="1200">
+                <a:solidFill>
+                  <a:schemeClr val="tx1"/>
+                </a:solidFill>
+                <a:latin typeface="+mn-lt"/>
+                <a:ea typeface="+mn-ea"/>
+                <a:cs typeface="+mn-cs"/>
+              </a:defRPr>
+            </a:lvl6pPr>
+            <a:lvl7pPr marL="2971800" indent="-228600" algn="l" defTabSz="914400" rtl="0" eaLnBrk="1" latinLnBrk="0" hangingPunct="1">
+              <a:lnSpc>
+                <a:spcPct val="90000"/>
+              </a:lnSpc>
+              <a:spcBef>
+                <a:spcPts val="500"/>
+              </a:spcBef>
+              <a:buFont typeface="Arial" panose="020B0604020202020204" pitchFamily="34" charset="0"/>
+              <a:buChar char="•"/>
+              <a:defRPr kumimoji="1" sz="1800" kern="1200">
+                <a:solidFill>
+                  <a:schemeClr val="tx1"/>
+                </a:solidFill>
+                <a:latin typeface="+mn-lt"/>
+                <a:ea typeface="+mn-ea"/>
+                <a:cs typeface="+mn-cs"/>
+              </a:defRPr>
+            </a:lvl7pPr>
+            <a:lvl8pPr marL="3429000" indent="-228600" algn="l" defTabSz="914400" rtl="0" eaLnBrk="1" latinLnBrk="0" hangingPunct="1">
+              <a:lnSpc>
+                <a:spcPct val="90000"/>
+              </a:lnSpc>
+              <a:spcBef>
+                <a:spcPts val="500"/>
+              </a:spcBef>
+              <a:buFont typeface="Arial" panose="020B0604020202020204" pitchFamily="34" charset="0"/>
+              <a:buChar char="•"/>
+              <a:defRPr kumimoji="1" sz="1800" kern="1200">
+                <a:solidFill>
+                  <a:schemeClr val="tx1"/>
+                </a:solidFill>
+                <a:latin typeface="+mn-lt"/>
+                <a:ea typeface="+mn-ea"/>
+                <a:cs typeface="+mn-cs"/>
+              </a:defRPr>
+            </a:lvl8pPr>
+            <a:lvl9pPr marL="3886200" indent="-228600" algn="l" defTabSz="914400" rtl="0" eaLnBrk="1" latinLnBrk="0" hangingPunct="1">
+              <a:lnSpc>
+                <a:spcPct val="90000"/>
+              </a:lnSpc>
+              <a:spcBef>
+                <a:spcPts val="500"/>
+              </a:spcBef>
+              <a:buFont typeface="Arial" panose="020B0604020202020204" pitchFamily="34" charset="0"/>
+              <a:buChar char="•"/>
+              <a:defRPr kumimoji="1" sz="1800" kern="1200">
+                <a:solidFill>
+                  <a:schemeClr val="tx1"/>
+                </a:solidFill>
+                <a:latin typeface="+mn-lt"/>
+                <a:ea typeface="+mn-ea"/>
+                <a:cs typeface="+mn-cs"/>
+              </a:defRPr>
+            </a:lvl9pPr>
+          </a:lstStyle>
+          <a:p>
+            <a:pPr marL="0" indent="0">
+              <a:buFont typeface="Arial" panose="020B0604020202020204" pitchFamily="34" charset="0"/>
+              <a:buNone/>
+            </a:pPr>
+            <a:r>
+              <a:rPr lang="en-US" altLang="ja-JP" sz="1200" dirty="0"/>
+              <a:t>-1</a:t>
+            </a:r>
+          </a:p>
+        </p:txBody>
+      </p:sp>
+      <p:sp>
+        <p:nvSpPr>
+          <p:cNvPr id="87" name="コンテンツ プレースホルダー 2">
+            <a:extLst>
+              <a:ext uri="{FF2B5EF4-FFF2-40B4-BE49-F238E27FC236}">
+                <a16:creationId xmlns:a16="http://schemas.microsoft.com/office/drawing/2014/main" id="{F12B7706-2359-47CE-A292-D51F056E73AF}"/>
+              </a:ext>
+            </a:extLst>
+          </p:cNvPr>
+          <p:cNvSpPr txBox="1">
+            <a:spLocks/>
+          </p:cNvSpPr>
+          <p:nvPr/>
+        </p:nvSpPr>
+        <p:spPr>
+          <a:xfrm>
+            <a:off x="4501725" y="1635703"/>
+            <a:ext cx="411722" cy="323518"/>
+          </a:xfrm>
+          <a:prstGeom prst="rect">
+            <a:avLst/>
+          </a:prstGeom>
+        </p:spPr>
+        <p:txBody>
+          <a:bodyPr vert="horz" lIns="91440" tIns="45720" rIns="91440" bIns="45720" rtlCol="0">
+            <a:normAutofit/>
+          </a:bodyPr>
+          <a:lstStyle>
+            <a:lvl1pPr marL="228600" indent="-228600" algn="l" defTabSz="914400" rtl="0" eaLnBrk="1" latinLnBrk="0" hangingPunct="1">
+              <a:lnSpc>
+                <a:spcPct val="90000"/>
+              </a:lnSpc>
+              <a:spcBef>
+                <a:spcPts val="1000"/>
+              </a:spcBef>
+              <a:buFont typeface="Arial" panose="020B0604020202020204" pitchFamily="34" charset="0"/>
+              <a:buChar char="•"/>
+              <a:defRPr kumimoji="1" sz="2800" kern="1200">
+                <a:solidFill>
+                  <a:schemeClr val="tx1"/>
+                </a:solidFill>
+                <a:latin typeface="+mn-lt"/>
+                <a:ea typeface="+mn-ea"/>
+                <a:cs typeface="+mn-cs"/>
+              </a:defRPr>
+            </a:lvl1pPr>
+            <a:lvl2pPr marL="685800" indent="-228600" algn="l" defTabSz="914400" rtl="0" eaLnBrk="1" latinLnBrk="0" hangingPunct="1">
+              <a:lnSpc>
+                <a:spcPct val="90000"/>
+              </a:lnSpc>
+              <a:spcBef>
+                <a:spcPts val="500"/>
+              </a:spcBef>
+              <a:buFont typeface="Arial" panose="020B0604020202020204" pitchFamily="34" charset="0"/>
+              <a:buChar char="•"/>
+              <a:defRPr kumimoji="1" sz="2400" kern="1200">
+                <a:solidFill>
+                  <a:schemeClr val="tx1"/>
+                </a:solidFill>
+                <a:latin typeface="+mn-lt"/>
+                <a:ea typeface="+mn-ea"/>
+                <a:cs typeface="+mn-cs"/>
+              </a:defRPr>
+            </a:lvl2pPr>
+            <a:lvl3pPr marL="1143000" indent="-228600" algn="l" defTabSz="914400" rtl="0" eaLnBrk="1" latinLnBrk="0" hangingPunct="1">
+              <a:lnSpc>
+                <a:spcPct val="90000"/>
+              </a:lnSpc>
+              <a:spcBef>
+                <a:spcPts val="500"/>
+              </a:spcBef>
+              <a:buFont typeface="Arial" panose="020B0604020202020204" pitchFamily="34" charset="0"/>
+              <a:buChar char="•"/>
+              <a:defRPr kumimoji="1" sz="2000" kern="1200">
+                <a:solidFill>
+                  <a:schemeClr val="tx1"/>
+                </a:solidFill>
+                <a:latin typeface="+mn-lt"/>
+                <a:ea typeface="+mn-ea"/>
+                <a:cs typeface="+mn-cs"/>
+              </a:defRPr>
+            </a:lvl3pPr>
+            <a:lvl4pPr marL="1600200" indent="-228600" algn="l" defTabSz="914400" rtl="0" eaLnBrk="1" latinLnBrk="0" hangingPunct="1">
+              <a:lnSpc>
+                <a:spcPct val="90000"/>
+              </a:lnSpc>
+              <a:spcBef>
+                <a:spcPts val="500"/>
+              </a:spcBef>
+              <a:buFont typeface="Arial" panose="020B0604020202020204" pitchFamily="34" charset="0"/>
+              <a:buChar char="•"/>
+              <a:defRPr kumimoji="1" sz="1800" kern="1200">
+                <a:solidFill>
+                  <a:schemeClr val="tx1"/>
+                </a:solidFill>
+                <a:latin typeface="+mn-lt"/>
+                <a:ea typeface="+mn-ea"/>
+                <a:cs typeface="+mn-cs"/>
+              </a:defRPr>
+            </a:lvl4pPr>
+            <a:lvl5pPr marL="2057400" indent="-228600" algn="l" defTabSz="914400" rtl="0" eaLnBrk="1" latinLnBrk="0" hangingPunct="1">
+              <a:lnSpc>
+                <a:spcPct val="90000"/>
+              </a:lnSpc>
+              <a:spcBef>
+                <a:spcPts val="500"/>
+              </a:spcBef>
+              <a:buFont typeface="Arial" panose="020B0604020202020204" pitchFamily="34" charset="0"/>
+              <a:buChar char="•"/>
+              <a:defRPr kumimoji="1" sz="1800" kern="1200">
+                <a:solidFill>
+                  <a:schemeClr val="tx1"/>
+                </a:solidFill>
+                <a:latin typeface="+mn-lt"/>
+                <a:ea typeface="+mn-ea"/>
+                <a:cs typeface="+mn-cs"/>
+              </a:defRPr>
+            </a:lvl5pPr>
+            <a:lvl6pPr marL="2514600" indent="-228600" algn="l" defTabSz="914400" rtl="0" eaLnBrk="1" latinLnBrk="0" hangingPunct="1">
+              <a:lnSpc>
+                <a:spcPct val="90000"/>
+              </a:lnSpc>
+              <a:spcBef>
+                <a:spcPts val="500"/>
+              </a:spcBef>
+              <a:buFont typeface="Arial" panose="020B0604020202020204" pitchFamily="34" charset="0"/>
+              <a:buChar char="•"/>
+              <a:defRPr kumimoji="1" sz="1800" kern="1200">
+                <a:solidFill>
+                  <a:schemeClr val="tx1"/>
+                </a:solidFill>
+                <a:latin typeface="+mn-lt"/>
+                <a:ea typeface="+mn-ea"/>
+                <a:cs typeface="+mn-cs"/>
+              </a:defRPr>
+            </a:lvl6pPr>
+            <a:lvl7pPr marL="2971800" indent="-228600" algn="l" defTabSz="914400" rtl="0" eaLnBrk="1" latinLnBrk="0" hangingPunct="1">
+              <a:lnSpc>
+                <a:spcPct val="90000"/>
+              </a:lnSpc>
+              <a:spcBef>
+                <a:spcPts val="500"/>
+              </a:spcBef>
+              <a:buFont typeface="Arial" panose="020B0604020202020204" pitchFamily="34" charset="0"/>
+              <a:buChar char="•"/>
+              <a:defRPr kumimoji="1" sz="1800" kern="1200">
+                <a:solidFill>
+                  <a:schemeClr val="tx1"/>
+                </a:solidFill>
+                <a:latin typeface="+mn-lt"/>
+                <a:ea typeface="+mn-ea"/>
+                <a:cs typeface="+mn-cs"/>
+              </a:defRPr>
+            </a:lvl7pPr>
+            <a:lvl8pPr marL="3429000" indent="-228600" algn="l" defTabSz="914400" rtl="0" eaLnBrk="1" latinLnBrk="0" hangingPunct="1">
+              <a:lnSpc>
+                <a:spcPct val="90000"/>
+              </a:lnSpc>
+              <a:spcBef>
+                <a:spcPts val="500"/>
+              </a:spcBef>
+              <a:buFont typeface="Arial" panose="020B0604020202020204" pitchFamily="34" charset="0"/>
+              <a:buChar char="•"/>
+              <a:defRPr kumimoji="1" sz="1800" kern="1200">
+                <a:solidFill>
+                  <a:schemeClr val="tx1"/>
+                </a:solidFill>
+                <a:latin typeface="+mn-lt"/>
+                <a:ea typeface="+mn-ea"/>
+                <a:cs typeface="+mn-cs"/>
+              </a:defRPr>
+            </a:lvl8pPr>
+            <a:lvl9pPr marL="3886200" indent="-228600" algn="l" defTabSz="914400" rtl="0" eaLnBrk="1" latinLnBrk="0" hangingPunct="1">
+              <a:lnSpc>
+                <a:spcPct val="90000"/>
+              </a:lnSpc>
+              <a:spcBef>
+                <a:spcPts val="500"/>
+              </a:spcBef>
+              <a:buFont typeface="Arial" panose="020B0604020202020204" pitchFamily="34" charset="0"/>
+              <a:buChar char="•"/>
+              <a:defRPr kumimoji="1" sz="1800" kern="1200">
+                <a:solidFill>
+                  <a:schemeClr val="tx1"/>
+                </a:solidFill>
+                <a:latin typeface="+mn-lt"/>
+                <a:ea typeface="+mn-ea"/>
+                <a:cs typeface="+mn-cs"/>
+              </a:defRPr>
+            </a:lvl9pPr>
+          </a:lstStyle>
+          <a:p>
+            <a:pPr marL="0" indent="0">
+              <a:buFont typeface="Arial" panose="020B0604020202020204" pitchFamily="34" charset="0"/>
+              <a:buNone/>
+            </a:pPr>
+            <a:r>
+              <a:rPr lang="en-US" altLang="ja-JP" sz="1200" dirty="0"/>
+              <a:t>Id</a:t>
+            </a:r>
+          </a:p>
+        </p:txBody>
+      </p:sp>
+      <p:grpSp>
+        <p:nvGrpSpPr>
+          <p:cNvPr id="11" name="グループ化 10">
+            <a:extLst>
+              <a:ext uri="{FF2B5EF4-FFF2-40B4-BE49-F238E27FC236}">
+                <a16:creationId xmlns:a16="http://schemas.microsoft.com/office/drawing/2014/main" id="{538F01E0-65CA-4A5C-B8B3-9B8A3FB43259}"/>
+              </a:ext>
+            </a:extLst>
+          </p:cNvPr>
+          <p:cNvGrpSpPr/>
+          <p:nvPr/>
+        </p:nvGrpSpPr>
+        <p:grpSpPr>
+          <a:xfrm>
+            <a:off x="5883525" y="4969739"/>
+            <a:ext cx="1939083" cy="2011164"/>
+            <a:chOff x="5883525" y="4969739"/>
+            <a:chExt cx="1939083" cy="2011164"/>
+          </a:xfrm>
+        </p:grpSpPr>
+        <p:sp>
+          <p:nvSpPr>
+            <p:cNvPr id="71" name="コンテンツ プレースホルダー 2">
+              <a:extLst>
+                <a:ext uri="{FF2B5EF4-FFF2-40B4-BE49-F238E27FC236}">
+                  <a16:creationId xmlns:a16="http://schemas.microsoft.com/office/drawing/2014/main" id="{C713E179-E70B-4BC3-BE3E-4A8D286466D0}"/>
+                </a:ext>
+              </a:extLst>
+            </p:cNvPr>
+            <p:cNvSpPr txBox="1">
+              <a:spLocks/>
+            </p:cNvSpPr>
+            <p:nvPr/>
+          </p:nvSpPr>
+          <p:spPr>
+            <a:xfrm>
+              <a:off x="5883525" y="4969739"/>
+              <a:ext cx="1608656" cy="323518"/>
+            </a:xfrm>
+            <a:prstGeom prst="rect">
+              <a:avLst/>
+            </a:prstGeom>
+          </p:spPr>
+          <p:txBody>
+            <a:bodyPr vert="horz" lIns="91440" tIns="45720" rIns="91440" bIns="45720" rtlCol="0">
+              <a:normAutofit fontScale="92500" lnSpcReduction="20000"/>
+            </a:bodyPr>
+            <a:lstStyle>
+              <a:lvl1pPr marL="228600" indent="-228600" algn="l" defTabSz="914400" rtl="0" eaLnBrk="1" latinLnBrk="0" hangingPunct="1">
+                <a:lnSpc>
+                  <a:spcPct val="90000"/>
+                </a:lnSpc>
+                <a:spcBef>
+                  <a:spcPts val="1000"/>
+                </a:spcBef>
+                <a:buFont typeface="Arial" panose="020B0604020202020204" pitchFamily="34" charset="0"/>
+                <a:buChar char="•"/>
+                <a:defRPr kumimoji="1" sz="2800" kern="1200">
+                  <a:solidFill>
+                    <a:schemeClr val="tx1"/>
+                  </a:solidFill>
+                  <a:latin typeface="+mn-lt"/>
+                  <a:ea typeface="+mn-ea"/>
+                  <a:cs typeface="+mn-cs"/>
+                </a:defRPr>
+              </a:lvl1pPr>
+              <a:lvl2pPr marL="685800" indent="-228600" algn="l" defTabSz="914400" rtl="0" eaLnBrk="1" latinLnBrk="0" hangingPunct="1">
+                <a:lnSpc>
+                  <a:spcPct val="90000"/>
+                </a:lnSpc>
+                <a:spcBef>
+                  <a:spcPts val="500"/>
+                </a:spcBef>
+                <a:buFont typeface="Arial" panose="020B0604020202020204" pitchFamily="34" charset="0"/>
+                <a:buChar char="•"/>
+                <a:defRPr kumimoji="1" sz="2400" kern="1200">
+                  <a:solidFill>
+                    <a:schemeClr val="tx1"/>
+                  </a:solidFill>
+                  <a:latin typeface="+mn-lt"/>
+                  <a:ea typeface="+mn-ea"/>
+                  <a:cs typeface="+mn-cs"/>
+                </a:defRPr>
+              </a:lvl2pPr>
+              <a:lvl3pPr marL="1143000" indent="-228600" algn="l" defTabSz="914400" rtl="0" eaLnBrk="1" latinLnBrk="0" hangingPunct="1">
+                <a:lnSpc>
+                  <a:spcPct val="90000"/>
+                </a:lnSpc>
+                <a:spcBef>
+                  <a:spcPts val="500"/>
+                </a:spcBef>
+                <a:buFont typeface="Arial" panose="020B0604020202020204" pitchFamily="34" charset="0"/>
+                <a:buChar char="•"/>
+                <a:defRPr kumimoji="1" sz="2000" kern="1200">
+                  <a:solidFill>
+                    <a:schemeClr val="tx1"/>
+                  </a:solidFill>
+                  <a:latin typeface="+mn-lt"/>
+                  <a:ea typeface="+mn-ea"/>
+                  <a:cs typeface="+mn-cs"/>
+                </a:defRPr>
+              </a:lvl3pPr>
+              <a:lvl4pPr marL="1600200" indent="-228600" algn="l" defTabSz="914400" rtl="0" eaLnBrk="1" latinLnBrk="0" hangingPunct="1">
+                <a:lnSpc>
+                  <a:spcPct val="90000"/>
+                </a:lnSpc>
+                <a:spcBef>
+                  <a:spcPts val="500"/>
+                </a:spcBef>
+                <a:buFont typeface="Arial" panose="020B0604020202020204" pitchFamily="34" charset="0"/>
+                <a:buChar char="•"/>
+                <a:defRPr kumimoji="1" sz="1800" kern="1200">
+                  <a:solidFill>
+                    <a:schemeClr val="tx1"/>
+                  </a:solidFill>
+                  <a:latin typeface="+mn-lt"/>
+                  <a:ea typeface="+mn-ea"/>
+                  <a:cs typeface="+mn-cs"/>
+                </a:defRPr>
+              </a:lvl4pPr>
+              <a:lvl5pPr marL="2057400" indent="-228600" algn="l" defTabSz="914400" rtl="0" eaLnBrk="1" latinLnBrk="0" hangingPunct="1">
+                <a:lnSpc>
+                  <a:spcPct val="90000"/>
+                </a:lnSpc>
+                <a:spcBef>
+                  <a:spcPts val="500"/>
+                </a:spcBef>
+                <a:buFont typeface="Arial" panose="020B0604020202020204" pitchFamily="34" charset="0"/>
+                <a:buChar char="•"/>
+                <a:defRPr kumimoji="1" sz="1800" kern="1200">
+                  <a:solidFill>
+                    <a:schemeClr val="tx1"/>
+                  </a:solidFill>
+                  <a:latin typeface="+mn-lt"/>
+                  <a:ea typeface="+mn-ea"/>
+                  <a:cs typeface="+mn-cs"/>
+                </a:defRPr>
+              </a:lvl5pPr>
+              <a:lvl6pPr marL="2514600" indent="-228600" algn="l" defTabSz="914400" rtl="0" eaLnBrk="1" latinLnBrk="0" hangingPunct="1">
+                <a:lnSpc>
+                  <a:spcPct val="90000"/>
+                </a:lnSpc>
+                <a:spcBef>
+                  <a:spcPts val="500"/>
+                </a:spcBef>
+                <a:buFont typeface="Arial" panose="020B0604020202020204" pitchFamily="34" charset="0"/>
+                <a:buChar char="•"/>
+                <a:defRPr kumimoji="1" sz="1800" kern="1200">
+                  <a:solidFill>
+                    <a:schemeClr val="tx1"/>
+                  </a:solidFill>
+                  <a:latin typeface="+mn-lt"/>
+                  <a:ea typeface="+mn-ea"/>
+                  <a:cs typeface="+mn-cs"/>
+                </a:defRPr>
+              </a:lvl6pPr>
+              <a:lvl7pPr marL="2971800" indent="-228600" algn="l" defTabSz="914400" rtl="0" eaLnBrk="1" latinLnBrk="0" hangingPunct="1">
+                <a:lnSpc>
+                  <a:spcPct val="90000"/>
+                </a:lnSpc>
+                <a:spcBef>
+                  <a:spcPts val="500"/>
+                </a:spcBef>
+                <a:buFont typeface="Arial" panose="020B0604020202020204" pitchFamily="34" charset="0"/>
+                <a:buChar char="•"/>
+                <a:defRPr kumimoji="1" sz="1800" kern="1200">
+                  <a:solidFill>
+                    <a:schemeClr val="tx1"/>
+                  </a:solidFill>
+                  <a:latin typeface="+mn-lt"/>
+                  <a:ea typeface="+mn-ea"/>
+                  <a:cs typeface="+mn-cs"/>
+                </a:defRPr>
+              </a:lvl7pPr>
+              <a:lvl8pPr marL="3429000" indent="-228600" algn="l" defTabSz="914400" rtl="0" eaLnBrk="1" latinLnBrk="0" hangingPunct="1">
+                <a:lnSpc>
+                  <a:spcPct val="90000"/>
+                </a:lnSpc>
+                <a:spcBef>
+                  <a:spcPts val="500"/>
+                </a:spcBef>
+                <a:buFont typeface="Arial" panose="020B0604020202020204" pitchFamily="34" charset="0"/>
+                <a:buChar char="•"/>
+                <a:defRPr kumimoji="1" sz="1800" kern="1200">
+                  <a:solidFill>
+                    <a:schemeClr val="tx1"/>
+                  </a:solidFill>
+                  <a:latin typeface="+mn-lt"/>
+                  <a:ea typeface="+mn-ea"/>
+                  <a:cs typeface="+mn-cs"/>
+                </a:defRPr>
+              </a:lvl8pPr>
+              <a:lvl9pPr marL="3886200" indent="-228600" algn="l" defTabSz="914400" rtl="0" eaLnBrk="1" latinLnBrk="0" hangingPunct="1">
+                <a:lnSpc>
+                  <a:spcPct val="90000"/>
+                </a:lnSpc>
+                <a:spcBef>
+                  <a:spcPts val="500"/>
+                </a:spcBef>
+                <a:buFont typeface="Arial" panose="020B0604020202020204" pitchFamily="34" charset="0"/>
+                <a:buChar char="•"/>
+                <a:defRPr kumimoji="1" sz="1800" kern="1200">
+                  <a:solidFill>
+                    <a:schemeClr val="tx1"/>
+                  </a:solidFill>
+                  <a:latin typeface="+mn-lt"/>
+                  <a:ea typeface="+mn-ea"/>
+                  <a:cs typeface="+mn-cs"/>
+                </a:defRPr>
+              </a:lvl9pPr>
+            </a:lstStyle>
+            <a:p>
+              <a:pPr marL="0" indent="0">
+                <a:buFont typeface="Arial" panose="020B0604020202020204" pitchFamily="34" charset="0"/>
+                <a:buNone/>
+              </a:pPr>
+              <a:r>
+                <a:rPr lang="en-US" altLang="ja-JP" sz="2000" dirty="0"/>
+                <a:t>feature1.csv</a:t>
+              </a:r>
+            </a:p>
+          </p:txBody>
+        </p:sp>
+        <p:cxnSp>
+          <p:nvCxnSpPr>
+            <p:cNvPr id="6" name="直線コネクタ 5">
+              <a:extLst>
+                <a:ext uri="{FF2B5EF4-FFF2-40B4-BE49-F238E27FC236}">
+                  <a16:creationId xmlns:a16="http://schemas.microsoft.com/office/drawing/2014/main" id="{DDB5D046-FDC7-4026-ADF9-8DFF6A55C2BA}"/>
+                </a:ext>
+              </a:extLst>
+            </p:cNvPr>
+            <p:cNvCxnSpPr/>
+            <p:nvPr/>
+          </p:nvCxnSpPr>
+          <p:spPr>
+            <a:xfrm>
+              <a:off x="6041331" y="5680451"/>
+              <a:ext cx="1056581" cy="0"/>
+            </a:xfrm>
+            <a:prstGeom prst="line">
+              <a:avLst/>
+            </a:prstGeom>
+          </p:spPr>
+          <p:style>
+            <a:lnRef idx="1">
+              <a:schemeClr val="dk1"/>
+            </a:lnRef>
+            <a:fillRef idx="0">
+              <a:schemeClr val="dk1"/>
+            </a:fillRef>
+            <a:effectRef idx="0">
+              <a:schemeClr val="dk1"/>
+            </a:effectRef>
+            <a:fontRef idx="minor">
+              <a:schemeClr val="tx1"/>
+            </a:fontRef>
+          </p:style>
+        </p:cxnSp>
+        <p:cxnSp>
+          <p:nvCxnSpPr>
+            <p:cNvPr id="10" name="直線コネクタ 9">
+              <a:extLst>
+                <a:ext uri="{FF2B5EF4-FFF2-40B4-BE49-F238E27FC236}">
+                  <a16:creationId xmlns:a16="http://schemas.microsoft.com/office/drawing/2014/main" id="{628014AB-6479-4C9A-B434-8A0F8136FCC4}"/>
+                </a:ext>
+              </a:extLst>
+            </p:cNvPr>
+            <p:cNvCxnSpPr/>
+            <p:nvPr/>
+          </p:nvCxnSpPr>
+          <p:spPr>
+            <a:xfrm>
+              <a:off x="6558116" y="5293257"/>
+              <a:ext cx="0" cy="1687646"/>
+            </a:xfrm>
+            <a:prstGeom prst="line">
+              <a:avLst/>
+            </a:prstGeom>
+          </p:spPr>
+          <p:style>
+            <a:lnRef idx="1">
+              <a:schemeClr val="accent1"/>
+            </a:lnRef>
+            <a:fillRef idx="0">
+              <a:schemeClr val="accent1"/>
+            </a:fillRef>
+            <a:effectRef idx="0">
+              <a:schemeClr val="accent1"/>
+            </a:effectRef>
+            <a:fontRef idx="minor">
+              <a:schemeClr val="tx1"/>
+            </a:fontRef>
+          </p:style>
+        </p:cxnSp>
+        <p:sp>
+          <p:nvSpPr>
+            <p:cNvPr id="88" name="コンテンツ プレースホルダー 2">
+              <a:extLst>
+                <a:ext uri="{FF2B5EF4-FFF2-40B4-BE49-F238E27FC236}">
+                  <a16:creationId xmlns:a16="http://schemas.microsoft.com/office/drawing/2014/main" id="{3DC2F951-09D1-4DCD-8217-6063DB94DB2C}"/>
+                </a:ext>
+              </a:extLst>
+            </p:cNvPr>
+            <p:cNvSpPr txBox="1">
+              <a:spLocks/>
+            </p:cNvSpPr>
+            <p:nvPr/>
+          </p:nvSpPr>
+          <p:spPr>
+            <a:xfrm>
+              <a:off x="6093794" y="5375914"/>
+              <a:ext cx="411722" cy="323518"/>
+            </a:xfrm>
+            <a:prstGeom prst="rect">
+              <a:avLst/>
+            </a:prstGeom>
+          </p:spPr>
+          <p:txBody>
+            <a:bodyPr vert="horz" lIns="91440" tIns="45720" rIns="91440" bIns="45720" rtlCol="0">
+              <a:normAutofit/>
+            </a:bodyPr>
+            <a:lstStyle>
+              <a:lvl1pPr marL="228600" indent="-228600" algn="l" defTabSz="914400" rtl="0" eaLnBrk="1" latinLnBrk="0" hangingPunct="1">
+                <a:lnSpc>
+                  <a:spcPct val="90000"/>
+                </a:lnSpc>
+                <a:spcBef>
+                  <a:spcPts val="1000"/>
+                </a:spcBef>
+                <a:buFont typeface="Arial" panose="020B0604020202020204" pitchFamily="34" charset="0"/>
+                <a:buChar char="•"/>
+                <a:defRPr kumimoji="1" sz="2800" kern="1200">
+                  <a:solidFill>
+                    <a:schemeClr val="tx1"/>
+                  </a:solidFill>
+                  <a:latin typeface="+mn-lt"/>
+                  <a:ea typeface="+mn-ea"/>
+                  <a:cs typeface="+mn-cs"/>
+                </a:defRPr>
+              </a:lvl1pPr>
+              <a:lvl2pPr marL="685800" indent="-228600" algn="l" defTabSz="914400" rtl="0" eaLnBrk="1" latinLnBrk="0" hangingPunct="1">
+                <a:lnSpc>
+                  <a:spcPct val="90000"/>
+                </a:lnSpc>
+                <a:spcBef>
+                  <a:spcPts val="500"/>
+                </a:spcBef>
+                <a:buFont typeface="Arial" panose="020B0604020202020204" pitchFamily="34" charset="0"/>
+                <a:buChar char="•"/>
+                <a:defRPr kumimoji="1" sz="2400" kern="1200">
+                  <a:solidFill>
+                    <a:schemeClr val="tx1"/>
+                  </a:solidFill>
+                  <a:latin typeface="+mn-lt"/>
+                  <a:ea typeface="+mn-ea"/>
+                  <a:cs typeface="+mn-cs"/>
+                </a:defRPr>
+              </a:lvl2pPr>
+              <a:lvl3pPr marL="1143000" indent="-228600" algn="l" defTabSz="914400" rtl="0" eaLnBrk="1" latinLnBrk="0" hangingPunct="1">
+                <a:lnSpc>
+                  <a:spcPct val="90000"/>
+                </a:lnSpc>
+                <a:spcBef>
+                  <a:spcPts val="500"/>
+                </a:spcBef>
+                <a:buFont typeface="Arial" panose="020B0604020202020204" pitchFamily="34" charset="0"/>
+                <a:buChar char="•"/>
+                <a:defRPr kumimoji="1" sz="2000" kern="1200">
+                  <a:solidFill>
+                    <a:schemeClr val="tx1"/>
+                  </a:solidFill>
+                  <a:latin typeface="+mn-lt"/>
+                  <a:ea typeface="+mn-ea"/>
+                  <a:cs typeface="+mn-cs"/>
+                </a:defRPr>
+              </a:lvl3pPr>
+              <a:lvl4pPr marL="1600200" indent="-228600" algn="l" defTabSz="914400" rtl="0" eaLnBrk="1" latinLnBrk="0" hangingPunct="1">
+                <a:lnSpc>
+                  <a:spcPct val="90000"/>
+                </a:lnSpc>
+                <a:spcBef>
+                  <a:spcPts val="500"/>
+                </a:spcBef>
+                <a:buFont typeface="Arial" panose="020B0604020202020204" pitchFamily="34" charset="0"/>
+                <a:buChar char="•"/>
+                <a:defRPr kumimoji="1" sz="1800" kern="1200">
+                  <a:solidFill>
+                    <a:schemeClr val="tx1"/>
+                  </a:solidFill>
+                  <a:latin typeface="+mn-lt"/>
+                  <a:ea typeface="+mn-ea"/>
+                  <a:cs typeface="+mn-cs"/>
+                </a:defRPr>
+              </a:lvl4pPr>
+              <a:lvl5pPr marL="2057400" indent="-228600" algn="l" defTabSz="914400" rtl="0" eaLnBrk="1" latinLnBrk="0" hangingPunct="1">
+                <a:lnSpc>
+                  <a:spcPct val="90000"/>
+                </a:lnSpc>
+                <a:spcBef>
+                  <a:spcPts val="500"/>
+                </a:spcBef>
+                <a:buFont typeface="Arial" panose="020B0604020202020204" pitchFamily="34" charset="0"/>
+                <a:buChar char="•"/>
+                <a:defRPr kumimoji="1" sz="1800" kern="1200">
+                  <a:solidFill>
+                    <a:schemeClr val="tx1"/>
+                  </a:solidFill>
+                  <a:latin typeface="+mn-lt"/>
+                  <a:ea typeface="+mn-ea"/>
+                  <a:cs typeface="+mn-cs"/>
+                </a:defRPr>
+              </a:lvl5pPr>
+              <a:lvl6pPr marL="2514600" indent="-228600" algn="l" defTabSz="914400" rtl="0" eaLnBrk="1" latinLnBrk="0" hangingPunct="1">
+                <a:lnSpc>
+                  <a:spcPct val="90000"/>
+                </a:lnSpc>
+                <a:spcBef>
+                  <a:spcPts val="500"/>
+                </a:spcBef>
+                <a:buFont typeface="Arial" panose="020B0604020202020204" pitchFamily="34" charset="0"/>
+                <a:buChar char="•"/>
+                <a:defRPr kumimoji="1" sz="1800" kern="1200">
+                  <a:solidFill>
+                    <a:schemeClr val="tx1"/>
+                  </a:solidFill>
+                  <a:latin typeface="+mn-lt"/>
+                  <a:ea typeface="+mn-ea"/>
+                  <a:cs typeface="+mn-cs"/>
+                </a:defRPr>
+              </a:lvl6pPr>
+              <a:lvl7pPr marL="2971800" indent="-228600" algn="l" defTabSz="914400" rtl="0" eaLnBrk="1" latinLnBrk="0" hangingPunct="1">
+                <a:lnSpc>
+                  <a:spcPct val="90000"/>
+                </a:lnSpc>
+                <a:spcBef>
+                  <a:spcPts val="500"/>
+                </a:spcBef>
+                <a:buFont typeface="Arial" panose="020B0604020202020204" pitchFamily="34" charset="0"/>
+                <a:buChar char="•"/>
+                <a:defRPr kumimoji="1" sz="1800" kern="1200">
+                  <a:solidFill>
+                    <a:schemeClr val="tx1"/>
+                  </a:solidFill>
+                  <a:latin typeface="+mn-lt"/>
+                  <a:ea typeface="+mn-ea"/>
+                  <a:cs typeface="+mn-cs"/>
+                </a:defRPr>
+              </a:lvl7pPr>
+              <a:lvl8pPr marL="3429000" indent="-228600" algn="l" defTabSz="914400" rtl="0" eaLnBrk="1" latinLnBrk="0" hangingPunct="1">
+                <a:lnSpc>
+                  <a:spcPct val="90000"/>
+                </a:lnSpc>
+                <a:spcBef>
+                  <a:spcPts val="500"/>
+                </a:spcBef>
+                <a:buFont typeface="Arial" panose="020B0604020202020204" pitchFamily="34" charset="0"/>
+                <a:buChar char="•"/>
+                <a:defRPr kumimoji="1" sz="1800" kern="1200">
+                  <a:solidFill>
+                    <a:schemeClr val="tx1"/>
+                  </a:solidFill>
+                  <a:latin typeface="+mn-lt"/>
+                  <a:ea typeface="+mn-ea"/>
+                  <a:cs typeface="+mn-cs"/>
+                </a:defRPr>
+              </a:lvl8pPr>
+              <a:lvl9pPr marL="3886200" indent="-228600" algn="l" defTabSz="914400" rtl="0" eaLnBrk="1" latinLnBrk="0" hangingPunct="1">
+                <a:lnSpc>
+                  <a:spcPct val="90000"/>
+                </a:lnSpc>
+                <a:spcBef>
+                  <a:spcPts val="500"/>
+                </a:spcBef>
+                <a:buFont typeface="Arial" panose="020B0604020202020204" pitchFamily="34" charset="0"/>
+                <a:buChar char="•"/>
+                <a:defRPr kumimoji="1" sz="1800" kern="1200">
+                  <a:solidFill>
+                    <a:schemeClr val="tx1"/>
+                  </a:solidFill>
+                  <a:latin typeface="+mn-lt"/>
+                  <a:ea typeface="+mn-ea"/>
+                  <a:cs typeface="+mn-cs"/>
+                </a:defRPr>
+              </a:lvl9pPr>
+            </a:lstStyle>
+            <a:p>
+              <a:pPr marL="0" indent="0">
+                <a:buFont typeface="Arial" panose="020B0604020202020204" pitchFamily="34" charset="0"/>
+                <a:buNone/>
+              </a:pPr>
+              <a:r>
+                <a:rPr lang="en-US" altLang="ja-JP" sz="1200" dirty="0"/>
+                <a:t>Id</a:t>
+              </a:r>
+            </a:p>
+          </p:txBody>
+        </p:sp>
+        <p:sp>
+          <p:nvSpPr>
+            <p:cNvPr id="89" name="コンテンツ プレースホルダー 2">
+              <a:extLst>
+                <a:ext uri="{FF2B5EF4-FFF2-40B4-BE49-F238E27FC236}">
+                  <a16:creationId xmlns:a16="http://schemas.microsoft.com/office/drawing/2014/main" id="{CD2FC265-AD5C-4136-B9FB-06C74ADD909E}"/>
+                </a:ext>
+              </a:extLst>
+            </p:cNvPr>
+            <p:cNvSpPr txBox="1">
+              <a:spLocks/>
+            </p:cNvSpPr>
+            <p:nvPr/>
+          </p:nvSpPr>
+          <p:spPr>
+            <a:xfrm>
+              <a:off x="6620602" y="5369972"/>
+              <a:ext cx="1202006" cy="323518"/>
+            </a:xfrm>
+            <a:prstGeom prst="rect">
+              <a:avLst/>
+            </a:prstGeom>
+          </p:spPr>
+          <p:txBody>
+            <a:bodyPr vert="horz" lIns="91440" tIns="45720" rIns="91440" bIns="45720" rtlCol="0">
+              <a:normAutofit/>
+            </a:bodyPr>
+            <a:lstStyle>
+              <a:lvl1pPr marL="228600" indent="-228600" algn="l" defTabSz="914400" rtl="0" eaLnBrk="1" latinLnBrk="0" hangingPunct="1">
+                <a:lnSpc>
+                  <a:spcPct val="90000"/>
+                </a:lnSpc>
+                <a:spcBef>
+                  <a:spcPts val="1000"/>
+                </a:spcBef>
+                <a:buFont typeface="Arial" panose="020B0604020202020204" pitchFamily="34" charset="0"/>
+                <a:buChar char="•"/>
+                <a:defRPr kumimoji="1" sz="2800" kern="1200">
+                  <a:solidFill>
+                    <a:schemeClr val="tx1"/>
+                  </a:solidFill>
+                  <a:latin typeface="+mn-lt"/>
+                  <a:ea typeface="+mn-ea"/>
+                  <a:cs typeface="+mn-cs"/>
+                </a:defRPr>
+              </a:lvl1pPr>
+              <a:lvl2pPr marL="685800" indent="-228600" algn="l" defTabSz="914400" rtl="0" eaLnBrk="1" latinLnBrk="0" hangingPunct="1">
+                <a:lnSpc>
+                  <a:spcPct val="90000"/>
+                </a:lnSpc>
+                <a:spcBef>
+                  <a:spcPts val="500"/>
+                </a:spcBef>
+                <a:buFont typeface="Arial" panose="020B0604020202020204" pitchFamily="34" charset="0"/>
+                <a:buChar char="•"/>
+                <a:defRPr kumimoji="1" sz="2400" kern="1200">
+                  <a:solidFill>
+                    <a:schemeClr val="tx1"/>
+                  </a:solidFill>
+                  <a:latin typeface="+mn-lt"/>
+                  <a:ea typeface="+mn-ea"/>
+                  <a:cs typeface="+mn-cs"/>
+                </a:defRPr>
+              </a:lvl2pPr>
+              <a:lvl3pPr marL="1143000" indent="-228600" algn="l" defTabSz="914400" rtl="0" eaLnBrk="1" latinLnBrk="0" hangingPunct="1">
+                <a:lnSpc>
+                  <a:spcPct val="90000"/>
+                </a:lnSpc>
+                <a:spcBef>
+                  <a:spcPts val="500"/>
+                </a:spcBef>
+                <a:buFont typeface="Arial" panose="020B0604020202020204" pitchFamily="34" charset="0"/>
+                <a:buChar char="•"/>
+                <a:defRPr kumimoji="1" sz="2000" kern="1200">
+                  <a:solidFill>
+                    <a:schemeClr val="tx1"/>
+                  </a:solidFill>
+                  <a:latin typeface="+mn-lt"/>
+                  <a:ea typeface="+mn-ea"/>
+                  <a:cs typeface="+mn-cs"/>
+                </a:defRPr>
+              </a:lvl3pPr>
+              <a:lvl4pPr marL="1600200" indent="-228600" algn="l" defTabSz="914400" rtl="0" eaLnBrk="1" latinLnBrk="0" hangingPunct="1">
+                <a:lnSpc>
+                  <a:spcPct val="90000"/>
+                </a:lnSpc>
+                <a:spcBef>
+                  <a:spcPts val="500"/>
+                </a:spcBef>
+                <a:buFont typeface="Arial" panose="020B0604020202020204" pitchFamily="34" charset="0"/>
+                <a:buChar char="•"/>
+                <a:defRPr kumimoji="1" sz="1800" kern="1200">
+                  <a:solidFill>
+                    <a:schemeClr val="tx1"/>
+                  </a:solidFill>
+                  <a:latin typeface="+mn-lt"/>
+                  <a:ea typeface="+mn-ea"/>
+                  <a:cs typeface="+mn-cs"/>
+                </a:defRPr>
+              </a:lvl4pPr>
+              <a:lvl5pPr marL="2057400" indent="-228600" algn="l" defTabSz="914400" rtl="0" eaLnBrk="1" latinLnBrk="0" hangingPunct="1">
+                <a:lnSpc>
+                  <a:spcPct val="90000"/>
+                </a:lnSpc>
+                <a:spcBef>
+                  <a:spcPts val="500"/>
+                </a:spcBef>
+                <a:buFont typeface="Arial" panose="020B0604020202020204" pitchFamily="34" charset="0"/>
+                <a:buChar char="•"/>
+                <a:defRPr kumimoji="1" sz="1800" kern="1200">
+                  <a:solidFill>
+                    <a:schemeClr val="tx1"/>
+                  </a:solidFill>
+                  <a:latin typeface="+mn-lt"/>
+                  <a:ea typeface="+mn-ea"/>
+                  <a:cs typeface="+mn-cs"/>
+                </a:defRPr>
+              </a:lvl5pPr>
+              <a:lvl6pPr marL="2514600" indent="-228600" algn="l" defTabSz="914400" rtl="0" eaLnBrk="1" latinLnBrk="0" hangingPunct="1">
+                <a:lnSpc>
+                  <a:spcPct val="90000"/>
+                </a:lnSpc>
+                <a:spcBef>
+                  <a:spcPts val="500"/>
+                </a:spcBef>
+                <a:buFont typeface="Arial" panose="020B0604020202020204" pitchFamily="34" charset="0"/>
+                <a:buChar char="•"/>
+                <a:defRPr kumimoji="1" sz="1800" kern="1200">
+                  <a:solidFill>
+                    <a:schemeClr val="tx1"/>
+                  </a:solidFill>
+                  <a:latin typeface="+mn-lt"/>
+                  <a:ea typeface="+mn-ea"/>
+                  <a:cs typeface="+mn-cs"/>
+                </a:defRPr>
+              </a:lvl6pPr>
+              <a:lvl7pPr marL="2971800" indent="-228600" algn="l" defTabSz="914400" rtl="0" eaLnBrk="1" latinLnBrk="0" hangingPunct="1">
+                <a:lnSpc>
+                  <a:spcPct val="90000"/>
+                </a:lnSpc>
+                <a:spcBef>
+                  <a:spcPts val="500"/>
+                </a:spcBef>
+                <a:buFont typeface="Arial" panose="020B0604020202020204" pitchFamily="34" charset="0"/>
+                <a:buChar char="•"/>
+                <a:defRPr kumimoji="1" sz="1800" kern="1200">
+                  <a:solidFill>
+                    <a:schemeClr val="tx1"/>
+                  </a:solidFill>
+                  <a:latin typeface="+mn-lt"/>
+                  <a:ea typeface="+mn-ea"/>
+                  <a:cs typeface="+mn-cs"/>
+                </a:defRPr>
+              </a:lvl7pPr>
+              <a:lvl8pPr marL="3429000" indent="-228600" algn="l" defTabSz="914400" rtl="0" eaLnBrk="1" latinLnBrk="0" hangingPunct="1">
+                <a:lnSpc>
+                  <a:spcPct val="90000"/>
+                </a:lnSpc>
+                <a:spcBef>
+                  <a:spcPts val="500"/>
+                </a:spcBef>
+                <a:buFont typeface="Arial" panose="020B0604020202020204" pitchFamily="34" charset="0"/>
+                <a:buChar char="•"/>
+                <a:defRPr kumimoji="1" sz="1800" kern="1200">
+                  <a:solidFill>
+                    <a:schemeClr val="tx1"/>
+                  </a:solidFill>
+                  <a:latin typeface="+mn-lt"/>
+                  <a:ea typeface="+mn-ea"/>
+                  <a:cs typeface="+mn-cs"/>
+                </a:defRPr>
+              </a:lvl8pPr>
+              <a:lvl9pPr marL="3886200" indent="-228600" algn="l" defTabSz="914400" rtl="0" eaLnBrk="1" latinLnBrk="0" hangingPunct="1">
+                <a:lnSpc>
+                  <a:spcPct val="90000"/>
+                </a:lnSpc>
+                <a:spcBef>
+                  <a:spcPts val="500"/>
+                </a:spcBef>
+                <a:buFont typeface="Arial" panose="020B0604020202020204" pitchFamily="34" charset="0"/>
+                <a:buChar char="•"/>
+                <a:defRPr kumimoji="1" sz="1800" kern="1200">
+                  <a:solidFill>
+                    <a:schemeClr val="tx1"/>
+                  </a:solidFill>
+                  <a:latin typeface="+mn-lt"/>
+                  <a:ea typeface="+mn-ea"/>
+                  <a:cs typeface="+mn-cs"/>
+                </a:defRPr>
+              </a:lvl9pPr>
+            </a:lstStyle>
+            <a:p>
+              <a:pPr marL="0" indent="0">
+                <a:buFont typeface="Arial" panose="020B0604020202020204" pitchFamily="34" charset="0"/>
+                <a:buNone/>
+              </a:pPr>
+              <a:r>
+                <a:rPr lang="en-US" altLang="ja-JP" sz="1200" dirty="0"/>
+                <a:t>feature</a:t>
+              </a:r>
+            </a:p>
+          </p:txBody>
+        </p:sp>
+        <p:sp>
+          <p:nvSpPr>
+            <p:cNvPr id="90" name="コンテンツ プレースホルダー 2">
+              <a:extLst>
+                <a:ext uri="{FF2B5EF4-FFF2-40B4-BE49-F238E27FC236}">
+                  <a16:creationId xmlns:a16="http://schemas.microsoft.com/office/drawing/2014/main" id="{1CE146B7-B7D7-4D65-8D62-E616C5BDDF22}"/>
+                </a:ext>
+              </a:extLst>
+            </p:cNvPr>
+            <p:cNvSpPr txBox="1">
+              <a:spLocks/>
+            </p:cNvSpPr>
+            <p:nvPr/>
+          </p:nvSpPr>
+          <p:spPr>
+            <a:xfrm>
+              <a:off x="6093794" y="5691578"/>
+              <a:ext cx="411722" cy="1172363"/>
+            </a:xfrm>
+            <a:prstGeom prst="rect">
+              <a:avLst/>
+            </a:prstGeom>
+          </p:spPr>
+          <p:txBody>
+            <a:bodyPr vert="horz" lIns="91440" tIns="45720" rIns="91440" bIns="45720" rtlCol="0">
+              <a:normAutofit/>
+            </a:bodyPr>
+            <a:lstStyle>
+              <a:lvl1pPr marL="228600" indent="-228600" algn="l" defTabSz="914400" rtl="0" eaLnBrk="1" latinLnBrk="0" hangingPunct="1">
+                <a:lnSpc>
+                  <a:spcPct val="90000"/>
+                </a:lnSpc>
+                <a:spcBef>
+                  <a:spcPts val="1000"/>
+                </a:spcBef>
+                <a:buFont typeface="Arial" panose="020B0604020202020204" pitchFamily="34" charset="0"/>
+                <a:buChar char="•"/>
+                <a:defRPr kumimoji="1" sz="2800" kern="1200">
+                  <a:solidFill>
+                    <a:schemeClr val="tx1"/>
+                  </a:solidFill>
+                  <a:latin typeface="+mn-lt"/>
+                  <a:ea typeface="+mn-ea"/>
+                  <a:cs typeface="+mn-cs"/>
+                </a:defRPr>
+              </a:lvl1pPr>
+              <a:lvl2pPr marL="685800" indent="-228600" algn="l" defTabSz="914400" rtl="0" eaLnBrk="1" latinLnBrk="0" hangingPunct="1">
+                <a:lnSpc>
+                  <a:spcPct val="90000"/>
+                </a:lnSpc>
+                <a:spcBef>
+                  <a:spcPts val="500"/>
+                </a:spcBef>
+                <a:buFont typeface="Arial" panose="020B0604020202020204" pitchFamily="34" charset="0"/>
+                <a:buChar char="•"/>
+                <a:defRPr kumimoji="1" sz="2400" kern="1200">
+                  <a:solidFill>
+                    <a:schemeClr val="tx1"/>
+                  </a:solidFill>
+                  <a:latin typeface="+mn-lt"/>
+                  <a:ea typeface="+mn-ea"/>
+                  <a:cs typeface="+mn-cs"/>
+                </a:defRPr>
+              </a:lvl2pPr>
+              <a:lvl3pPr marL="1143000" indent="-228600" algn="l" defTabSz="914400" rtl="0" eaLnBrk="1" latinLnBrk="0" hangingPunct="1">
+                <a:lnSpc>
+                  <a:spcPct val="90000"/>
+                </a:lnSpc>
+                <a:spcBef>
+                  <a:spcPts val="500"/>
+                </a:spcBef>
+                <a:buFont typeface="Arial" panose="020B0604020202020204" pitchFamily="34" charset="0"/>
+                <a:buChar char="•"/>
+                <a:defRPr kumimoji="1" sz="2000" kern="1200">
+                  <a:solidFill>
+                    <a:schemeClr val="tx1"/>
+                  </a:solidFill>
+                  <a:latin typeface="+mn-lt"/>
+                  <a:ea typeface="+mn-ea"/>
+                  <a:cs typeface="+mn-cs"/>
+                </a:defRPr>
+              </a:lvl3pPr>
+              <a:lvl4pPr marL="1600200" indent="-228600" algn="l" defTabSz="914400" rtl="0" eaLnBrk="1" latinLnBrk="0" hangingPunct="1">
+                <a:lnSpc>
+                  <a:spcPct val="90000"/>
+                </a:lnSpc>
+                <a:spcBef>
+                  <a:spcPts val="500"/>
+                </a:spcBef>
+                <a:buFont typeface="Arial" panose="020B0604020202020204" pitchFamily="34" charset="0"/>
+                <a:buChar char="•"/>
+                <a:defRPr kumimoji="1" sz="1800" kern="1200">
+                  <a:solidFill>
+                    <a:schemeClr val="tx1"/>
+                  </a:solidFill>
+                  <a:latin typeface="+mn-lt"/>
+                  <a:ea typeface="+mn-ea"/>
+                  <a:cs typeface="+mn-cs"/>
+                </a:defRPr>
+              </a:lvl4pPr>
+              <a:lvl5pPr marL="2057400" indent="-228600" algn="l" defTabSz="914400" rtl="0" eaLnBrk="1" latinLnBrk="0" hangingPunct="1">
+                <a:lnSpc>
+                  <a:spcPct val="90000"/>
+                </a:lnSpc>
+                <a:spcBef>
+                  <a:spcPts val="500"/>
+                </a:spcBef>
+                <a:buFont typeface="Arial" panose="020B0604020202020204" pitchFamily="34" charset="0"/>
+                <a:buChar char="•"/>
+                <a:defRPr kumimoji="1" sz="1800" kern="1200">
+                  <a:solidFill>
+                    <a:schemeClr val="tx1"/>
+                  </a:solidFill>
+                  <a:latin typeface="+mn-lt"/>
+                  <a:ea typeface="+mn-ea"/>
+                  <a:cs typeface="+mn-cs"/>
+                </a:defRPr>
+              </a:lvl5pPr>
+              <a:lvl6pPr marL="2514600" indent="-228600" algn="l" defTabSz="914400" rtl="0" eaLnBrk="1" latinLnBrk="0" hangingPunct="1">
+                <a:lnSpc>
+                  <a:spcPct val="90000"/>
+                </a:lnSpc>
+                <a:spcBef>
+                  <a:spcPts val="500"/>
+                </a:spcBef>
+                <a:buFont typeface="Arial" panose="020B0604020202020204" pitchFamily="34" charset="0"/>
+                <a:buChar char="•"/>
+                <a:defRPr kumimoji="1" sz="1800" kern="1200">
+                  <a:solidFill>
+                    <a:schemeClr val="tx1"/>
+                  </a:solidFill>
+                  <a:latin typeface="+mn-lt"/>
+                  <a:ea typeface="+mn-ea"/>
+                  <a:cs typeface="+mn-cs"/>
+                </a:defRPr>
+              </a:lvl6pPr>
+              <a:lvl7pPr marL="2971800" indent="-228600" algn="l" defTabSz="914400" rtl="0" eaLnBrk="1" latinLnBrk="0" hangingPunct="1">
+                <a:lnSpc>
+                  <a:spcPct val="90000"/>
+                </a:lnSpc>
+                <a:spcBef>
+                  <a:spcPts val="500"/>
+                </a:spcBef>
+                <a:buFont typeface="Arial" panose="020B0604020202020204" pitchFamily="34" charset="0"/>
+                <a:buChar char="•"/>
+                <a:defRPr kumimoji="1" sz="1800" kern="1200">
+                  <a:solidFill>
+                    <a:schemeClr val="tx1"/>
+                  </a:solidFill>
+                  <a:latin typeface="+mn-lt"/>
+                  <a:ea typeface="+mn-ea"/>
+                  <a:cs typeface="+mn-cs"/>
+                </a:defRPr>
+              </a:lvl7pPr>
+              <a:lvl8pPr marL="3429000" indent="-228600" algn="l" defTabSz="914400" rtl="0" eaLnBrk="1" latinLnBrk="0" hangingPunct="1">
+                <a:lnSpc>
+                  <a:spcPct val="90000"/>
+                </a:lnSpc>
+                <a:spcBef>
+                  <a:spcPts val="500"/>
+                </a:spcBef>
+                <a:buFont typeface="Arial" panose="020B0604020202020204" pitchFamily="34" charset="0"/>
+                <a:buChar char="•"/>
+                <a:defRPr kumimoji="1" sz="1800" kern="1200">
+                  <a:solidFill>
+                    <a:schemeClr val="tx1"/>
+                  </a:solidFill>
+                  <a:latin typeface="+mn-lt"/>
+                  <a:ea typeface="+mn-ea"/>
+                  <a:cs typeface="+mn-cs"/>
+                </a:defRPr>
+              </a:lvl8pPr>
+              <a:lvl9pPr marL="3886200" indent="-228600" algn="l" defTabSz="914400" rtl="0" eaLnBrk="1" latinLnBrk="0" hangingPunct="1">
+                <a:lnSpc>
+                  <a:spcPct val="90000"/>
+                </a:lnSpc>
+                <a:spcBef>
+                  <a:spcPts val="500"/>
+                </a:spcBef>
+                <a:buFont typeface="Arial" panose="020B0604020202020204" pitchFamily="34" charset="0"/>
+                <a:buChar char="•"/>
+                <a:defRPr kumimoji="1" sz="1800" kern="1200">
+                  <a:solidFill>
+                    <a:schemeClr val="tx1"/>
+                  </a:solidFill>
+                  <a:latin typeface="+mn-lt"/>
+                  <a:ea typeface="+mn-ea"/>
+                  <a:cs typeface="+mn-cs"/>
+                </a:defRPr>
+              </a:lvl9pPr>
+            </a:lstStyle>
+            <a:p>
+              <a:pPr marL="0" indent="0">
+                <a:buFont typeface="Arial" panose="020B0604020202020204" pitchFamily="34" charset="0"/>
+                <a:buNone/>
+              </a:pPr>
+              <a:r>
+                <a:rPr lang="en-US" altLang="ja-JP" sz="1200" dirty="0"/>
+                <a:t>1</a:t>
+              </a:r>
+            </a:p>
+            <a:p>
+              <a:pPr marL="0" indent="0">
+                <a:buFont typeface="Arial" panose="020B0604020202020204" pitchFamily="34" charset="0"/>
+                <a:buNone/>
+              </a:pPr>
+              <a:r>
+                <a:rPr lang="en-US" altLang="ja-JP" sz="1200" dirty="0"/>
+                <a:t>2</a:t>
+              </a:r>
+            </a:p>
+            <a:p>
+              <a:pPr marL="0" indent="0">
+                <a:buFont typeface="Arial" panose="020B0604020202020204" pitchFamily="34" charset="0"/>
+                <a:buNone/>
+              </a:pPr>
+              <a:r>
+                <a:rPr lang="en-US" altLang="ja-JP" sz="1200" dirty="0"/>
+                <a:t>3</a:t>
+              </a:r>
+            </a:p>
+            <a:p>
+              <a:pPr marL="0" indent="0">
+                <a:buFont typeface="Arial" panose="020B0604020202020204" pitchFamily="34" charset="0"/>
+                <a:buNone/>
+              </a:pPr>
+              <a:r>
+                <a:rPr lang="en-US" altLang="ja-JP" sz="1200" dirty="0"/>
+                <a:t>4</a:t>
+              </a:r>
+            </a:p>
+          </p:txBody>
+        </p:sp>
+        <p:sp>
+          <p:nvSpPr>
+            <p:cNvPr id="91" name="コンテンツ プレースホルダー 2">
+              <a:extLst>
+                <a:ext uri="{FF2B5EF4-FFF2-40B4-BE49-F238E27FC236}">
+                  <a16:creationId xmlns:a16="http://schemas.microsoft.com/office/drawing/2014/main" id="{49C7772C-3B3A-47D9-81DD-52EADC37F634}"/>
+                </a:ext>
+              </a:extLst>
+            </p:cNvPr>
+            <p:cNvSpPr txBox="1">
+              <a:spLocks/>
+            </p:cNvSpPr>
+            <p:nvPr/>
+          </p:nvSpPr>
+          <p:spPr>
+            <a:xfrm>
+              <a:off x="6620602" y="5685636"/>
+              <a:ext cx="1202006" cy="1172363"/>
+            </a:xfrm>
+            <a:prstGeom prst="rect">
+              <a:avLst/>
+            </a:prstGeom>
+          </p:spPr>
+          <p:txBody>
+            <a:bodyPr vert="horz" lIns="91440" tIns="45720" rIns="91440" bIns="45720" rtlCol="0">
+              <a:normAutofit/>
+            </a:bodyPr>
+            <a:lstStyle>
+              <a:lvl1pPr marL="228600" indent="-228600" algn="l" defTabSz="914400" rtl="0" eaLnBrk="1" latinLnBrk="0" hangingPunct="1">
+                <a:lnSpc>
+                  <a:spcPct val="90000"/>
+                </a:lnSpc>
+                <a:spcBef>
+                  <a:spcPts val="1000"/>
+                </a:spcBef>
+                <a:buFont typeface="Arial" panose="020B0604020202020204" pitchFamily="34" charset="0"/>
+                <a:buChar char="•"/>
+                <a:defRPr kumimoji="1" sz="2800" kern="1200">
+                  <a:solidFill>
+                    <a:schemeClr val="tx1"/>
+                  </a:solidFill>
+                  <a:latin typeface="+mn-lt"/>
+                  <a:ea typeface="+mn-ea"/>
+                  <a:cs typeface="+mn-cs"/>
+                </a:defRPr>
+              </a:lvl1pPr>
+              <a:lvl2pPr marL="685800" indent="-228600" algn="l" defTabSz="914400" rtl="0" eaLnBrk="1" latinLnBrk="0" hangingPunct="1">
+                <a:lnSpc>
+                  <a:spcPct val="90000"/>
+                </a:lnSpc>
+                <a:spcBef>
+                  <a:spcPts val="500"/>
+                </a:spcBef>
+                <a:buFont typeface="Arial" panose="020B0604020202020204" pitchFamily="34" charset="0"/>
+                <a:buChar char="•"/>
+                <a:defRPr kumimoji="1" sz="2400" kern="1200">
+                  <a:solidFill>
+                    <a:schemeClr val="tx1"/>
+                  </a:solidFill>
+                  <a:latin typeface="+mn-lt"/>
+                  <a:ea typeface="+mn-ea"/>
+                  <a:cs typeface="+mn-cs"/>
+                </a:defRPr>
+              </a:lvl2pPr>
+              <a:lvl3pPr marL="1143000" indent="-228600" algn="l" defTabSz="914400" rtl="0" eaLnBrk="1" latinLnBrk="0" hangingPunct="1">
+                <a:lnSpc>
+                  <a:spcPct val="90000"/>
+                </a:lnSpc>
+                <a:spcBef>
+                  <a:spcPts val="500"/>
+                </a:spcBef>
+                <a:buFont typeface="Arial" panose="020B0604020202020204" pitchFamily="34" charset="0"/>
+                <a:buChar char="•"/>
+                <a:defRPr kumimoji="1" sz="2000" kern="1200">
+                  <a:solidFill>
+                    <a:schemeClr val="tx1"/>
+                  </a:solidFill>
+                  <a:latin typeface="+mn-lt"/>
+                  <a:ea typeface="+mn-ea"/>
+                  <a:cs typeface="+mn-cs"/>
+                </a:defRPr>
+              </a:lvl3pPr>
+              <a:lvl4pPr marL="1600200" indent="-228600" algn="l" defTabSz="914400" rtl="0" eaLnBrk="1" latinLnBrk="0" hangingPunct="1">
+                <a:lnSpc>
+                  <a:spcPct val="90000"/>
+                </a:lnSpc>
+                <a:spcBef>
+                  <a:spcPts val="500"/>
+                </a:spcBef>
+                <a:buFont typeface="Arial" panose="020B0604020202020204" pitchFamily="34" charset="0"/>
+                <a:buChar char="•"/>
+                <a:defRPr kumimoji="1" sz="1800" kern="1200">
+                  <a:solidFill>
+                    <a:schemeClr val="tx1"/>
+                  </a:solidFill>
+                  <a:latin typeface="+mn-lt"/>
+                  <a:ea typeface="+mn-ea"/>
+                  <a:cs typeface="+mn-cs"/>
+                </a:defRPr>
+              </a:lvl4pPr>
+              <a:lvl5pPr marL="2057400" indent="-228600" algn="l" defTabSz="914400" rtl="0" eaLnBrk="1" latinLnBrk="0" hangingPunct="1">
+                <a:lnSpc>
+                  <a:spcPct val="90000"/>
+                </a:lnSpc>
+                <a:spcBef>
+                  <a:spcPts val="500"/>
+                </a:spcBef>
+                <a:buFont typeface="Arial" panose="020B0604020202020204" pitchFamily="34" charset="0"/>
+                <a:buChar char="•"/>
+                <a:defRPr kumimoji="1" sz="1800" kern="1200">
+                  <a:solidFill>
+                    <a:schemeClr val="tx1"/>
+                  </a:solidFill>
+                  <a:latin typeface="+mn-lt"/>
+                  <a:ea typeface="+mn-ea"/>
+                  <a:cs typeface="+mn-cs"/>
+                </a:defRPr>
+              </a:lvl5pPr>
+              <a:lvl6pPr marL="2514600" indent="-228600" algn="l" defTabSz="914400" rtl="0" eaLnBrk="1" latinLnBrk="0" hangingPunct="1">
+                <a:lnSpc>
+                  <a:spcPct val="90000"/>
+                </a:lnSpc>
+                <a:spcBef>
+                  <a:spcPts val="500"/>
+                </a:spcBef>
+                <a:buFont typeface="Arial" panose="020B0604020202020204" pitchFamily="34" charset="0"/>
+                <a:buChar char="•"/>
+                <a:defRPr kumimoji="1" sz="1800" kern="1200">
+                  <a:solidFill>
+                    <a:schemeClr val="tx1"/>
+                  </a:solidFill>
+                  <a:latin typeface="+mn-lt"/>
+                  <a:ea typeface="+mn-ea"/>
+                  <a:cs typeface="+mn-cs"/>
+                </a:defRPr>
+              </a:lvl6pPr>
+              <a:lvl7pPr marL="2971800" indent="-228600" algn="l" defTabSz="914400" rtl="0" eaLnBrk="1" latinLnBrk="0" hangingPunct="1">
+                <a:lnSpc>
+                  <a:spcPct val="90000"/>
+                </a:lnSpc>
+                <a:spcBef>
+                  <a:spcPts val="500"/>
+                </a:spcBef>
+                <a:buFont typeface="Arial" panose="020B0604020202020204" pitchFamily="34" charset="0"/>
+                <a:buChar char="•"/>
+                <a:defRPr kumimoji="1" sz="1800" kern="1200">
+                  <a:solidFill>
+                    <a:schemeClr val="tx1"/>
+                  </a:solidFill>
+                  <a:latin typeface="+mn-lt"/>
+                  <a:ea typeface="+mn-ea"/>
+                  <a:cs typeface="+mn-cs"/>
+                </a:defRPr>
+              </a:lvl7pPr>
+              <a:lvl8pPr marL="3429000" indent="-228600" algn="l" defTabSz="914400" rtl="0" eaLnBrk="1" latinLnBrk="0" hangingPunct="1">
+                <a:lnSpc>
+                  <a:spcPct val="90000"/>
+                </a:lnSpc>
+                <a:spcBef>
+                  <a:spcPts val="500"/>
+                </a:spcBef>
+                <a:buFont typeface="Arial" panose="020B0604020202020204" pitchFamily="34" charset="0"/>
+                <a:buChar char="•"/>
+                <a:defRPr kumimoji="1" sz="1800" kern="1200">
+                  <a:solidFill>
+                    <a:schemeClr val="tx1"/>
+                  </a:solidFill>
+                  <a:latin typeface="+mn-lt"/>
+                  <a:ea typeface="+mn-ea"/>
+                  <a:cs typeface="+mn-cs"/>
+                </a:defRPr>
+              </a:lvl8pPr>
+              <a:lvl9pPr marL="3886200" indent="-228600" algn="l" defTabSz="914400" rtl="0" eaLnBrk="1" latinLnBrk="0" hangingPunct="1">
+                <a:lnSpc>
+                  <a:spcPct val="90000"/>
+                </a:lnSpc>
+                <a:spcBef>
+                  <a:spcPts val="500"/>
+                </a:spcBef>
+                <a:buFont typeface="Arial" panose="020B0604020202020204" pitchFamily="34" charset="0"/>
+                <a:buChar char="•"/>
+                <a:defRPr kumimoji="1" sz="1800" kern="1200">
+                  <a:solidFill>
+                    <a:schemeClr val="tx1"/>
+                  </a:solidFill>
+                  <a:latin typeface="+mn-lt"/>
+                  <a:ea typeface="+mn-ea"/>
+                  <a:cs typeface="+mn-cs"/>
+                </a:defRPr>
+              </a:lvl9pPr>
+            </a:lstStyle>
+            <a:p>
+              <a:pPr marL="0" indent="0">
+                <a:buFont typeface="Arial" panose="020B0604020202020204" pitchFamily="34" charset="0"/>
+                <a:buNone/>
+              </a:pPr>
+              <a:r>
+                <a:rPr lang="en-US" altLang="ja-JP" sz="1200" dirty="0"/>
+                <a:t>1.5</a:t>
+              </a:r>
+            </a:p>
+            <a:p>
+              <a:pPr marL="0" indent="0">
+                <a:buFont typeface="Arial" panose="020B0604020202020204" pitchFamily="34" charset="0"/>
+                <a:buNone/>
+              </a:pPr>
+              <a:r>
+                <a:rPr lang="en-US" altLang="ja-JP" sz="1200" dirty="0"/>
+                <a:t>2.5</a:t>
+              </a:r>
+            </a:p>
+            <a:p>
+              <a:pPr marL="0" indent="0">
+                <a:buFont typeface="Arial" panose="020B0604020202020204" pitchFamily="34" charset="0"/>
+                <a:buNone/>
+              </a:pPr>
+              <a:r>
+                <a:rPr lang="en-US" altLang="ja-JP" sz="1200" dirty="0"/>
+                <a:t>1.0</a:t>
+              </a:r>
+            </a:p>
+            <a:p>
+              <a:pPr marL="0" indent="0">
+                <a:buFont typeface="Arial" panose="020B0604020202020204" pitchFamily="34" charset="0"/>
+                <a:buNone/>
+              </a:pPr>
+              <a:r>
+                <a:rPr lang="en-US" altLang="ja-JP" sz="1200" dirty="0" err="1"/>
+                <a:t>NaN</a:t>
+              </a:r>
+              <a:endParaRPr lang="en-US" altLang="ja-JP" sz="1200" dirty="0"/>
+            </a:p>
+            <a:p>
+              <a:pPr marL="0" indent="0">
+                <a:buFont typeface="Arial" panose="020B0604020202020204" pitchFamily="34" charset="0"/>
+                <a:buNone/>
+              </a:pPr>
+              <a:endParaRPr lang="en-US" altLang="ja-JP" sz="1200" dirty="0"/>
+            </a:p>
+          </p:txBody>
+        </p:sp>
+      </p:grpSp>
+      <p:grpSp>
+        <p:nvGrpSpPr>
+          <p:cNvPr id="92" name="グループ化 91">
+            <a:extLst>
+              <a:ext uri="{FF2B5EF4-FFF2-40B4-BE49-F238E27FC236}">
+                <a16:creationId xmlns:a16="http://schemas.microsoft.com/office/drawing/2014/main" id="{B4F7644A-3D82-4370-B072-90AE6F08CA38}"/>
+              </a:ext>
+            </a:extLst>
+          </p:cNvPr>
+          <p:cNvGrpSpPr/>
+          <p:nvPr/>
+        </p:nvGrpSpPr>
+        <p:grpSpPr>
+          <a:xfrm>
+            <a:off x="7948299" y="4969739"/>
+            <a:ext cx="1939083" cy="2011164"/>
+            <a:chOff x="5883525" y="4969739"/>
+            <a:chExt cx="1939083" cy="2011164"/>
+          </a:xfrm>
+        </p:grpSpPr>
+        <p:sp>
+          <p:nvSpPr>
+            <p:cNvPr id="93" name="コンテンツ プレースホルダー 2">
+              <a:extLst>
+                <a:ext uri="{FF2B5EF4-FFF2-40B4-BE49-F238E27FC236}">
+                  <a16:creationId xmlns:a16="http://schemas.microsoft.com/office/drawing/2014/main" id="{09F7F8C1-DAC9-447A-9E81-3772464CC4BE}"/>
+                </a:ext>
+              </a:extLst>
+            </p:cNvPr>
+            <p:cNvSpPr txBox="1">
+              <a:spLocks/>
+            </p:cNvSpPr>
+            <p:nvPr/>
+          </p:nvSpPr>
+          <p:spPr>
+            <a:xfrm>
+              <a:off x="5883525" y="4969739"/>
+              <a:ext cx="1608656" cy="323518"/>
+            </a:xfrm>
+            <a:prstGeom prst="rect">
+              <a:avLst/>
+            </a:prstGeom>
+          </p:spPr>
+          <p:txBody>
+            <a:bodyPr vert="horz" lIns="91440" tIns="45720" rIns="91440" bIns="45720" rtlCol="0">
+              <a:normAutofit fontScale="92500" lnSpcReduction="20000"/>
+            </a:bodyPr>
+            <a:lstStyle>
+              <a:lvl1pPr marL="228600" indent="-228600" algn="l" defTabSz="914400" rtl="0" eaLnBrk="1" latinLnBrk="0" hangingPunct="1">
+                <a:lnSpc>
+                  <a:spcPct val="90000"/>
+                </a:lnSpc>
+                <a:spcBef>
+                  <a:spcPts val="1000"/>
+                </a:spcBef>
+                <a:buFont typeface="Arial" panose="020B0604020202020204" pitchFamily="34" charset="0"/>
+                <a:buChar char="•"/>
+                <a:defRPr kumimoji="1" sz="2800" kern="1200">
+                  <a:solidFill>
+                    <a:schemeClr val="tx1"/>
+                  </a:solidFill>
+                  <a:latin typeface="+mn-lt"/>
+                  <a:ea typeface="+mn-ea"/>
+                  <a:cs typeface="+mn-cs"/>
+                </a:defRPr>
+              </a:lvl1pPr>
+              <a:lvl2pPr marL="685800" indent="-228600" algn="l" defTabSz="914400" rtl="0" eaLnBrk="1" latinLnBrk="0" hangingPunct="1">
+                <a:lnSpc>
+                  <a:spcPct val="90000"/>
+                </a:lnSpc>
+                <a:spcBef>
+                  <a:spcPts val="500"/>
+                </a:spcBef>
+                <a:buFont typeface="Arial" panose="020B0604020202020204" pitchFamily="34" charset="0"/>
+                <a:buChar char="•"/>
+                <a:defRPr kumimoji="1" sz="2400" kern="1200">
+                  <a:solidFill>
+                    <a:schemeClr val="tx1"/>
+                  </a:solidFill>
+                  <a:latin typeface="+mn-lt"/>
+                  <a:ea typeface="+mn-ea"/>
+                  <a:cs typeface="+mn-cs"/>
+                </a:defRPr>
+              </a:lvl2pPr>
+              <a:lvl3pPr marL="1143000" indent="-228600" algn="l" defTabSz="914400" rtl="0" eaLnBrk="1" latinLnBrk="0" hangingPunct="1">
+                <a:lnSpc>
+                  <a:spcPct val="90000"/>
+                </a:lnSpc>
+                <a:spcBef>
+                  <a:spcPts val="500"/>
+                </a:spcBef>
+                <a:buFont typeface="Arial" panose="020B0604020202020204" pitchFamily="34" charset="0"/>
+                <a:buChar char="•"/>
+                <a:defRPr kumimoji="1" sz="2000" kern="1200">
+                  <a:solidFill>
+                    <a:schemeClr val="tx1"/>
+                  </a:solidFill>
+                  <a:latin typeface="+mn-lt"/>
+                  <a:ea typeface="+mn-ea"/>
+                  <a:cs typeface="+mn-cs"/>
+                </a:defRPr>
+              </a:lvl3pPr>
+              <a:lvl4pPr marL="1600200" indent="-228600" algn="l" defTabSz="914400" rtl="0" eaLnBrk="1" latinLnBrk="0" hangingPunct="1">
+                <a:lnSpc>
+                  <a:spcPct val="90000"/>
+                </a:lnSpc>
+                <a:spcBef>
+                  <a:spcPts val="500"/>
+                </a:spcBef>
+                <a:buFont typeface="Arial" panose="020B0604020202020204" pitchFamily="34" charset="0"/>
+                <a:buChar char="•"/>
+                <a:defRPr kumimoji="1" sz="1800" kern="1200">
+                  <a:solidFill>
+                    <a:schemeClr val="tx1"/>
+                  </a:solidFill>
+                  <a:latin typeface="+mn-lt"/>
+                  <a:ea typeface="+mn-ea"/>
+                  <a:cs typeface="+mn-cs"/>
+                </a:defRPr>
+              </a:lvl4pPr>
+              <a:lvl5pPr marL="2057400" indent="-228600" algn="l" defTabSz="914400" rtl="0" eaLnBrk="1" latinLnBrk="0" hangingPunct="1">
+                <a:lnSpc>
+                  <a:spcPct val="90000"/>
+                </a:lnSpc>
+                <a:spcBef>
+                  <a:spcPts val="500"/>
+                </a:spcBef>
+                <a:buFont typeface="Arial" panose="020B0604020202020204" pitchFamily="34" charset="0"/>
+                <a:buChar char="•"/>
+                <a:defRPr kumimoji="1" sz="1800" kern="1200">
+                  <a:solidFill>
+                    <a:schemeClr val="tx1"/>
+                  </a:solidFill>
+                  <a:latin typeface="+mn-lt"/>
+                  <a:ea typeface="+mn-ea"/>
+                  <a:cs typeface="+mn-cs"/>
+                </a:defRPr>
+              </a:lvl5pPr>
+              <a:lvl6pPr marL="2514600" indent="-228600" algn="l" defTabSz="914400" rtl="0" eaLnBrk="1" latinLnBrk="0" hangingPunct="1">
+                <a:lnSpc>
+                  <a:spcPct val="90000"/>
+                </a:lnSpc>
+                <a:spcBef>
+                  <a:spcPts val="500"/>
+                </a:spcBef>
+                <a:buFont typeface="Arial" panose="020B0604020202020204" pitchFamily="34" charset="0"/>
+                <a:buChar char="•"/>
+                <a:defRPr kumimoji="1" sz="1800" kern="1200">
+                  <a:solidFill>
+                    <a:schemeClr val="tx1"/>
+                  </a:solidFill>
+                  <a:latin typeface="+mn-lt"/>
+                  <a:ea typeface="+mn-ea"/>
+                  <a:cs typeface="+mn-cs"/>
+                </a:defRPr>
+              </a:lvl6pPr>
+              <a:lvl7pPr marL="2971800" indent="-228600" algn="l" defTabSz="914400" rtl="0" eaLnBrk="1" latinLnBrk="0" hangingPunct="1">
+                <a:lnSpc>
+                  <a:spcPct val="90000"/>
+                </a:lnSpc>
+                <a:spcBef>
+                  <a:spcPts val="500"/>
+                </a:spcBef>
+                <a:buFont typeface="Arial" panose="020B0604020202020204" pitchFamily="34" charset="0"/>
+                <a:buChar char="•"/>
+                <a:defRPr kumimoji="1" sz="1800" kern="1200">
+                  <a:solidFill>
+                    <a:schemeClr val="tx1"/>
+                  </a:solidFill>
+                  <a:latin typeface="+mn-lt"/>
+                  <a:ea typeface="+mn-ea"/>
+                  <a:cs typeface="+mn-cs"/>
+                </a:defRPr>
+              </a:lvl7pPr>
+              <a:lvl8pPr marL="3429000" indent="-228600" algn="l" defTabSz="914400" rtl="0" eaLnBrk="1" latinLnBrk="0" hangingPunct="1">
+                <a:lnSpc>
+                  <a:spcPct val="90000"/>
+                </a:lnSpc>
+                <a:spcBef>
+                  <a:spcPts val="500"/>
+                </a:spcBef>
+                <a:buFont typeface="Arial" panose="020B0604020202020204" pitchFamily="34" charset="0"/>
+                <a:buChar char="•"/>
+                <a:defRPr kumimoji="1" sz="1800" kern="1200">
+                  <a:solidFill>
+                    <a:schemeClr val="tx1"/>
+                  </a:solidFill>
+                  <a:latin typeface="+mn-lt"/>
+                  <a:ea typeface="+mn-ea"/>
+                  <a:cs typeface="+mn-cs"/>
+                </a:defRPr>
+              </a:lvl8pPr>
+              <a:lvl9pPr marL="3886200" indent="-228600" algn="l" defTabSz="914400" rtl="0" eaLnBrk="1" latinLnBrk="0" hangingPunct="1">
+                <a:lnSpc>
+                  <a:spcPct val="90000"/>
+                </a:lnSpc>
+                <a:spcBef>
+                  <a:spcPts val="500"/>
+                </a:spcBef>
+                <a:buFont typeface="Arial" panose="020B0604020202020204" pitchFamily="34" charset="0"/>
+                <a:buChar char="•"/>
+                <a:defRPr kumimoji="1" sz="1800" kern="1200">
+                  <a:solidFill>
+                    <a:schemeClr val="tx1"/>
+                  </a:solidFill>
+                  <a:latin typeface="+mn-lt"/>
+                  <a:ea typeface="+mn-ea"/>
+                  <a:cs typeface="+mn-cs"/>
+                </a:defRPr>
+              </a:lvl9pPr>
+            </a:lstStyle>
+            <a:p>
+              <a:pPr marL="0" indent="0">
+                <a:buFont typeface="Arial" panose="020B0604020202020204" pitchFamily="34" charset="0"/>
+                <a:buNone/>
+              </a:pPr>
+              <a:r>
+                <a:rPr lang="en-US" altLang="ja-JP" sz="2000" dirty="0"/>
+                <a:t>feature2.csv</a:t>
+              </a:r>
+            </a:p>
+          </p:txBody>
+        </p:sp>
+        <p:cxnSp>
+          <p:nvCxnSpPr>
+            <p:cNvPr id="94" name="直線コネクタ 93">
+              <a:extLst>
+                <a:ext uri="{FF2B5EF4-FFF2-40B4-BE49-F238E27FC236}">
+                  <a16:creationId xmlns:a16="http://schemas.microsoft.com/office/drawing/2014/main" id="{BB8A3651-17C4-40F3-AABC-B6135979CE29}"/>
+                </a:ext>
+              </a:extLst>
+            </p:cNvPr>
+            <p:cNvCxnSpPr/>
+            <p:nvPr/>
+          </p:nvCxnSpPr>
+          <p:spPr>
+            <a:xfrm>
+              <a:off x="6041331" y="5680451"/>
+              <a:ext cx="1056581" cy="0"/>
+            </a:xfrm>
+            <a:prstGeom prst="line">
+              <a:avLst/>
+            </a:prstGeom>
+          </p:spPr>
+          <p:style>
+            <a:lnRef idx="1">
+              <a:schemeClr val="dk1"/>
+            </a:lnRef>
+            <a:fillRef idx="0">
+              <a:schemeClr val="dk1"/>
+            </a:fillRef>
+            <a:effectRef idx="0">
+              <a:schemeClr val="dk1"/>
+            </a:effectRef>
+            <a:fontRef idx="minor">
+              <a:schemeClr val="tx1"/>
+            </a:fontRef>
+          </p:style>
+        </p:cxnSp>
+        <p:cxnSp>
+          <p:nvCxnSpPr>
+            <p:cNvPr id="95" name="直線コネクタ 94">
+              <a:extLst>
+                <a:ext uri="{FF2B5EF4-FFF2-40B4-BE49-F238E27FC236}">
+                  <a16:creationId xmlns:a16="http://schemas.microsoft.com/office/drawing/2014/main" id="{A542B5F7-673B-48C3-AD30-1CF7351C5DB6}"/>
+                </a:ext>
+              </a:extLst>
+            </p:cNvPr>
+            <p:cNvCxnSpPr/>
+            <p:nvPr/>
+          </p:nvCxnSpPr>
+          <p:spPr>
+            <a:xfrm>
+              <a:off x="6558116" y="5293257"/>
+              <a:ext cx="0" cy="1687646"/>
+            </a:xfrm>
+            <a:prstGeom prst="line">
+              <a:avLst/>
+            </a:prstGeom>
+          </p:spPr>
+          <p:style>
+            <a:lnRef idx="1">
+              <a:schemeClr val="accent1"/>
+            </a:lnRef>
+            <a:fillRef idx="0">
+              <a:schemeClr val="accent1"/>
+            </a:fillRef>
+            <a:effectRef idx="0">
+              <a:schemeClr val="accent1"/>
+            </a:effectRef>
+            <a:fontRef idx="minor">
+              <a:schemeClr val="tx1"/>
+            </a:fontRef>
+          </p:style>
+        </p:cxnSp>
+        <p:sp>
+          <p:nvSpPr>
+            <p:cNvPr id="96" name="コンテンツ プレースホルダー 2">
+              <a:extLst>
+                <a:ext uri="{FF2B5EF4-FFF2-40B4-BE49-F238E27FC236}">
+                  <a16:creationId xmlns:a16="http://schemas.microsoft.com/office/drawing/2014/main" id="{064EB1CF-0E69-47E5-A4E1-8C75D971694F}"/>
+                </a:ext>
+              </a:extLst>
+            </p:cNvPr>
+            <p:cNvSpPr txBox="1">
+              <a:spLocks/>
+            </p:cNvSpPr>
+            <p:nvPr/>
+          </p:nvSpPr>
+          <p:spPr>
+            <a:xfrm>
+              <a:off x="6093794" y="5375914"/>
+              <a:ext cx="411722" cy="323518"/>
+            </a:xfrm>
+            <a:prstGeom prst="rect">
+              <a:avLst/>
+            </a:prstGeom>
+          </p:spPr>
+          <p:txBody>
+            <a:bodyPr vert="horz" lIns="91440" tIns="45720" rIns="91440" bIns="45720" rtlCol="0">
+              <a:normAutofit/>
+            </a:bodyPr>
+            <a:lstStyle>
+              <a:lvl1pPr marL="228600" indent="-228600" algn="l" defTabSz="914400" rtl="0" eaLnBrk="1" latinLnBrk="0" hangingPunct="1">
+                <a:lnSpc>
+                  <a:spcPct val="90000"/>
+                </a:lnSpc>
+                <a:spcBef>
+                  <a:spcPts val="1000"/>
+                </a:spcBef>
+                <a:buFont typeface="Arial" panose="020B0604020202020204" pitchFamily="34" charset="0"/>
+                <a:buChar char="•"/>
+                <a:defRPr kumimoji="1" sz="2800" kern="1200">
+                  <a:solidFill>
+                    <a:schemeClr val="tx1"/>
+                  </a:solidFill>
+                  <a:latin typeface="+mn-lt"/>
+                  <a:ea typeface="+mn-ea"/>
+                  <a:cs typeface="+mn-cs"/>
+                </a:defRPr>
+              </a:lvl1pPr>
+              <a:lvl2pPr marL="685800" indent="-228600" algn="l" defTabSz="914400" rtl="0" eaLnBrk="1" latinLnBrk="0" hangingPunct="1">
+                <a:lnSpc>
+                  <a:spcPct val="90000"/>
+                </a:lnSpc>
+                <a:spcBef>
+                  <a:spcPts val="500"/>
+                </a:spcBef>
+                <a:buFont typeface="Arial" panose="020B0604020202020204" pitchFamily="34" charset="0"/>
+                <a:buChar char="•"/>
+                <a:defRPr kumimoji="1" sz="2400" kern="1200">
+                  <a:solidFill>
+                    <a:schemeClr val="tx1"/>
+                  </a:solidFill>
+                  <a:latin typeface="+mn-lt"/>
+                  <a:ea typeface="+mn-ea"/>
+                  <a:cs typeface="+mn-cs"/>
+                </a:defRPr>
+              </a:lvl2pPr>
+              <a:lvl3pPr marL="1143000" indent="-228600" algn="l" defTabSz="914400" rtl="0" eaLnBrk="1" latinLnBrk="0" hangingPunct="1">
+                <a:lnSpc>
+                  <a:spcPct val="90000"/>
+                </a:lnSpc>
+                <a:spcBef>
+                  <a:spcPts val="500"/>
+                </a:spcBef>
+                <a:buFont typeface="Arial" panose="020B0604020202020204" pitchFamily="34" charset="0"/>
+                <a:buChar char="•"/>
+                <a:defRPr kumimoji="1" sz="2000" kern="1200">
+                  <a:solidFill>
+                    <a:schemeClr val="tx1"/>
+                  </a:solidFill>
+                  <a:latin typeface="+mn-lt"/>
+                  <a:ea typeface="+mn-ea"/>
+                  <a:cs typeface="+mn-cs"/>
+                </a:defRPr>
+              </a:lvl3pPr>
+              <a:lvl4pPr marL="1600200" indent="-228600" algn="l" defTabSz="914400" rtl="0" eaLnBrk="1" latinLnBrk="0" hangingPunct="1">
+                <a:lnSpc>
+                  <a:spcPct val="90000"/>
+                </a:lnSpc>
+                <a:spcBef>
+                  <a:spcPts val="500"/>
+                </a:spcBef>
+                <a:buFont typeface="Arial" panose="020B0604020202020204" pitchFamily="34" charset="0"/>
+                <a:buChar char="•"/>
+                <a:defRPr kumimoji="1" sz="1800" kern="1200">
+                  <a:solidFill>
+                    <a:schemeClr val="tx1"/>
+                  </a:solidFill>
+                  <a:latin typeface="+mn-lt"/>
+                  <a:ea typeface="+mn-ea"/>
+                  <a:cs typeface="+mn-cs"/>
+                </a:defRPr>
+              </a:lvl4pPr>
+              <a:lvl5pPr marL="2057400" indent="-228600" algn="l" defTabSz="914400" rtl="0" eaLnBrk="1" latinLnBrk="0" hangingPunct="1">
+                <a:lnSpc>
+                  <a:spcPct val="90000"/>
+                </a:lnSpc>
+                <a:spcBef>
+                  <a:spcPts val="500"/>
+                </a:spcBef>
+                <a:buFont typeface="Arial" panose="020B0604020202020204" pitchFamily="34" charset="0"/>
+                <a:buChar char="•"/>
+                <a:defRPr kumimoji="1" sz="1800" kern="1200">
+                  <a:solidFill>
+                    <a:schemeClr val="tx1"/>
+                  </a:solidFill>
+                  <a:latin typeface="+mn-lt"/>
+                  <a:ea typeface="+mn-ea"/>
+                  <a:cs typeface="+mn-cs"/>
+                </a:defRPr>
+              </a:lvl5pPr>
+              <a:lvl6pPr marL="2514600" indent="-228600" algn="l" defTabSz="914400" rtl="0" eaLnBrk="1" latinLnBrk="0" hangingPunct="1">
+                <a:lnSpc>
+                  <a:spcPct val="90000"/>
+                </a:lnSpc>
+                <a:spcBef>
+                  <a:spcPts val="500"/>
+                </a:spcBef>
+                <a:buFont typeface="Arial" panose="020B0604020202020204" pitchFamily="34" charset="0"/>
+                <a:buChar char="•"/>
+                <a:defRPr kumimoji="1" sz="1800" kern="1200">
+                  <a:solidFill>
+                    <a:schemeClr val="tx1"/>
+                  </a:solidFill>
+                  <a:latin typeface="+mn-lt"/>
+                  <a:ea typeface="+mn-ea"/>
+                  <a:cs typeface="+mn-cs"/>
+                </a:defRPr>
+              </a:lvl6pPr>
+              <a:lvl7pPr marL="2971800" indent="-228600" algn="l" defTabSz="914400" rtl="0" eaLnBrk="1" latinLnBrk="0" hangingPunct="1">
+                <a:lnSpc>
+                  <a:spcPct val="90000"/>
+                </a:lnSpc>
+                <a:spcBef>
+                  <a:spcPts val="500"/>
+                </a:spcBef>
+                <a:buFont typeface="Arial" panose="020B0604020202020204" pitchFamily="34" charset="0"/>
+                <a:buChar char="•"/>
+                <a:defRPr kumimoji="1" sz="1800" kern="1200">
+                  <a:solidFill>
+                    <a:schemeClr val="tx1"/>
+                  </a:solidFill>
+                  <a:latin typeface="+mn-lt"/>
+                  <a:ea typeface="+mn-ea"/>
+                  <a:cs typeface="+mn-cs"/>
+                </a:defRPr>
+              </a:lvl7pPr>
+              <a:lvl8pPr marL="3429000" indent="-228600" algn="l" defTabSz="914400" rtl="0" eaLnBrk="1" latinLnBrk="0" hangingPunct="1">
+                <a:lnSpc>
+                  <a:spcPct val="90000"/>
+                </a:lnSpc>
+                <a:spcBef>
+                  <a:spcPts val="500"/>
+                </a:spcBef>
+                <a:buFont typeface="Arial" panose="020B0604020202020204" pitchFamily="34" charset="0"/>
+                <a:buChar char="•"/>
+                <a:defRPr kumimoji="1" sz="1800" kern="1200">
+                  <a:solidFill>
+                    <a:schemeClr val="tx1"/>
+                  </a:solidFill>
+                  <a:latin typeface="+mn-lt"/>
+                  <a:ea typeface="+mn-ea"/>
+                  <a:cs typeface="+mn-cs"/>
+                </a:defRPr>
+              </a:lvl8pPr>
+              <a:lvl9pPr marL="3886200" indent="-228600" algn="l" defTabSz="914400" rtl="0" eaLnBrk="1" latinLnBrk="0" hangingPunct="1">
+                <a:lnSpc>
+                  <a:spcPct val="90000"/>
+                </a:lnSpc>
+                <a:spcBef>
+                  <a:spcPts val="500"/>
+                </a:spcBef>
+                <a:buFont typeface="Arial" panose="020B0604020202020204" pitchFamily="34" charset="0"/>
+                <a:buChar char="•"/>
+                <a:defRPr kumimoji="1" sz="1800" kern="1200">
+                  <a:solidFill>
+                    <a:schemeClr val="tx1"/>
+                  </a:solidFill>
+                  <a:latin typeface="+mn-lt"/>
+                  <a:ea typeface="+mn-ea"/>
+                  <a:cs typeface="+mn-cs"/>
+                </a:defRPr>
+              </a:lvl9pPr>
+            </a:lstStyle>
+            <a:p>
+              <a:pPr marL="0" indent="0">
+                <a:buFont typeface="Arial" panose="020B0604020202020204" pitchFamily="34" charset="0"/>
+                <a:buNone/>
+              </a:pPr>
+              <a:r>
+                <a:rPr lang="en-US" altLang="ja-JP" sz="1200" dirty="0"/>
+                <a:t>Id</a:t>
+              </a:r>
+            </a:p>
+          </p:txBody>
+        </p:sp>
+        <p:sp>
+          <p:nvSpPr>
+            <p:cNvPr id="97" name="コンテンツ プレースホルダー 2">
+              <a:extLst>
+                <a:ext uri="{FF2B5EF4-FFF2-40B4-BE49-F238E27FC236}">
+                  <a16:creationId xmlns:a16="http://schemas.microsoft.com/office/drawing/2014/main" id="{43E7DBA2-532B-4AA2-B7AF-E3B6C1C34EE2}"/>
+                </a:ext>
+              </a:extLst>
+            </p:cNvPr>
+            <p:cNvSpPr txBox="1">
+              <a:spLocks/>
+            </p:cNvSpPr>
+            <p:nvPr/>
+          </p:nvSpPr>
+          <p:spPr>
+            <a:xfrm>
+              <a:off x="6620602" y="5369972"/>
+              <a:ext cx="1202006" cy="323518"/>
+            </a:xfrm>
+            <a:prstGeom prst="rect">
+              <a:avLst/>
+            </a:prstGeom>
+          </p:spPr>
+          <p:txBody>
+            <a:bodyPr vert="horz" lIns="91440" tIns="45720" rIns="91440" bIns="45720" rtlCol="0">
+              <a:normAutofit/>
+            </a:bodyPr>
+            <a:lstStyle>
+              <a:lvl1pPr marL="228600" indent="-228600" algn="l" defTabSz="914400" rtl="0" eaLnBrk="1" latinLnBrk="0" hangingPunct="1">
+                <a:lnSpc>
+                  <a:spcPct val="90000"/>
+                </a:lnSpc>
+                <a:spcBef>
+                  <a:spcPts val="1000"/>
+                </a:spcBef>
+                <a:buFont typeface="Arial" panose="020B0604020202020204" pitchFamily="34" charset="0"/>
+                <a:buChar char="•"/>
+                <a:defRPr kumimoji="1" sz="2800" kern="1200">
+                  <a:solidFill>
+                    <a:schemeClr val="tx1"/>
+                  </a:solidFill>
+                  <a:latin typeface="+mn-lt"/>
+                  <a:ea typeface="+mn-ea"/>
+                  <a:cs typeface="+mn-cs"/>
+                </a:defRPr>
+              </a:lvl1pPr>
+              <a:lvl2pPr marL="685800" indent="-228600" algn="l" defTabSz="914400" rtl="0" eaLnBrk="1" latinLnBrk="0" hangingPunct="1">
+                <a:lnSpc>
+                  <a:spcPct val="90000"/>
+                </a:lnSpc>
+                <a:spcBef>
+                  <a:spcPts val="500"/>
+                </a:spcBef>
+                <a:buFont typeface="Arial" panose="020B0604020202020204" pitchFamily="34" charset="0"/>
+                <a:buChar char="•"/>
+                <a:defRPr kumimoji="1" sz="2400" kern="1200">
+                  <a:solidFill>
+                    <a:schemeClr val="tx1"/>
+                  </a:solidFill>
+                  <a:latin typeface="+mn-lt"/>
+                  <a:ea typeface="+mn-ea"/>
+                  <a:cs typeface="+mn-cs"/>
+                </a:defRPr>
+              </a:lvl2pPr>
+              <a:lvl3pPr marL="1143000" indent="-228600" algn="l" defTabSz="914400" rtl="0" eaLnBrk="1" latinLnBrk="0" hangingPunct="1">
+                <a:lnSpc>
+                  <a:spcPct val="90000"/>
+                </a:lnSpc>
+                <a:spcBef>
+                  <a:spcPts val="500"/>
+                </a:spcBef>
+                <a:buFont typeface="Arial" panose="020B0604020202020204" pitchFamily="34" charset="0"/>
+                <a:buChar char="•"/>
+                <a:defRPr kumimoji="1" sz="2000" kern="1200">
+                  <a:solidFill>
+                    <a:schemeClr val="tx1"/>
+                  </a:solidFill>
+                  <a:latin typeface="+mn-lt"/>
+                  <a:ea typeface="+mn-ea"/>
+                  <a:cs typeface="+mn-cs"/>
+                </a:defRPr>
+              </a:lvl3pPr>
+              <a:lvl4pPr marL="1600200" indent="-228600" algn="l" defTabSz="914400" rtl="0" eaLnBrk="1" latinLnBrk="0" hangingPunct="1">
+                <a:lnSpc>
+                  <a:spcPct val="90000"/>
+                </a:lnSpc>
+                <a:spcBef>
+                  <a:spcPts val="500"/>
+                </a:spcBef>
+                <a:buFont typeface="Arial" panose="020B0604020202020204" pitchFamily="34" charset="0"/>
+                <a:buChar char="•"/>
+                <a:defRPr kumimoji="1" sz="1800" kern="1200">
+                  <a:solidFill>
+                    <a:schemeClr val="tx1"/>
+                  </a:solidFill>
+                  <a:latin typeface="+mn-lt"/>
+                  <a:ea typeface="+mn-ea"/>
+                  <a:cs typeface="+mn-cs"/>
+                </a:defRPr>
+              </a:lvl4pPr>
+              <a:lvl5pPr marL="2057400" indent="-228600" algn="l" defTabSz="914400" rtl="0" eaLnBrk="1" latinLnBrk="0" hangingPunct="1">
+                <a:lnSpc>
+                  <a:spcPct val="90000"/>
+                </a:lnSpc>
+                <a:spcBef>
+                  <a:spcPts val="500"/>
+                </a:spcBef>
+                <a:buFont typeface="Arial" panose="020B0604020202020204" pitchFamily="34" charset="0"/>
+                <a:buChar char="•"/>
+                <a:defRPr kumimoji="1" sz="1800" kern="1200">
+                  <a:solidFill>
+                    <a:schemeClr val="tx1"/>
+                  </a:solidFill>
+                  <a:latin typeface="+mn-lt"/>
+                  <a:ea typeface="+mn-ea"/>
+                  <a:cs typeface="+mn-cs"/>
+                </a:defRPr>
+              </a:lvl5pPr>
+              <a:lvl6pPr marL="2514600" indent="-228600" algn="l" defTabSz="914400" rtl="0" eaLnBrk="1" latinLnBrk="0" hangingPunct="1">
+                <a:lnSpc>
+                  <a:spcPct val="90000"/>
+                </a:lnSpc>
+                <a:spcBef>
+                  <a:spcPts val="500"/>
+                </a:spcBef>
+                <a:buFont typeface="Arial" panose="020B0604020202020204" pitchFamily="34" charset="0"/>
+                <a:buChar char="•"/>
+                <a:defRPr kumimoji="1" sz="1800" kern="1200">
+                  <a:solidFill>
+                    <a:schemeClr val="tx1"/>
+                  </a:solidFill>
+                  <a:latin typeface="+mn-lt"/>
+                  <a:ea typeface="+mn-ea"/>
+                  <a:cs typeface="+mn-cs"/>
+                </a:defRPr>
+              </a:lvl6pPr>
+              <a:lvl7pPr marL="2971800" indent="-228600" algn="l" defTabSz="914400" rtl="0" eaLnBrk="1" latinLnBrk="0" hangingPunct="1">
+                <a:lnSpc>
+                  <a:spcPct val="90000"/>
+                </a:lnSpc>
+                <a:spcBef>
+                  <a:spcPts val="500"/>
+                </a:spcBef>
+                <a:buFont typeface="Arial" panose="020B0604020202020204" pitchFamily="34" charset="0"/>
+                <a:buChar char="•"/>
+                <a:defRPr kumimoji="1" sz="1800" kern="1200">
+                  <a:solidFill>
+                    <a:schemeClr val="tx1"/>
+                  </a:solidFill>
+                  <a:latin typeface="+mn-lt"/>
+                  <a:ea typeface="+mn-ea"/>
+                  <a:cs typeface="+mn-cs"/>
+                </a:defRPr>
+              </a:lvl7pPr>
+              <a:lvl8pPr marL="3429000" indent="-228600" algn="l" defTabSz="914400" rtl="0" eaLnBrk="1" latinLnBrk="0" hangingPunct="1">
+                <a:lnSpc>
+                  <a:spcPct val="90000"/>
+                </a:lnSpc>
+                <a:spcBef>
+                  <a:spcPts val="500"/>
+                </a:spcBef>
+                <a:buFont typeface="Arial" panose="020B0604020202020204" pitchFamily="34" charset="0"/>
+                <a:buChar char="•"/>
+                <a:defRPr kumimoji="1" sz="1800" kern="1200">
+                  <a:solidFill>
+                    <a:schemeClr val="tx1"/>
+                  </a:solidFill>
+                  <a:latin typeface="+mn-lt"/>
+                  <a:ea typeface="+mn-ea"/>
+                  <a:cs typeface="+mn-cs"/>
+                </a:defRPr>
+              </a:lvl8pPr>
+              <a:lvl9pPr marL="3886200" indent="-228600" algn="l" defTabSz="914400" rtl="0" eaLnBrk="1" latinLnBrk="0" hangingPunct="1">
+                <a:lnSpc>
+                  <a:spcPct val="90000"/>
+                </a:lnSpc>
+                <a:spcBef>
+                  <a:spcPts val="500"/>
+                </a:spcBef>
+                <a:buFont typeface="Arial" panose="020B0604020202020204" pitchFamily="34" charset="0"/>
+                <a:buChar char="•"/>
+                <a:defRPr kumimoji="1" sz="1800" kern="1200">
+                  <a:solidFill>
+                    <a:schemeClr val="tx1"/>
+                  </a:solidFill>
+                  <a:latin typeface="+mn-lt"/>
+                  <a:ea typeface="+mn-ea"/>
+                  <a:cs typeface="+mn-cs"/>
+                </a:defRPr>
+              </a:lvl9pPr>
+            </a:lstStyle>
+            <a:p>
+              <a:pPr marL="0" indent="0">
+                <a:buFont typeface="Arial" panose="020B0604020202020204" pitchFamily="34" charset="0"/>
+                <a:buNone/>
+              </a:pPr>
+              <a:r>
+                <a:rPr lang="en-US" altLang="ja-JP" sz="1200" dirty="0"/>
+                <a:t>feature</a:t>
+              </a:r>
+            </a:p>
+          </p:txBody>
+        </p:sp>
+        <p:sp>
+          <p:nvSpPr>
+            <p:cNvPr id="98" name="コンテンツ プレースホルダー 2">
+              <a:extLst>
+                <a:ext uri="{FF2B5EF4-FFF2-40B4-BE49-F238E27FC236}">
+                  <a16:creationId xmlns:a16="http://schemas.microsoft.com/office/drawing/2014/main" id="{065A854B-B7C9-40C1-9457-0619DAEF9B77}"/>
+                </a:ext>
+              </a:extLst>
+            </p:cNvPr>
+            <p:cNvSpPr txBox="1">
+              <a:spLocks/>
+            </p:cNvSpPr>
+            <p:nvPr/>
+          </p:nvSpPr>
+          <p:spPr>
+            <a:xfrm>
+              <a:off x="6093794" y="5691578"/>
+              <a:ext cx="411722" cy="1172363"/>
+            </a:xfrm>
+            <a:prstGeom prst="rect">
+              <a:avLst/>
+            </a:prstGeom>
+          </p:spPr>
+          <p:txBody>
+            <a:bodyPr vert="horz" lIns="91440" tIns="45720" rIns="91440" bIns="45720" rtlCol="0">
+              <a:normAutofit/>
+            </a:bodyPr>
+            <a:lstStyle>
+              <a:lvl1pPr marL="228600" indent="-228600" algn="l" defTabSz="914400" rtl="0" eaLnBrk="1" latinLnBrk="0" hangingPunct="1">
+                <a:lnSpc>
+                  <a:spcPct val="90000"/>
+                </a:lnSpc>
+                <a:spcBef>
+                  <a:spcPts val="1000"/>
+                </a:spcBef>
+                <a:buFont typeface="Arial" panose="020B0604020202020204" pitchFamily="34" charset="0"/>
+                <a:buChar char="•"/>
+                <a:defRPr kumimoji="1" sz="2800" kern="1200">
+                  <a:solidFill>
+                    <a:schemeClr val="tx1"/>
+                  </a:solidFill>
+                  <a:latin typeface="+mn-lt"/>
+                  <a:ea typeface="+mn-ea"/>
+                  <a:cs typeface="+mn-cs"/>
+                </a:defRPr>
+              </a:lvl1pPr>
+              <a:lvl2pPr marL="685800" indent="-228600" algn="l" defTabSz="914400" rtl="0" eaLnBrk="1" latinLnBrk="0" hangingPunct="1">
+                <a:lnSpc>
+                  <a:spcPct val="90000"/>
+                </a:lnSpc>
+                <a:spcBef>
+                  <a:spcPts val="500"/>
+                </a:spcBef>
+                <a:buFont typeface="Arial" panose="020B0604020202020204" pitchFamily="34" charset="0"/>
+                <a:buChar char="•"/>
+                <a:defRPr kumimoji="1" sz="2400" kern="1200">
+                  <a:solidFill>
+                    <a:schemeClr val="tx1"/>
+                  </a:solidFill>
+                  <a:latin typeface="+mn-lt"/>
+                  <a:ea typeface="+mn-ea"/>
+                  <a:cs typeface="+mn-cs"/>
+                </a:defRPr>
+              </a:lvl2pPr>
+              <a:lvl3pPr marL="1143000" indent="-228600" algn="l" defTabSz="914400" rtl="0" eaLnBrk="1" latinLnBrk="0" hangingPunct="1">
+                <a:lnSpc>
+                  <a:spcPct val="90000"/>
+                </a:lnSpc>
+                <a:spcBef>
+                  <a:spcPts val="500"/>
+                </a:spcBef>
+                <a:buFont typeface="Arial" panose="020B0604020202020204" pitchFamily="34" charset="0"/>
+                <a:buChar char="•"/>
+                <a:defRPr kumimoji="1" sz="2000" kern="1200">
+                  <a:solidFill>
+                    <a:schemeClr val="tx1"/>
+                  </a:solidFill>
+                  <a:latin typeface="+mn-lt"/>
+                  <a:ea typeface="+mn-ea"/>
+                  <a:cs typeface="+mn-cs"/>
+                </a:defRPr>
+              </a:lvl3pPr>
+              <a:lvl4pPr marL="1600200" indent="-228600" algn="l" defTabSz="914400" rtl="0" eaLnBrk="1" latinLnBrk="0" hangingPunct="1">
+                <a:lnSpc>
+                  <a:spcPct val="90000"/>
+                </a:lnSpc>
+                <a:spcBef>
+                  <a:spcPts val="500"/>
+                </a:spcBef>
+                <a:buFont typeface="Arial" panose="020B0604020202020204" pitchFamily="34" charset="0"/>
+                <a:buChar char="•"/>
+                <a:defRPr kumimoji="1" sz="1800" kern="1200">
+                  <a:solidFill>
+                    <a:schemeClr val="tx1"/>
+                  </a:solidFill>
+                  <a:latin typeface="+mn-lt"/>
+                  <a:ea typeface="+mn-ea"/>
+                  <a:cs typeface="+mn-cs"/>
+                </a:defRPr>
+              </a:lvl4pPr>
+              <a:lvl5pPr marL="2057400" indent="-228600" algn="l" defTabSz="914400" rtl="0" eaLnBrk="1" latinLnBrk="0" hangingPunct="1">
+                <a:lnSpc>
+                  <a:spcPct val="90000"/>
+                </a:lnSpc>
+                <a:spcBef>
+                  <a:spcPts val="500"/>
+                </a:spcBef>
+                <a:buFont typeface="Arial" panose="020B0604020202020204" pitchFamily="34" charset="0"/>
+                <a:buChar char="•"/>
+                <a:defRPr kumimoji="1" sz="1800" kern="1200">
+                  <a:solidFill>
+                    <a:schemeClr val="tx1"/>
+                  </a:solidFill>
+                  <a:latin typeface="+mn-lt"/>
+                  <a:ea typeface="+mn-ea"/>
+                  <a:cs typeface="+mn-cs"/>
+                </a:defRPr>
+              </a:lvl5pPr>
+              <a:lvl6pPr marL="2514600" indent="-228600" algn="l" defTabSz="914400" rtl="0" eaLnBrk="1" latinLnBrk="0" hangingPunct="1">
+                <a:lnSpc>
+                  <a:spcPct val="90000"/>
+                </a:lnSpc>
+                <a:spcBef>
+                  <a:spcPts val="500"/>
+                </a:spcBef>
+                <a:buFont typeface="Arial" panose="020B0604020202020204" pitchFamily="34" charset="0"/>
+                <a:buChar char="•"/>
+                <a:defRPr kumimoji="1" sz="1800" kern="1200">
+                  <a:solidFill>
+                    <a:schemeClr val="tx1"/>
+                  </a:solidFill>
+                  <a:latin typeface="+mn-lt"/>
+                  <a:ea typeface="+mn-ea"/>
+                  <a:cs typeface="+mn-cs"/>
+                </a:defRPr>
+              </a:lvl6pPr>
+              <a:lvl7pPr marL="2971800" indent="-228600" algn="l" defTabSz="914400" rtl="0" eaLnBrk="1" latinLnBrk="0" hangingPunct="1">
+                <a:lnSpc>
+                  <a:spcPct val="90000"/>
+                </a:lnSpc>
+                <a:spcBef>
+                  <a:spcPts val="500"/>
+                </a:spcBef>
+                <a:buFont typeface="Arial" panose="020B0604020202020204" pitchFamily="34" charset="0"/>
+                <a:buChar char="•"/>
+                <a:defRPr kumimoji="1" sz="1800" kern="1200">
+                  <a:solidFill>
+                    <a:schemeClr val="tx1"/>
+                  </a:solidFill>
+                  <a:latin typeface="+mn-lt"/>
+                  <a:ea typeface="+mn-ea"/>
+                  <a:cs typeface="+mn-cs"/>
+                </a:defRPr>
+              </a:lvl7pPr>
+              <a:lvl8pPr marL="3429000" indent="-228600" algn="l" defTabSz="914400" rtl="0" eaLnBrk="1" latinLnBrk="0" hangingPunct="1">
+                <a:lnSpc>
+                  <a:spcPct val="90000"/>
+                </a:lnSpc>
+                <a:spcBef>
+                  <a:spcPts val="500"/>
+                </a:spcBef>
+                <a:buFont typeface="Arial" panose="020B0604020202020204" pitchFamily="34" charset="0"/>
+                <a:buChar char="•"/>
+                <a:defRPr kumimoji="1" sz="1800" kern="1200">
+                  <a:solidFill>
+                    <a:schemeClr val="tx1"/>
+                  </a:solidFill>
+                  <a:latin typeface="+mn-lt"/>
+                  <a:ea typeface="+mn-ea"/>
+                  <a:cs typeface="+mn-cs"/>
+                </a:defRPr>
+              </a:lvl8pPr>
+              <a:lvl9pPr marL="3886200" indent="-228600" algn="l" defTabSz="914400" rtl="0" eaLnBrk="1" latinLnBrk="0" hangingPunct="1">
+                <a:lnSpc>
+                  <a:spcPct val="90000"/>
+                </a:lnSpc>
+                <a:spcBef>
+                  <a:spcPts val="500"/>
+                </a:spcBef>
+                <a:buFont typeface="Arial" panose="020B0604020202020204" pitchFamily="34" charset="0"/>
+                <a:buChar char="•"/>
+                <a:defRPr kumimoji="1" sz="1800" kern="1200">
+                  <a:solidFill>
+                    <a:schemeClr val="tx1"/>
+                  </a:solidFill>
+                  <a:latin typeface="+mn-lt"/>
+                  <a:ea typeface="+mn-ea"/>
+                  <a:cs typeface="+mn-cs"/>
+                </a:defRPr>
+              </a:lvl9pPr>
+            </a:lstStyle>
+            <a:p>
+              <a:pPr marL="0" indent="0">
+                <a:buFont typeface="Arial" panose="020B0604020202020204" pitchFamily="34" charset="0"/>
+                <a:buNone/>
+              </a:pPr>
+              <a:r>
+                <a:rPr lang="en-US" altLang="ja-JP" sz="1200" dirty="0"/>
+                <a:t>1</a:t>
+              </a:r>
+            </a:p>
+            <a:p>
+              <a:pPr marL="0" indent="0">
+                <a:buFont typeface="Arial" panose="020B0604020202020204" pitchFamily="34" charset="0"/>
+                <a:buNone/>
+              </a:pPr>
+              <a:r>
+                <a:rPr lang="en-US" altLang="ja-JP" sz="1200" dirty="0"/>
+                <a:t>2</a:t>
+              </a:r>
+            </a:p>
+            <a:p>
+              <a:pPr marL="0" indent="0">
+                <a:buFont typeface="Arial" panose="020B0604020202020204" pitchFamily="34" charset="0"/>
+                <a:buNone/>
+              </a:pPr>
+              <a:r>
+                <a:rPr lang="en-US" altLang="ja-JP" sz="1200" dirty="0"/>
+                <a:t>3</a:t>
+              </a:r>
+            </a:p>
+            <a:p>
+              <a:pPr marL="0" indent="0">
+                <a:buFont typeface="Arial" panose="020B0604020202020204" pitchFamily="34" charset="0"/>
+                <a:buNone/>
+              </a:pPr>
+              <a:r>
+                <a:rPr lang="en-US" altLang="ja-JP" sz="1200" dirty="0"/>
+                <a:t>4</a:t>
+              </a:r>
+            </a:p>
+          </p:txBody>
+        </p:sp>
+        <p:sp>
+          <p:nvSpPr>
+            <p:cNvPr id="99" name="コンテンツ プレースホルダー 2">
+              <a:extLst>
+                <a:ext uri="{FF2B5EF4-FFF2-40B4-BE49-F238E27FC236}">
+                  <a16:creationId xmlns:a16="http://schemas.microsoft.com/office/drawing/2014/main" id="{B44B3E66-2D58-4EEA-B955-6598DDCF31A3}"/>
+                </a:ext>
+              </a:extLst>
+            </p:cNvPr>
+            <p:cNvSpPr txBox="1">
+              <a:spLocks/>
+            </p:cNvSpPr>
+            <p:nvPr/>
+          </p:nvSpPr>
+          <p:spPr>
+            <a:xfrm>
+              <a:off x="6620602" y="5685636"/>
+              <a:ext cx="1202006" cy="1172363"/>
+            </a:xfrm>
+            <a:prstGeom prst="rect">
+              <a:avLst/>
+            </a:prstGeom>
+          </p:spPr>
+          <p:txBody>
+            <a:bodyPr vert="horz" lIns="91440" tIns="45720" rIns="91440" bIns="45720" rtlCol="0">
+              <a:normAutofit/>
+            </a:bodyPr>
+            <a:lstStyle>
+              <a:lvl1pPr marL="228600" indent="-228600" algn="l" defTabSz="914400" rtl="0" eaLnBrk="1" latinLnBrk="0" hangingPunct="1">
+                <a:lnSpc>
+                  <a:spcPct val="90000"/>
+                </a:lnSpc>
+                <a:spcBef>
+                  <a:spcPts val="1000"/>
+                </a:spcBef>
+                <a:buFont typeface="Arial" panose="020B0604020202020204" pitchFamily="34" charset="0"/>
+                <a:buChar char="•"/>
+                <a:defRPr kumimoji="1" sz="2800" kern="1200">
+                  <a:solidFill>
+                    <a:schemeClr val="tx1"/>
+                  </a:solidFill>
+                  <a:latin typeface="+mn-lt"/>
+                  <a:ea typeface="+mn-ea"/>
+                  <a:cs typeface="+mn-cs"/>
+                </a:defRPr>
+              </a:lvl1pPr>
+              <a:lvl2pPr marL="685800" indent="-228600" algn="l" defTabSz="914400" rtl="0" eaLnBrk="1" latinLnBrk="0" hangingPunct="1">
+                <a:lnSpc>
+                  <a:spcPct val="90000"/>
+                </a:lnSpc>
+                <a:spcBef>
+                  <a:spcPts val="500"/>
+                </a:spcBef>
+                <a:buFont typeface="Arial" panose="020B0604020202020204" pitchFamily="34" charset="0"/>
+                <a:buChar char="•"/>
+                <a:defRPr kumimoji="1" sz="2400" kern="1200">
+                  <a:solidFill>
+                    <a:schemeClr val="tx1"/>
+                  </a:solidFill>
+                  <a:latin typeface="+mn-lt"/>
+                  <a:ea typeface="+mn-ea"/>
+                  <a:cs typeface="+mn-cs"/>
+                </a:defRPr>
+              </a:lvl2pPr>
+              <a:lvl3pPr marL="1143000" indent="-228600" algn="l" defTabSz="914400" rtl="0" eaLnBrk="1" latinLnBrk="0" hangingPunct="1">
+                <a:lnSpc>
+                  <a:spcPct val="90000"/>
+                </a:lnSpc>
+                <a:spcBef>
+                  <a:spcPts val="500"/>
+                </a:spcBef>
+                <a:buFont typeface="Arial" panose="020B0604020202020204" pitchFamily="34" charset="0"/>
+                <a:buChar char="•"/>
+                <a:defRPr kumimoji="1" sz="2000" kern="1200">
+                  <a:solidFill>
+                    <a:schemeClr val="tx1"/>
+                  </a:solidFill>
+                  <a:latin typeface="+mn-lt"/>
+                  <a:ea typeface="+mn-ea"/>
+                  <a:cs typeface="+mn-cs"/>
+                </a:defRPr>
+              </a:lvl3pPr>
+              <a:lvl4pPr marL="1600200" indent="-228600" algn="l" defTabSz="914400" rtl="0" eaLnBrk="1" latinLnBrk="0" hangingPunct="1">
+                <a:lnSpc>
+                  <a:spcPct val="90000"/>
+                </a:lnSpc>
+                <a:spcBef>
+                  <a:spcPts val="500"/>
+                </a:spcBef>
+                <a:buFont typeface="Arial" panose="020B0604020202020204" pitchFamily="34" charset="0"/>
+                <a:buChar char="•"/>
+                <a:defRPr kumimoji="1" sz="1800" kern="1200">
+                  <a:solidFill>
+                    <a:schemeClr val="tx1"/>
+                  </a:solidFill>
+                  <a:latin typeface="+mn-lt"/>
+                  <a:ea typeface="+mn-ea"/>
+                  <a:cs typeface="+mn-cs"/>
+                </a:defRPr>
+              </a:lvl4pPr>
+              <a:lvl5pPr marL="2057400" indent="-228600" algn="l" defTabSz="914400" rtl="0" eaLnBrk="1" latinLnBrk="0" hangingPunct="1">
+                <a:lnSpc>
+                  <a:spcPct val="90000"/>
+                </a:lnSpc>
+                <a:spcBef>
+                  <a:spcPts val="500"/>
+                </a:spcBef>
+                <a:buFont typeface="Arial" panose="020B0604020202020204" pitchFamily="34" charset="0"/>
+                <a:buChar char="•"/>
+                <a:defRPr kumimoji="1" sz="1800" kern="1200">
+                  <a:solidFill>
+                    <a:schemeClr val="tx1"/>
+                  </a:solidFill>
+                  <a:latin typeface="+mn-lt"/>
+                  <a:ea typeface="+mn-ea"/>
+                  <a:cs typeface="+mn-cs"/>
+                </a:defRPr>
+              </a:lvl5pPr>
+              <a:lvl6pPr marL="2514600" indent="-228600" algn="l" defTabSz="914400" rtl="0" eaLnBrk="1" latinLnBrk="0" hangingPunct="1">
+                <a:lnSpc>
+                  <a:spcPct val="90000"/>
+                </a:lnSpc>
+                <a:spcBef>
+                  <a:spcPts val="500"/>
+                </a:spcBef>
+                <a:buFont typeface="Arial" panose="020B0604020202020204" pitchFamily="34" charset="0"/>
+                <a:buChar char="•"/>
+                <a:defRPr kumimoji="1" sz="1800" kern="1200">
+                  <a:solidFill>
+                    <a:schemeClr val="tx1"/>
+                  </a:solidFill>
+                  <a:latin typeface="+mn-lt"/>
+                  <a:ea typeface="+mn-ea"/>
+                  <a:cs typeface="+mn-cs"/>
+                </a:defRPr>
+              </a:lvl6pPr>
+              <a:lvl7pPr marL="2971800" indent="-228600" algn="l" defTabSz="914400" rtl="0" eaLnBrk="1" latinLnBrk="0" hangingPunct="1">
+                <a:lnSpc>
+                  <a:spcPct val="90000"/>
+                </a:lnSpc>
+                <a:spcBef>
+                  <a:spcPts val="500"/>
+                </a:spcBef>
+                <a:buFont typeface="Arial" panose="020B0604020202020204" pitchFamily="34" charset="0"/>
+                <a:buChar char="•"/>
+                <a:defRPr kumimoji="1" sz="1800" kern="1200">
+                  <a:solidFill>
+                    <a:schemeClr val="tx1"/>
+                  </a:solidFill>
+                  <a:latin typeface="+mn-lt"/>
+                  <a:ea typeface="+mn-ea"/>
+                  <a:cs typeface="+mn-cs"/>
+                </a:defRPr>
+              </a:lvl7pPr>
+              <a:lvl8pPr marL="3429000" indent="-228600" algn="l" defTabSz="914400" rtl="0" eaLnBrk="1" latinLnBrk="0" hangingPunct="1">
+                <a:lnSpc>
+                  <a:spcPct val="90000"/>
+                </a:lnSpc>
+                <a:spcBef>
+                  <a:spcPts val="500"/>
+                </a:spcBef>
+                <a:buFont typeface="Arial" panose="020B0604020202020204" pitchFamily="34" charset="0"/>
+                <a:buChar char="•"/>
+                <a:defRPr kumimoji="1" sz="1800" kern="1200">
+                  <a:solidFill>
+                    <a:schemeClr val="tx1"/>
+                  </a:solidFill>
+                  <a:latin typeface="+mn-lt"/>
+                  <a:ea typeface="+mn-ea"/>
+                  <a:cs typeface="+mn-cs"/>
+                </a:defRPr>
+              </a:lvl8pPr>
+              <a:lvl9pPr marL="3886200" indent="-228600" algn="l" defTabSz="914400" rtl="0" eaLnBrk="1" latinLnBrk="0" hangingPunct="1">
+                <a:lnSpc>
+                  <a:spcPct val="90000"/>
+                </a:lnSpc>
+                <a:spcBef>
+                  <a:spcPts val="500"/>
+                </a:spcBef>
+                <a:buFont typeface="Arial" panose="020B0604020202020204" pitchFamily="34" charset="0"/>
+                <a:buChar char="•"/>
+                <a:defRPr kumimoji="1" sz="1800" kern="1200">
+                  <a:solidFill>
+                    <a:schemeClr val="tx1"/>
+                  </a:solidFill>
+                  <a:latin typeface="+mn-lt"/>
+                  <a:ea typeface="+mn-ea"/>
+                  <a:cs typeface="+mn-cs"/>
+                </a:defRPr>
+              </a:lvl9pPr>
+            </a:lstStyle>
+            <a:p>
+              <a:pPr marL="0" indent="0">
+                <a:buFont typeface="Arial" panose="020B0604020202020204" pitchFamily="34" charset="0"/>
+                <a:buNone/>
+              </a:pPr>
+              <a:r>
+                <a:rPr lang="en-US" altLang="ja-JP" sz="1200" dirty="0"/>
+                <a:t>0</a:t>
+              </a:r>
+            </a:p>
+            <a:p>
+              <a:pPr marL="0" indent="0">
+                <a:buFont typeface="Arial" panose="020B0604020202020204" pitchFamily="34" charset="0"/>
+                <a:buNone/>
+              </a:pPr>
+              <a:r>
+                <a:rPr lang="en-US" altLang="ja-JP" sz="1200" dirty="0"/>
+                <a:t>0</a:t>
+              </a:r>
+            </a:p>
+            <a:p>
+              <a:pPr marL="0" indent="0">
+                <a:buFont typeface="Arial" panose="020B0604020202020204" pitchFamily="34" charset="0"/>
+                <a:buNone/>
+              </a:pPr>
+              <a:r>
+                <a:rPr lang="en-US" altLang="ja-JP" sz="1200" dirty="0"/>
+                <a:t>1</a:t>
+              </a:r>
+            </a:p>
+            <a:p>
+              <a:pPr marL="0" indent="0">
+                <a:buFont typeface="Arial" panose="020B0604020202020204" pitchFamily="34" charset="0"/>
+                <a:buNone/>
+              </a:pPr>
+              <a:r>
+                <a:rPr lang="en-US" altLang="ja-JP" sz="1200" dirty="0"/>
+                <a:t>0</a:t>
+              </a:r>
+            </a:p>
+            <a:p>
+              <a:pPr marL="0" indent="0">
+                <a:buFont typeface="Arial" panose="020B0604020202020204" pitchFamily="34" charset="0"/>
+                <a:buNone/>
+              </a:pPr>
+              <a:endParaRPr lang="en-US" altLang="ja-JP" sz="1200" dirty="0"/>
+            </a:p>
+          </p:txBody>
+        </p:sp>
+      </p:grpSp>
+      <p:cxnSp>
+        <p:nvCxnSpPr>
+          <p:cNvPr id="14" name="直線矢印コネクタ 13">
+            <a:extLst>
+              <a:ext uri="{FF2B5EF4-FFF2-40B4-BE49-F238E27FC236}">
+                <a16:creationId xmlns:a16="http://schemas.microsoft.com/office/drawing/2014/main" id="{554258E1-91AF-4E67-8738-F7274C400FAE}"/>
+              </a:ext>
+            </a:extLst>
+          </p:cNvPr>
+          <p:cNvCxnSpPr/>
+          <p:nvPr/>
+        </p:nvCxnSpPr>
+        <p:spPr>
+          <a:xfrm>
+            <a:off x="6090001" y="3916740"/>
+            <a:ext cx="415515" cy="930563"/>
+          </a:xfrm>
+          <a:prstGeom prst="straightConnector1">
+            <a:avLst/>
+          </a:prstGeom>
+          <a:ln>
+            <a:tailEnd type="triangle"/>
+          </a:ln>
+        </p:spPr>
+        <p:style>
+          <a:lnRef idx="1">
+            <a:schemeClr val="accent1"/>
+          </a:lnRef>
+          <a:fillRef idx="0">
+            <a:schemeClr val="accent1"/>
+          </a:fillRef>
+          <a:effectRef idx="0">
+            <a:schemeClr val="accent1"/>
+          </a:effectRef>
+          <a:fontRef idx="minor">
+            <a:schemeClr val="tx1"/>
+          </a:fontRef>
+        </p:style>
+      </p:cxnSp>
+      <p:cxnSp>
+        <p:nvCxnSpPr>
+          <p:cNvPr id="100" name="直線矢印コネクタ 99">
+            <a:extLst>
+              <a:ext uri="{FF2B5EF4-FFF2-40B4-BE49-F238E27FC236}">
+                <a16:creationId xmlns:a16="http://schemas.microsoft.com/office/drawing/2014/main" id="{3ECB5F5C-8626-4F26-A01D-66DCF7F0D7F9}"/>
+              </a:ext>
+            </a:extLst>
+          </p:cNvPr>
+          <p:cNvCxnSpPr>
+            <a:cxnSpLocks/>
+          </p:cNvCxnSpPr>
+          <p:nvPr/>
+        </p:nvCxnSpPr>
+        <p:spPr>
+          <a:xfrm>
+            <a:off x="6297758" y="3873155"/>
+            <a:ext cx="1650541" cy="974148"/>
+          </a:xfrm>
+          <a:prstGeom prst="straightConnector1">
+            <a:avLst/>
+          </a:prstGeom>
+          <a:ln>
+            <a:tailEnd type="triangle"/>
+          </a:ln>
+        </p:spPr>
+        <p:style>
+          <a:lnRef idx="1">
+            <a:schemeClr val="accent1"/>
+          </a:lnRef>
+          <a:fillRef idx="0">
+            <a:schemeClr val="accent1"/>
+          </a:fillRef>
+          <a:effectRef idx="0">
+            <a:schemeClr val="accent1"/>
+          </a:effectRef>
+          <a:fontRef idx="minor">
+            <a:schemeClr val="tx1"/>
+          </a:fontRef>
+        </p:style>
+      </p:cxnSp>
+      <p:cxnSp>
+        <p:nvCxnSpPr>
+          <p:cNvPr id="116" name="直線矢印コネクタ 115">
+            <a:extLst>
+              <a:ext uri="{FF2B5EF4-FFF2-40B4-BE49-F238E27FC236}">
+                <a16:creationId xmlns:a16="http://schemas.microsoft.com/office/drawing/2014/main" id="{9B05E0DE-D9EE-4B4C-815A-F17E275D3F71}"/>
+              </a:ext>
+            </a:extLst>
+          </p:cNvPr>
+          <p:cNvCxnSpPr>
+            <a:cxnSpLocks/>
+          </p:cNvCxnSpPr>
+          <p:nvPr/>
+        </p:nvCxnSpPr>
+        <p:spPr>
+          <a:xfrm>
+            <a:off x="5905166" y="2620801"/>
+            <a:ext cx="4425475" cy="42227"/>
+          </a:xfrm>
+          <a:prstGeom prst="straightConnector1">
+            <a:avLst/>
+          </a:prstGeom>
+          <a:ln>
+            <a:tailEnd type="triangle"/>
+          </a:ln>
+        </p:spPr>
+        <p:style>
+          <a:lnRef idx="1">
+            <a:schemeClr val="accent1"/>
+          </a:lnRef>
+          <a:fillRef idx="0">
+            <a:schemeClr val="accent1"/>
+          </a:fillRef>
+          <a:effectRef idx="0">
+            <a:schemeClr val="accent1"/>
+          </a:effectRef>
+          <a:fontRef idx="minor">
+            <a:schemeClr val="tx1"/>
+          </a:fontRef>
+        </p:style>
+      </p:cxnSp>
+      <p:cxnSp>
+        <p:nvCxnSpPr>
+          <p:cNvPr id="117" name="直線矢印コネクタ 116">
+            <a:extLst>
+              <a:ext uri="{FF2B5EF4-FFF2-40B4-BE49-F238E27FC236}">
+                <a16:creationId xmlns:a16="http://schemas.microsoft.com/office/drawing/2014/main" id="{15467EB8-0A8E-42AB-B659-3C91E94706FE}"/>
+              </a:ext>
+            </a:extLst>
+          </p:cNvPr>
+          <p:cNvCxnSpPr>
+            <a:cxnSpLocks/>
+          </p:cNvCxnSpPr>
+          <p:nvPr/>
+        </p:nvCxnSpPr>
+        <p:spPr>
+          <a:xfrm flipV="1">
+            <a:off x="8723450" y="2739743"/>
+            <a:ext cx="0" cy="912239"/>
+          </a:xfrm>
+          <a:prstGeom prst="straightConnector1">
+            <a:avLst/>
+          </a:prstGeom>
+          <a:ln>
+            <a:tailEnd type="triangle"/>
+          </a:ln>
+        </p:spPr>
+        <p:style>
+          <a:lnRef idx="1">
+            <a:schemeClr val="accent1"/>
+          </a:lnRef>
+          <a:fillRef idx="0">
+            <a:schemeClr val="accent1"/>
+          </a:fillRef>
+          <a:effectRef idx="0">
+            <a:schemeClr val="accent1"/>
+          </a:effectRef>
+          <a:fontRef idx="minor">
+            <a:schemeClr val="tx1"/>
+          </a:fontRef>
+        </p:style>
+      </p:cxnSp>
+      <p:cxnSp>
+        <p:nvCxnSpPr>
+          <p:cNvPr id="118" name="直線矢印コネクタ 117">
+            <a:extLst>
+              <a:ext uri="{FF2B5EF4-FFF2-40B4-BE49-F238E27FC236}">
+                <a16:creationId xmlns:a16="http://schemas.microsoft.com/office/drawing/2014/main" id="{897C62DE-E305-4537-A39B-1B15964C4BCA}"/>
+              </a:ext>
+            </a:extLst>
+          </p:cNvPr>
+          <p:cNvCxnSpPr>
+            <a:cxnSpLocks/>
+          </p:cNvCxnSpPr>
+          <p:nvPr/>
+        </p:nvCxnSpPr>
+        <p:spPr>
+          <a:xfrm flipV="1">
+            <a:off x="9249287" y="2739743"/>
+            <a:ext cx="0" cy="912239"/>
+          </a:xfrm>
+          <a:prstGeom prst="straightConnector1">
+            <a:avLst/>
+          </a:prstGeom>
+          <a:ln>
+            <a:tailEnd type="triangle"/>
+          </a:ln>
+        </p:spPr>
+        <p:style>
+          <a:lnRef idx="1">
+            <a:schemeClr val="accent1"/>
+          </a:lnRef>
+          <a:fillRef idx="0">
+            <a:schemeClr val="accent1"/>
+          </a:fillRef>
+          <a:effectRef idx="0">
+            <a:schemeClr val="accent1"/>
+          </a:effectRef>
+          <a:fontRef idx="minor">
+            <a:schemeClr val="tx1"/>
+          </a:fontRef>
+        </p:style>
+      </p:cxnSp>
+      <p:sp>
+        <p:nvSpPr>
+          <p:cNvPr id="119" name="コンテンツ プレースホルダー 2">
+            <a:extLst>
+              <a:ext uri="{FF2B5EF4-FFF2-40B4-BE49-F238E27FC236}">
+                <a16:creationId xmlns:a16="http://schemas.microsoft.com/office/drawing/2014/main" id="{9C6625A5-DFD9-44E3-A309-DAC9AD58ADDC}"/>
+              </a:ext>
+            </a:extLst>
+          </p:cNvPr>
+          <p:cNvSpPr txBox="1">
+            <a:spLocks/>
+          </p:cNvSpPr>
+          <p:nvPr/>
+        </p:nvSpPr>
+        <p:spPr>
+          <a:xfrm>
+            <a:off x="7432388" y="1959221"/>
+            <a:ext cx="4228667" cy="719546"/>
+          </a:xfrm>
+          <a:prstGeom prst="rect">
+            <a:avLst/>
+          </a:prstGeom>
+        </p:spPr>
+        <p:txBody>
+          <a:bodyPr vert="horz" lIns="91440" tIns="45720" rIns="91440" bIns="45720" rtlCol="0">
+            <a:normAutofit/>
+          </a:bodyPr>
+          <a:lstStyle>
+            <a:lvl1pPr marL="228600" indent="-228600" algn="l" defTabSz="914400" rtl="0" eaLnBrk="1" latinLnBrk="0" hangingPunct="1">
+              <a:lnSpc>
+                <a:spcPct val="90000"/>
+              </a:lnSpc>
+              <a:spcBef>
+                <a:spcPts val="1000"/>
+              </a:spcBef>
+              <a:buFont typeface="Arial" panose="020B0604020202020204" pitchFamily="34" charset="0"/>
+              <a:buChar char="•"/>
+              <a:defRPr kumimoji="1" sz="2800" kern="1200">
+                <a:solidFill>
+                  <a:schemeClr val="tx1"/>
+                </a:solidFill>
+                <a:latin typeface="+mn-lt"/>
+                <a:ea typeface="+mn-ea"/>
+                <a:cs typeface="+mn-cs"/>
+              </a:defRPr>
+            </a:lvl1pPr>
+            <a:lvl2pPr marL="685800" indent="-228600" algn="l" defTabSz="914400" rtl="0" eaLnBrk="1" latinLnBrk="0" hangingPunct="1">
+              <a:lnSpc>
+                <a:spcPct val="90000"/>
+              </a:lnSpc>
+              <a:spcBef>
+                <a:spcPts val="500"/>
+              </a:spcBef>
+              <a:buFont typeface="Arial" panose="020B0604020202020204" pitchFamily="34" charset="0"/>
+              <a:buChar char="•"/>
+              <a:defRPr kumimoji="1" sz="2400" kern="1200">
+                <a:solidFill>
+                  <a:schemeClr val="tx1"/>
+                </a:solidFill>
+                <a:latin typeface="+mn-lt"/>
+                <a:ea typeface="+mn-ea"/>
+                <a:cs typeface="+mn-cs"/>
+              </a:defRPr>
+            </a:lvl2pPr>
+            <a:lvl3pPr marL="1143000" indent="-228600" algn="l" defTabSz="914400" rtl="0" eaLnBrk="1" latinLnBrk="0" hangingPunct="1">
+              <a:lnSpc>
+                <a:spcPct val="90000"/>
+              </a:lnSpc>
+              <a:spcBef>
+                <a:spcPts val="500"/>
+              </a:spcBef>
+              <a:buFont typeface="Arial" panose="020B0604020202020204" pitchFamily="34" charset="0"/>
+              <a:buChar char="•"/>
+              <a:defRPr kumimoji="1" sz="2000" kern="1200">
+                <a:solidFill>
+                  <a:schemeClr val="tx1"/>
+                </a:solidFill>
+                <a:latin typeface="+mn-lt"/>
+                <a:ea typeface="+mn-ea"/>
+                <a:cs typeface="+mn-cs"/>
+              </a:defRPr>
+            </a:lvl3pPr>
+            <a:lvl4pPr marL="1600200" indent="-228600" algn="l" defTabSz="914400" rtl="0" eaLnBrk="1" latinLnBrk="0" hangingPunct="1">
+              <a:lnSpc>
+                <a:spcPct val="90000"/>
+              </a:lnSpc>
+              <a:spcBef>
+                <a:spcPts val="500"/>
+              </a:spcBef>
+              <a:buFont typeface="Arial" panose="020B0604020202020204" pitchFamily="34" charset="0"/>
+              <a:buChar char="•"/>
+              <a:defRPr kumimoji="1" sz="1800" kern="1200">
+                <a:solidFill>
+                  <a:schemeClr val="tx1"/>
+                </a:solidFill>
+                <a:latin typeface="+mn-lt"/>
+                <a:ea typeface="+mn-ea"/>
+                <a:cs typeface="+mn-cs"/>
+              </a:defRPr>
+            </a:lvl4pPr>
+            <a:lvl5pPr marL="2057400" indent="-228600" algn="l" defTabSz="914400" rtl="0" eaLnBrk="1" latinLnBrk="0" hangingPunct="1">
+              <a:lnSpc>
+                <a:spcPct val="90000"/>
+              </a:lnSpc>
+              <a:spcBef>
+                <a:spcPts val="500"/>
+              </a:spcBef>
+              <a:buFont typeface="Arial" panose="020B0604020202020204" pitchFamily="34" charset="0"/>
+              <a:buChar char="•"/>
+              <a:defRPr kumimoji="1" sz="1800" kern="1200">
+                <a:solidFill>
+                  <a:schemeClr val="tx1"/>
+                </a:solidFill>
+                <a:latin typeface="+mn-lt"/>
+                <a:ea typeface="+mn-ea"/>
+                <a:cs typeface="+mn-cs"/>
+              </a:defRPr>
+            </a:lvl5pPr>
+            <a:lvl6pPr marL="2514600" indent="-228600" algn="l" defTabSz="914400" rtl="0" eaLnBrk="1" latinLnBrk="0" hangingPunct="1">
+              <a:lnSpc>
+                <a:spcPct val="90000"/>
+              </a:lnSpc>
+              <a:spcBef>
+                <a:spcPts val="500"/>
+              </a:spcBef>
+              <a:buFont typeface="Arial" panose="020B0604020202020204" pitchFamily="34" charset="0"/>
+              <a:buChar char="•"/>
+              <a:defRPr kumimoji="1" sz="1800" kern="1200">
+                <a:solidFill>
+                  <a:schemeClr val="tx1"/>
+                </a:solidFill>
+                <a:latin typeface="+mn-lt"/>
+                <a:ea typeface="+mn-ea"/>
+                <a:cs typeface="+mn-cs"/>
+              </a:defRPr>
+            </a:lvl6pPr>
+            <a:lvl7pPr marL="2971800" indent="-228600" algn="l" defTabSz="914400" rtl="0" eaLnBrk="1" latinLnBrk="0" hangingPunct="1">
+              <a:lnSpc>
+                <a:spcPct val="90000"/>
+              </a:lnSpc>
+              <a:spcBef>
+                <a:spcPts val="500"/>
+              </a:spcBef>
+              <a:buFont typeface="Arial" panose="020B0604020202020204" pitchFamily="34" charset="0"/>
+              <a:buChar char="•"/>
+              <a:defRPr kumimoji="1" sz="1800" kern="1200">
+                <a:solidFill>
+                  <a:schemeClr val="tx1"/>
+                </a:solidFill>
+                <a:latin typeface="+mn-lt"/>
+                <a:ea typeface="+mn-ea"/>
+                <a:cs typeface="+mn-cs"/>
+              </a:defRPr>
+            </a:lvl7pPr>
+            <a:lvl8pPr marL="3429000" indent="-228600" algn="l" defTabSz="914400" rtl="0" eaLnBrk="1" latinLnBrk="0" hangingPunct="1">
+              <a:lnSpc>
+                <a:spcPct val="90000"/>
+              </a:lnSpc>
+              <a:spcBef>
+                <a:spcPts val="500"/>
+              </a:spcBef>
+              <a:buFont typeface="Arial" panose="020B0604020202020204" pitchFamily="34" charset="0"/>
+              <a:buChar char="•"/>
+              <a:defRPr kumimoji="1" sz="1800" kern="1200">
+                <a:solidFill>
+                  <a:schemeClr val="tx1"/>
+                </a:solidFill>
+                <a:latin typeface="+mn-lt"/>
+                <a:ea typeface="+mn-ea"/>
+                <a:cs typeface="+mn-cs"/>
+              </a:defRPr>
+            </a:lvl8pPr>
+            <a:lvl9pPr marL="3886200" indent="-228600" algn="l" defTabSz="914400" rtl="0" eaLnBrk="1" latinLnBrk="0" hangingPunct="1">
+              <a:lnSpc>
+                <a:spcPct val="90000"/>
+              </a:lnSpc>
+              <a:spcBef>
+                <a:spcPts val="500"/>
+              </a:spcBef>
+              <a:buFont typeface="Arial" panose="020B0604020202020204" pitchFamily="34" charset="0"/>
+              <a:buChar char="•"/>
+              <a:defRPr kumimoji="1" sz="1800" kern="1200">
+                <a:solidFill>
+                  <a:schemeClr val="tx1"/>
+                </a:solidFill>
+                <a:latin typeface="+mn-lt"/>
+                <a:ea typeface="+mn-ea"/>
+                <a:cs typeface="+mn-cs"/>
+              </a:defRPr>
+            </a:lvl9pPr>
+          </a:lstStyle>
+          <a:p>
+            <a:pPr marL="0" indent="0">
+              <a:buFont typeface="Arial" panose="020B0604020202020204" pitchFamily="34" charset="0"/>
+              <a:buNone/>
+            </a:pPr>
+            <a:r>
+              <a:rPr lang="en-US" altLang="ja-JP" sz="1200" dirty="0"/>
+              <a:t>df_feature1 = </a:t>
+            </a:r>
+            <a:r>
+              <a:rPr lang="en-US" altLang="ja-JP" sz="1200" dirty="0" err="1"/>
+              <a:t>pd.read_csv</a:t>
+            </a:r>
+            <a:r>
+              <a:rPr lang="en-US" altLang="ja-JP" sz="1200" dirty="0"/>
+              <a:t>(‘feature1.csv’)</a:t>
+            </a:r>
+          </a:p>
+          <a:p>
+            <a:pPr marL="0" indent="0">
+              <a:buFont typeface="Arial" panose="020B0604020202020204" pitchFamily="34" charset="0"/>
+              <a:buNone/>
+            </a:pPr>
+            <a:r>
+              <a:rPr lang="en-US" altLang="ja-JP" sz="1200" dirty="0"/>
+              <a:t>df = </a:t>
+            </a:r>
+            <a:r>
+              <a:rPr lang="en-US" altLang="ja-JP" sz="1200" dirty="0" err="1"/>
+              <a:t>pd.merge</a:t>
+            </a:r>
+            <a:r>
+              <a:rPr lang="en-US" altLang="ja-JP" sz="1200" dirty="0"/>
+              <a:t>(df, df_feature1, on=‘Id’, how=‘left’)</a:t>
+            </a:r>
+          </a:p>
+        </p:txBody>
+      </p:sp>
+      <p:sp>
+        <p:nvSpPr>
+          <p:cNvPr id="120" name="正方形/長方形 119">
+            <a:extLst>
+              <a:ext uri="{FF2B5EF4-FFF2-40B4-BE49-F238E27FC236}">
+                <a16:creationId xmlns:a16="http://schemas.microsoft.com/office/drawing/2014/main" id="{803DBE5D-04A9-40F0-9EDA-03C4DCF9C883}"/>
+              </a:ext>
+            </a:extLst>
+          </p:cNvPr>
+          <p:cNvSpPr/>
+          <p:nvPr/>
+        </p:nvSpPr>
+        <p:spPr>
+          <a:xfrm>
+            <a:off x="11100786" y="2663029"/>
+            <a:ext cx="832298" cy="818531"/>
+          </a:xfrm>
+          <a:prstGeom prst="rect">
+            <a:avLst/>
+          </a:prstGeom>
+          <a:solidFill>
+            <a:schemeClr val="accent6">
+              <a:lumMod val="20000"/>
+              <a:lumOff val="80000"/>
+            </a:schemeClr>
+          </a:solidFill>
+        </p:spPr>
+        <p:style>
+          <a:lnRef idx="2">
+            <a:schemeClr val="accent1">
+              <a:shade val="50000"/>
+            </a:schemeClr>
+          </a:lnRef>
+          <a:fillRef idx="1">
+            <a:schemeClr val="accent1"/>
+          </a:fillRef>
+          <a:effectRef idx="0">
+            <a:schemeClr val="accent1"/>
+          </a:effectRef>
+          <a:fontRef idx="minor">
+            <a:schemeClr val="lt1"/>
+          </a:fontRef>
+        </p:style>
+        <p:txBody>
+          <a:bodyPr rtlCol="0" anchor="ctr"/>
+          <a:lstStyle/>
+          <a:p>
+            <a:pPr algn="ctr"/>
+            <a:endParaRPr kumimoji="1" lang="ja-JP" altLang="en-US"/>
+          </a:p>
+        </p:txBody>
+      </p:sp>
+      <p:grpSp>
+        <p:nvGrpSpPr>
+          <p:cNvPr id="121" name="グループ化 120">
+            <a:extLst>
+              <a:ext uri="{FF2B5EF4-FFF2-40B4-BE49-F238E27FC236}">
+                <a16:creationId xmlns:a16="http://schemas.microsoft.com/office/drawing/2014/main" id="{4E748F42-F556-478E-91D2-6A526AEA6CD1}"/>
+              </a:ext>
+            </a:extLst>
+          </p:cNvPr>
+          <p:cNvGrpSpPr/>
+          <p:nvPr/>
+        </p:nvGrpSpPr>
+        <p:grpSpPr>
+          <a:xfrm>
+            <a:off x="11100786" y="1844497"/>
+            <a:ext cx="938490" cy="818531"/>
+            <a:chOff x="2015611" y="1904999"/>
+            <a:chExt cx="938490" cy="2183172"/>
+          </a:xfrm>
+        </p:grpSpPr>
+        <p:sp>
+          <p:nvSpPr>
+            <p:cNvPr id="122" name="正方形/長方形 121">
+              <a:extLst>
+                <a:ext uri="{FF2B5EF4-FFF2-40B4-BE49-F238E27FC236}">
+                  <a16:creationId xmlns:a16="http://schemas.microsoft.com/office/drawing/2014/main" id="{1943CB82-91BE-49C7-95B9-9C864E559937}"/>
+                </a:ext>
+              </a:extLst>
+            </p:cNvPr>
+            <p:cNvSpPr/>
+            <p:nvPr/>
+          </p:nvSpPr>
+          <p:spPr>
+            <a:xfrm>
+              <a:off x="2015611" y="1904999"/>
+              <a:ext cx="934064" cy="2183172"/>
+            </a:xfrm>
+            <a:prstGeom prst="rect">
+              <a:avLst/>
+            </a:prstGeom>
+            <a:solidFill>
+              <a:schemeClr val="accent4">
+                <a:lumMod val="20000"/>
+                <a:lumOff val="80000"/>
+              </a:schemeClr>
+            </a:solidFill>
+          </p:spPr>
+          <p:style>
+            <a:lnRef idx="2">
+              <a:schemeClr val="accent1">
+                <a:shade val="50000"/>
+              </a:schemeClr>
+            </a:lnRef>
+            <a:fillRef idx="1">
+              <a:schemeClr val="accent1"/>
+            </a:fillRef>
+            <a:effectRef idx="0">
+              <a:schemeClr val="accent1"/>
+            </a:effectRef>
+            <a:fontRef idx="minor">
+              <a:schemeClr val="lt1"/>
+            </a:fontRef>
+          </p:style>
+          <p:txBody>
+            <a:bodyPr rtlCol="0" anchor="ctr"/>
+            <a:lstStyle/>
+            <a:p>
+              <a:pPr algn="ctr"/>
+              <a:endParaRPr kumimoji="1" lang="ja-JP" altLang="en-US"/>
+            </a:p>
+          </p:txBody>
+        </p:sp>
+        <p:sp>
+          <p:nvSpPr>
+            <p:cNvPr id="123" name="正方形/長方形 122">
+              <a:extLst>
+                <a:ext uri="{FF2B5EF4-FFF2-40B4-BE49-F238E27FC236}">
+                  <a16:creationId xmlns:a16="http://schemas.microsoft.com/office/drawing/2014/main" id="{6B1945EB-3547-453B-858C-23C30094006E}"/>
+                </a:ext>
+              </a:extLst>
+            </p:cNvPr>
+            <p:cNvSpPr/>
+            <p:nvPr/>
+          </p:nvSpPr>
+          <p:spPr>
+            <a:xfrm>
+              <a:off x="2847909" y="1904999"/>
+              <a:ext cx="106192" cy="2183172"/>
+            </a:xfrm>
+            <a:prstGeom prst="rect">
+              <a:avLst/>
+            </a:prstGeom>
+            <a:solidFill>
+              <a:srgbClr val="FFC000"/>
+            </a:solidFill>
+          </p:spPr>
+          <p:style>
+            <a:lnRef idx="2">
+              <a:schemeClr val="accent1">
+                <a:shade val="50000"/>
+              </a:schemeClr>
+            </a:lnRef>
+            <a:fillRef idx="1">
+              <a:schemeClr val="accent1"/>
+            </a:fillRef>
+            <a:effectRef idx="0">
+              <a:schemeClr val="accent1"/>
+            </a:effectRef>
+            <a:fontRef idx="minor">
+              <a:schemeClr val="lt1"/>
+            </a:fontRef>
+          </p:style>
+          <p:txBody>
+            <a:bodyPr rtlCol="0" anchor="ctr"/>
+            <a:lstStyle/>
+            <a:p>
+              <a:pPr algn="ctr"/>
+              <a:endParaRPr kumimoji="1" lang="ja-JP" altLang="en-US"/>
+            </a:p>
+          </p:txBody>
+        </p:sp>
+      </p:grpSp>
+      <p:sp>
+        <p:nvSpPr>
+          <p:cNvPr id="124" name="正方形/長方形 123">
+            <a:extLst>
+              <a:ext uri="{FF2B5EF4-FFF2-40B4-BE49-F238E27FC236}">
+                <a16:creationId xmlns:a16="http://schemas.microsoft.com/office/drawing/2014/main" id="{ACE4D209-954F-48E4-86CA-1BDE72E83148}"/>
+              </a:ext>
+            </a:extLst>
+          </p:cNvPr>
+          <p:cNvSpPr/>
+          <p:nvPr/>
+        </p:nvSpPr>
+        <p:spPr>
+          <a:xfrm>
+            <a:off x="11933084" y="2663028"/>
+            <a:ext cx="106192" cy="818531"/>
+          </a:xfrm>
+          <a:prstGeom prst="rect">
+            <a:avLst/>
+          </a:prstGeom>
+          <a:solidFill>
+            <a:schemeClr val="bg1">
+              <a:lumMod val="65000"/>
+            </a:schemeClr>
+          </a:solidFill>
+        </p:spPr>
+        <p:style>
+          <a:lnRef idx="2">
+            <a:schemeClr val="accent1">
+              <a:shade val="50000"/>
+            </a:schemeClr>
+          </a:lnRef>
+          <a:fillRef idx="1">
+            <a:schemeClr val="accent1"/>
+          </a:fillRef>
+          <a:effectRef idx="0">
+            <a:schemeClr val="accent1"/>
+          </a:effectRef>
+          <a:fontRef idx="minor">
+            <a:schemeClr val="lt1"/>
+          </a:fontRef>
+        </p:style>
+        <p:txBody>
+          <a:bodyPr rtlCol="0" anchor="ctr"/>
+          <a:lstStyle/>
+          <a:p>
+            <a:pPr algn="ctr"/>
+            <a:endParaRPr kumimoji="1" lang="ja-JP" altLang="en-US"/>
           </a:p>
         </p:txBody>
       </p:sp>
     </p:spTree>
     <p:extLst>
       <p:ext uri="{BB962C8B-B14F-4D97-AF65-F5344CB8AC3E}">
-        <p14:creationId xmlns:p14="http://schemas.microsoft.com/office/powerpoint/2010/main" val="458290668"/>
+        <p14:creationId xmlns:p14="http://schemas.microsoft.com/office/powerpoint/2010/main" val="1663953519"/>
       </p:ext>
     </p:extLst>
   </p:cSld>
@@ -26322,7 +31007,7 @@
           <a:p>
             <a:r>
               <a:rPr kumimoji="1" lang="ja-JP" altLang="en-US" dirty="0"/>
-              <a:t>ビットエンコーディングをやりきる</a:t>
+              <a:t>環境構築</a:t>
             </a:r>
           </a:p>
         </p:txBody>
@@ -26332,7 +31017,7 @@
           <p:cNvPr id="3" name="コンテンツ プレースホルダー 2">
             <a:extLst>
               <a:ext uri="{FF2B5EF4-FFF2-40B4-BE49-F238E27FC236}">
-                <a16:creationId xmlns:a16="http://schemas.microsoft.com/office/drawing/2014/main" id="{E026692D-BC5B-41C4-8D10-F6D49AB28E6C}"/>
+                <a16:creationId xmlns:a16="http://schemas.microsoft.com/office/drawing/2014/main" id="{4F9802C6-7CB5-4049-992B-061AB9346087}"/>
               </a:ext>
             </a:extLst>
           </p:cNvPr>
@@ -26355,23 +31040,58 @@
           </a:bodyPr>
           <a:lstStyle/>
           <a:p>
+            <a:r>
+              <a:rPr lang="en-US" altLang="ja-JP" sz="2400" dirty="0" err="1"/>
+              <a:t>XGBoost</a:t>
+            </a:r>
+            <a:r>
+              <a:rPr lang="ja-JP" altLang="en-US" sz="2400" dirty="0"/>
+              <a:t> は重かった</a:t>
+            </a:r>
+            <a:r>
+              <a:rPr lang="en-US" altLang="ja-JP" sz="2400" dirty="0"/>
+              <a:t>…</a:t>
+            </a:r>
+          </a:p>
+          <a:p>
             <a:pPr marL="0" indent="0">
               <a:buNone/>
             </a:pPr>
             <a:r>
+              <a:rPr lang="ja-JP" altLang="en-US" sz="2400" dirty="0"/>
+              <a:t>    </a:t>
+            </a:r>
+            <a:r>
               <a:rPr lang="en-US" altLang="ja-JP" sz="2400" dirty="0"/>
-              <a:t>Station </a:t>
+              <a:t>Categorical</a:t>
             </a:r>
             <a:r>
               <a:rPr lang="ja-JP" altLang="en-US" sz="2400" dirty="0"/>
-              <a:t>ごとに</a:t>
-            </a:r>
-            <a:endParaRPr lang="en-US" altLang="ja-JP" sz="2400" dirty="0"/>
-          </a:p>
-          <a:p>
+              <a:t> </a:t>
+            </a:r>
+            <a:r>
+              <a:rPr lang="en-US" altLang="ja-JP" sz="2400" dirty="0"/>
+              <a:t>Data</a:t>
+            </a:r>
             <a:r>
               <a:rPr lang="ja-JP" altLang="en-US" sz="2400" dirty="0"/>
-              <a:t>重複している列を消す。</a:t>
+              <a:t> を全部入れると </a:t>
+            </a:r>
+            <a:r>
+              <a:rPr lang="en-US" altLang="ja-JP" sz="2400" dirty="0"/>
+              <a:t>(</a:t>
+            </a:r>
+            <a:r>
+              <a:rPr lang="ja-JP" altLang="en-US" sz="2400" dirty="0"/>
+              <a:t>重複削除しても</a:t>
+            </a:r>
+            <a:r>
+              <a:rPr lang="en-US" altLang="ja-JP" sz="2400" dirty="0"/>
+              <a:t>) memory error</a:t>
+            </a:r>
+            <a:r>
+              <a:rPr lang="ja-JP" altLang="en-US" sz="2400" dirty="0"/>
+              <a:t>に。</a:t>
             </a:r>
             <a:endParaRPr lang="en-US" altLang="ja-JP" sz="2400" dirty="0"/>
           </a:p>
@@ -26380,59 +31100,35 @@
               <a:buNone/>
             </a:pPr>
             <a:r>
+              <a:rPr lang="en-US" altLang="ja-JP" sz="2400" dirty="0"/>
+              <a:t>    </a:t>
+            </a:r>
+            <a:r>
               <a:rPr lang="ja-JP" altLang="en-US" sz="2400" dirty="0"/>
-              <a:t>    </a:t>
+              <a:t>アンダーサンプルしないと使えず、さらに複雑に</a:t>
             </a:r>
             <a:r>
               <a:rPr lang="en-US" altLang="ja-JP" sz="2400" dirty="0"/>
-              <a:t>※</a:t>
-            </a:r>
-            <a:r>
-              <a:rPr lang="ja-JP" altLang="en-US" sz="2400" dirty="0"/>
-              <a:t> 正確には、</a:t>
-            </a:r>
-            <a:r>
-              <a:rPr lang="en-US" altLang="ja-JP" sz="2400" dirty="0"/>
-              <a:t>2</a:t>
-            </a:r>
-            <a:r>
-              <a:rPr lang="ja-JP" altLang="en-US" sz="2400" dirty="0"/>
-              <a:t>個まで違うのは重複とみなす。</a:t>
-            </a:r>
-            <a:endParaRPr lang="en-US" altLang="ja-JP" sz="2400" dirty="0"/>
+              <a:t>… </a:t>
+            </a:r>
           </a:p>
           <a:p>
             <a:pPr marL="0" indent="0">
               <a:buNone/>
             </a:pPr>
             <a:r>
+              <a:rPr lang="ja-JP" altLang="en-US" sz="2400" dirty="0"/>
+              <a:t>    アンダーサンプルすると </a:t>
+            </a:r>
+            <a:r>
               <a:rPr lang="en-US" altLang="ja-JP" sz="2400" dirty="0"/>
-              <a:t>    ※</a:t>
+              <a:t>mcc</a:t>
             </a:r>
             <a:r>
               <a:rPr lang="ja-JP" altLang="en-US" sz="2400" dirty="0"/>
-              <a:t> ちなみに前回の   </a:t>
-            </a:r>
-            <a:r>
-              <a:rPr lang="en-US" altLang="ja-JP" sz="2400" dirty="0"/>
-              <a:t>.</a:t>
-            </a:r>
-            <a:r>
-              <a:rPr lang="en-US" altLang="ja-JP" sz="2400" dirty="0" err="1"/>
-              <a:t>T.drop_duplicate</a:t>
-            </a:r>
-            <a:r>
-              <a:rPr lang="en-US" altLang="ja-JP" sz="2400" dirty="0"/>
-              <a:t>().T </a:t>
-            </a:r>
-            <a:r>
-              <a:rPr lang="ja-JP" altLang="en-US" sz="2400" dirty="0"/>
-              <a:t>は遅すぎて使えない。</a:t>
-            </a:r>
-            <a:r>
-              <a:rPr lang="en-US" altLang="ja-JP" sz="2400" dirty="0"/>
-              <a:t> </a:t>
-            </a:r>
+              <a:t> まわりが複雑になる。</a:t>
+            </a:r>
+            <a:endParaRPr lang="en-US" altLang="ja-JP" sz="2400" dirty="0"/>
           </a:p>
           <a:p>
             <a:pPr marL="0" indent="0">
@@ -26443,11 +31139,55 @@
           <a:p>
             <a:r>
               <a:rPr lang="en-US" altLang="ja-JP" sz="2400" dirty="0"/>
-              <a:t>numeric</a:t>
+              <a:t>LGBM</a:t>
             </a:r>
             <a:r>
               <a:rPr lang="ja-JP" altLang="en-US" sz="2400" dirty="0"/>
-              <a:t> も同じことをやった。</a:t>
+              <a:t> でメモリ消費量、時間が  </a:t>
+            </a:r>
+            <a:r>
+              <a:rPr lang="en-US" altLang="ja-JP" sz="2400" dirty="0"/>
+              <a:t>1/10</a:t>
+            </a:r>
+            <a:r>
+              <a:rPr lang="ja-JP" altLang="en-US" sz="2400" dirty="0"/>
+              <a:t>になったイメージ。</a:t>
+            </a:r>
+            <a:endParaRPr lang="en-US" altLang="ja-JP" sz="2400" dirty="0"/>
+          </a:p>
+          <a:p>
+            <a:pPr marL="0" indent="0">
+              <a:buNone/>
+            </a:pPr>
+            <a:r>
+              <a:rPr lang="ja-JP" altLang="en-US" sz="2400" dirty="0"/>
+              <a:t>     精度はやや落ちた気がする</a:t>
+            </a:r>
+            <a:r>
+              <a:rPr lang="en-US" altLang="ja-JP" sz="2400" dirty="0"/>
+              <a:t>(0.03</a:t>
+            </a:r>
+            <a:r>
+              <a:rPr lang="ja-JP" altLang="en-US" sz="2400" dirty="0"/>
+              <a:t>程度</a:t>
+            </a:r>
+            <a:r>
+              <a:rPr lang="en-US" altLang="ja-JP" sz="2400" dirty="0"/>
+              <a:t>)</a:t>
+            </a:r>
+            <a:r>
+              <a:rPr lang="ja-JP" altLang="en-US" sz="2400" dirty="0"/>
+              <a:t>が、</a:t>
+            </a:r>
+            <a:endParaRPr lang="en-US" altLang="ja-JP" sz="2400" dirty="0"/>
+          </a:p>
+          <a:p>
+            <a:pPr marL="0" indent="0">
+              <a:buNone/>
+            </a:pPr>
+            <a:r>
+              <a:rPr lang="ja-JP" altLang="en-US" sz="2400" dirty="0"/>
+              <a:t>     パラメータチューニングをほとんどやらなかったせいかも。</a:t>
             </a:r>
             <a:endParaRPr lang="en-US" altLang="ja-JP" sz="2400" dirty="0"/>
           </a:p>
@@ -26462,7 +31202,7 @@
     </p:spTree>
     <p:extLst>
       <p:ext uri="{BB962C8B-B14F-4D97-AF65-F5344CB8AC3E}">
-        <p14:creationId xmlns:p14="http://schemas.microsoft.com/office/powerpoint/2010/main" val="2429942023"/>
+        <p14:creationId xmlns:p14="http://schemas.microsoft.com/office/powerpoint/2010/main" val="458290668"/>
       </p:ext>
     </p:extLst>
   </p:cSld>
